--- a/CloudMigration/CREATING Cloud Migration Strategy.pptx
+++ b/CloudMigration/CREATING Cloud Migration Strategy.pptx
@@ -2,7 +2,7 @@
 <file path=ppt/presentation.xml><?xml version="1.0" encoding="utf-8"?>
 <p:presentation xmlns:a="http://schemas.openxmlformats.org/drawingml/2006/main" xmlns:r="http://schemas.openxmlformats.org/officeDocument/2006/relationships" xmlns:p="http://schemas.openxmlformats.org/presentationml/2006/main" saveSubsetFonts="1">
   <p:sldMasterIdLst>
-    <p:sldMasterId id="2147483660" r:id="rId1"/>
+    <p:sldMasterId id="2147483767" r:id="rId1"/>
   </p:sldMasterIdLst>
   <p:notesMasterIdLst>
     <p:notesMasterId r:id="rId8"/>
@@ -112,6 +112,11 @@
       </a:defRPr>
     </a:lvl9pPr>
   </p:defaultTextStyle>
+  <p:extLst>
+    <p:ext uri="{EFAFB233-063F-42B5-8137-9DF3F51BA10A}">
+      <p15:sldGuideLst xmlns:p15="http://schemas.microsoft.com/office/powerpoint/2012/main"/>
+    </p:ext>
+  </p:extLst>
 </p:presentation>
 </file>
 
@@ -824,12 +829,940 @@
 </file>
 
 <file path=ppt/slideLayouts/slideLayout1.xml><?xml version="1.0" encoding="utf-8"?>
-<p:sldLayout xmlns:a="http://schemas.openxmlformats.org/drawingml/2006/main" xmlns:r="http://schemas.openxmlformats.org/officeDocument/2006/relationships" xmlns:p="http://schemas.openxmlformats.org/presentationml/2006/main" type="title" preserve="1">
+<p:sldLayout xmlns:a="http://schemas.openxmlformats.org/drawingml/2006/main" xmlns:r="http://schemas.openxmlformats.org/officeDocument/2006/relationships" xmlns:p="http://schemas.openxmlformats.org/presentationml/2006/main" showMasterSp="0" type="title" preserve="1">
   <p:cSld name="Title Slide">
+    <p:spTree>
+      <p:nvGrpSpPr>
+        <p:cNvPr id="1" name=""/>
+        <p:cNvGrpSpPr/>
+        <p:nvPr/>
+      </p:nvGrpSpPr>
+      <p:grpSpPr>
+        <a:xfrm>
+          <a:off x="0" y="0"/>
+          <a:ext cx="0" cy="0"/>
+          <a:chOff x="0" y="0"/>
+          <a:chExt cx="0" cy="0"/>
+        </a:xfrm>
+      </p:grpSpPr>
+      <p:sp>
+        <p:nvSpPr>
+          <p:cNvPr id="7" name="Rectangle 6"/>
+          <p:cNvSpPr/>
+          <p:nvPr/>
+        </p:nvSpPr>
+        <p:spPr>
+          <a:xfrm>
+            <a:off x="3175" y="6400800"/>
+            <a:ext cx="12188825" cy="457200"/>
+          </a:xfrm>
+          <a:prstGeom prst="rect">
+            <a:avLst/>
+          </a:prstGeom>
+          <a:solidFill>
+            <a:schemeClr val="accent2"/>
+          </a:solidFill>
+          <a:ln>
+            <a:noFill/>
+          </a:ln>
+        </p:spPr>
+        <p:style>
+          <a:lnRef idx="2">
+            <a:schemeClr val="accent1">
+              <a:shade val="50000"/>
+            </a:schemeClr>
+          </a:lnRef>
+          <a:fillRef idx="1">
+            <a:schemeClr val="accent1"/>
+          </a:fillRef>
+          <a:effectRef idx="0">
+            <a:schemeClr val="accent1"/>
+          </a:effectRef>
+          <a:fontRef idx="minor">
+            <a:schemeClr val="lt1"/>
+          </a:fontRef>
+        </p:style>
+      </p:sp>
+      <p:sp>
+        <p:nvSpPr>
+          <p:cNvPr id="8" name="Rectangle 7"/>
+          <p:cNvSpPr/>
+          <p:nvPr/>
+        </p:nvSpPr>
+        <p:spPr>
+          <a:xfrm>
+            <a:off x="15" y="6334316"/>
+            <a:ext cx="12188825" cy="64008"/>
+          </a:xfrm>
+          <a:prstGeom prst="rect">
+            <a:avLst/>
+          </a:prstGeom>
+          <a:solidFill>
+            <a:schemeClr val="accent1"/>
+          </a:solidFill>
+          <a:ln>
+            <a:noFill/>
+          </a:ln>
+        </p:spPr>
+        <p:style>
+          <a:lnRef idx="2">
+            <a:schemeClr val="accent1">
+              <a:shade val="50000"/>
+            </a:schemeClr>
+          </a:lnRef>
+          <a:fillRef idx="1">
+            <a:schemeClr val="accent1"/>
+          </a:fillRef>
+          <a:effectRef idx="0">
+            <a:schemeClr val="accent1"/>
+          </a:effectRef>
+          <a:fontRef idx="minor">
+            <a:schemeClr val="lt1"/>
+          </a:fontRef>
+        </p:style>
+      </p:sp>
+      <p:sp>
+        <p:nvSpPr>
+          <p:cNvPr id="2" name="Title 1"/>
+          <p:cNvSpPr>
+            <a:spLocks noGrp="1"/>
+          </p:cNvSpPr>
+          <p:nvPr>
+            <p:ph type="ctrTitle"/>
+          </p:nvPr>
+        </p:nvSpPr>
+        <p:spPr>
+          <a:xfrm>
+            <a:off x="1097280" y="758952"/>
+            <a:ext cx="10058400" cy="3566160"/>
+          </a:xfrm>
+        </p:spPr>
+        <p:txBody>
+          <a:bodyPr anchor="b">
+            <a:normAutofit/>
+          </a:bodyPr>
+          <a:lstStyle>
+            <a:lvl1pPr algn="l">
+              <a:lnSpc>
+                <a:spcPct val="85000"/>
+              </a:lnSpc>
+              <a:defRPr sz="8000" spc="-50" baseline="0">
+                <a:solidFill>
+                  <a:schemeClr val="tx1">
+                    <a:lumMod val="85000"/>
+                    <a:lumOff val="15000"/>
+                  </a:schemeClr>
+                </a:solidFill>
+              </a:defRPr>
+            </a:lvl1pPr>
+          </a:lstStyle>
+          <a:p>
+            <a:r>
+              <a:rPr lang="en-US"/>
+              <a:t>Click to edit Master title style</a:t>
+            </a:r>
+            <a:endParaRPr lang="en-US" dirty="0"/>
+          </a:p>
+        </p:txBody>
+      </p:sp>
+      <p:sp>
+        <p:nvSpPr>
+          <p:cNvPr id="3" name="Subtitle 2"/>
+          <p:cNvSpPr>
+            <a:spLocks noGrp="1"/>
+          </p:cNvSpPr>
+          <p:nvPr>
+            <p:ph type="subTitle" idx="1"/>
+          </p:nvPr>
+        </p:nvSpPr>
+        <p:spPr>
+          <a:xfrm>
+            <a:off x="1100051" y="4455620"/>
+            <a:ext cx="10058400" cy="1143000"/>
+          </a:xfrm>
+        </p:spPr>
+        <p:txBody>
+          <a:bodyPr lIns="91440" rIns="91440">
+            <a:normAutofit/>
+          </a:bodyPr>
+          <a:lstStyle>
+            <a:lvl1pPr marL="0" indent="0" algn="l">
+              <a:buNone/>
+              <a:defRPr sz="2400" cap="all" spc="200" baseline="0">
+                <a:solidFill>
+                  <a:schemeClr val="tx2"/>
+                </a:solidFill>
+                <a:latin typeface="+mj-lt"/>
+              </a:defRPr>
+            </a:lvl1pPr>
+            <a:lvl2pPr marL="457200" indent="0" algn="ctr">
+              <a:buNone/>
+              <a:defRPr sz="2400"/>
+            </a:lvl2pPr>
+            <a:lvl3pPr marL="914400" indent="0" algn="ctr">
+              <a:buNone/>
+              <a:defRPr sz="2400"/>
+            </a:lvl3pPr>
+            <a:lvl4pPr marL="1371600" indent="0" algn="ctr">
+              <a:buNone/>
+              <a:defRPr sz="2000"/>
+            </a:lvl4pPr>
+            <a:lvl5pPr marL="1828800" indent="0" algn="ctr">
+              <a:buNone/>
+              <a:defRPr sz="2000"/>
+            </a:lvl5pPr>
+            <a:lvl6pPr marL="2286000" indent="0" algn="ctr">
+              <a:buNone/>
+              <a:defRPr sz="2000"/>
+            </a:lvl6pPr>
+            <a:lvl7pPr marL="2743200" indent="0" algn="ctr">
+              <a:buNone/>
+              <a:defRPr sz="2000"/>
+            </a:lvl7pPr>
+            <a:lvl8pPr marL="3200400" indent="0" algn="ctr">
+              <a:buNone/>
+              <a:defRPr sz="2000"/>
+            </a:lvl8pPr>
+            <a:lvl9pPr marL="3657600" indent="0" algn="ctr">
+              <a:buNone/>
+              <a:defRPr sz="2000"/>
+            </a:lvl9pPr>
+          </a:lstStyle>
+          <a:p>
+            <a:r>
+              <a:rPr lang="en-US"/>
+              <a:t>Click to edit Master subtitle style</a:t>
+            </a:r>
+            <a:endParaRPr lang="en-US" dirty="0"/>
+          </a:p>
+        </p:txBody>
+      </p:sp>
+      <p:sp>
+        <p:nvSpPr>
+          <p:cNvPr id="4" name="Date Placeholder 3"/>
+          <p:cNvSpPr>
+            <a:spLocks noGrp="1"/>
+          </p:cNvSpPr>
+          <p:nvPr>
+            <p:ph type="dt" sz="half" idx="10"/>
+          </p:nvPr>
+        </p:nvSpPr>
+        <p:spPr/>
+        <p:txBody>
+          <a:bodyPr/>
+          <a:lstStyle/>
+          <a:p>
+            <a:fld id="{D2CA09ED-00E1-48A1-A46D-444D2CA76DC6}" type="datetimeFigureOut">
+              <a:rPr lang="en-IN" smtClean="0"/>
+              <a:t>09-02-2023</a:t>
+            </a:fld>
+            <a:endParaRPr lang="en-IN"/>
+          </a:p>
+        </p:txBody>
+      </p:sp>
+      <p:sp>
+        <p:nvSpPr>
+          <p:cNvPr id="5" name="Footer Placeholder 4"/>
+          <p:cNvSpPr>
+            <a:spLocks noGrp="1"/>
+          </p:cNvSpPr>
+          <p:nvPr>
+            <p:ph type="ftr" sz="quarter" idx="11"/>
+          </p:nvPr>
+        </p:nvSpPr>
+        <p:spPr/>
+        <p:txBody>
+          <a:bodyPr/>
+          <a:lstStyle/>
+          <a:p>
+            <a:endParaRPr lang="en-IN"/>
+          </a:p>
+        </p:txBody>
+      </p:sp>
+      <p:sp>
+        <p:nvSpPr>
+          <p:cNvPr id="6" name="Slide Number Placeholder 5"/>
+          <p:cNvSpPr>
+            <a:spLocks noGrp="1"/>
+          </p:cNvSpPr>
+          <p:nvPr>
+            <p:ph type="sldNum" sz="quarter" idx="12"/>
+          </p:nvPr>
+        </p:nvSpPr>
+        <p:spPr/>
+        <p:txBody>
+          <a:bodyPr/>
+          <a:lstStyle/>
+          <a:p>
+            <a:fld id="{4AAACA60-61EE-497D-9DCF-41BDB11FB224}" type="slidenum">
+              <a:rPr lang="en-IN" smtClean="0"/>
+              <a:t>‹#›</a:t>
+            </a:fld>
+            <a:endParaRPr lang="en-IN"/>
+          </a:p>
+        </p:txBody>
+      </p:sp>
+      <p:cxnSp>
+        <p:nvCxnSpPr>
+          <p:cNvPr id="9" name="Straight Connector 8"/>
+          <p:cNvCxnSpPr/>
+          <p:nvPr/>
+        </p:nvCxnSpPr>
+        <p:spPr>
+          <a:xfrm>
+            <a:off x="1207658" y="4343400"/>
+            <a:ext cx="9875520" cy="0"/>
+          </a:xfrm>
+          <a:prstGeom prst="line">
+            <a:avLst/>
+          </a:prstGeom>
+          <a:ln w="6350">
+            <a:solidFill>
+              <a:schemeClr val="tx1">
+                <a:lumMod val="50000"/>
+                <a:lumOff val="50000"/>
+              </a:schemeClr>
+            </a:solidFill>
+          </a:ln>
+        </p:spPr>
+        <p:style>
+          <a:lnRef idx="1">
+            <a:schemeClr val="accent1"/>
+          </a:lnRef>
+          <a:fillRef idx="0">
+            <a:schemeClr val="accent1"/>
+          </a:fillRef>
+          <a:effectRef idx="0">
+            <a:schemeClr val="accent1"/>
+          </a:effectRef>
+          <a:fontRef idx="minor">
+            <a:schemeClr val="tx1"/>
+          </a:fontRef>
+        </p:style>
+      </p:cxnSp>
+    </p:spTree>
+    <p:extLst>
+      <p:ext uri="{BB962C8B-B14F-4D97-AF65-F5344CB8AC3E}">
+        <p14:creationId xmlns:p14="http://schemas.microsoft.com/office/powerpoint/2010/main" val="1546156842"/>
+      </p:ext>
+    </p:extLst>
+  </p:cSld>
+  <p:clrMapOvr>
+    <a:masterClrMapping/>
+  </p:clrMapOvr>
+</p:sldLayout>
+</file>
+
+<file path=ppt/slideLayouts/slideLayout10.xml><?xml version="1.0" encoding="utf-8"?>
+<p:sldLayout xmlns:a="http://schemas.openxmlformats.org/drawingml/2006/main" xmlns:r="http://schemas.openxmlformats.org/officeDocument/2006/relationships" xmlns:p="http://schemas.openxmlformats.org/presentationml/2006/main" type="vertTx" preserve="1">
+  <p:cSld name="Title and Vertical Text">
+    <p:spTree>
+      <p:nvGrpSpPr>
+        <p:cNvPr id="1" name=""/>
+        <p:cNvGrpSpPr/>
+        <p:nvPr/>
+      </p:nvGrpSpPr>
+      <p:grpSpPr>
+        <a:xfrm>
+          <a:off x="0" y="0"/>
+          <a:ext cx="0" cy="0"/>
+          <a:chOff x="0" y="0"/>
+          <a:chExt cx="0" cy="0"/>
+        </a:xfrm>
+      </p:grpSpPr>
+      <p:sp>
+        <p:nvSpPr>
+          <p:cNvPr id="2" name="Title 1"/>
+          <p:cNvSpPr>
+            <a:spLocks noGrp="1"/>
+          </p:cNvSpPr>
+          <p:nvPr>
+            <p:ph type="title"/>
+          </p:nvPr>
+        </p:nvSpPr>
+        <p:spPr/>
+        <p:txBody>
+          <a:bodyPr/>
+          <a:lstStyle/>
+          <a:p>
+            <a:r>
+              <a:rPr lang="en-US"/>
+              <a:t>Click to edit Master title style</a:t>
+            </a:r>
+            <a:endParaRPr lang="en-US" dirty="0"/>
+          </a:p>
+        </p:txBody>
+      </p:sp>
+      <p:sp>
+        <p:nvSpPr>
+          <p:cNvPr id="3" name="Vertical Text Placeholder 2"/>
+          <p:cNvSpPr>
+            <a:spLocks noGrp="1"/>
+          </p:cNvSpPr>
+          <p:nvPr>
+            <p:ph type="body" orient="vert" idx="1"/>
+          </p:nvPr>
+        </p:nvSpPr>
+        <p:spPr/>
+        <p:txBody>
+          <a:bodyPr vert="eaVert" lIns="45720" tIns="0" rIns="45720" bIns="0"/>
+          <a:lstStyle/>
+          <a:p>
+            <a:pPr lvl="0"/>
+            <a:r>
+              <a:rPr lang="en-US"/>
+              <a:t>Click to edit Master text styles</a:t>
+            </a:r>
+          </a:p>
+          <a:p>
+            <a:pPr lvl="1"/>
+            <a:r>
+              <a:rPr lang="en-US"/>
+              <a:t>Second level</a:t>
+            </a:r>
+          </a:p>
+          <a:p>
+            <a:pPr lvl="2"/>
+            <a:r>
+              <a:rPr lang="en-US"/>
+              <a:t>Third level</a:t>
+            </a:r>
+          </a:p>
+          <a:p>
+            <a:pPr lvl="3"/>
+            <a:r>
+              <a:rPr lang="en-US"/>
+              <a:t>Fourth level</a:t>
+            </a:r>
+          </a:p>
+          <a:p>
+            <a:pPr lvl="4"/>
+            <a:r>
+              <a:rPr lang="en-US"/>
+              <a:t>Fifth level</a:t>
+            </a:r>
+            <a:endParaRPr lang="en-US" dirty="0"/>
+          </a:p>
+        </p:txBody>
+      </p:sp>
+      <p:sp>
+        <p:nvSpPr>
+          <p:cNvPr id="4" name="Date Placeholder 3"/>
+          <p:cNvSpPr>
+            <a:spLocks noGrp="1"/>
+          </p:cNvSpPr>
+          <p:nvPr>
+            <p:ph type="dt" sz="half" idx="10"/>
+          </p:nvPr>
+        </p:nvSpPr>
+        <p:spPr/>
+        <p:txBody>
+          <a:bodyPr/>
+          <a:lstStyle/>
+          <a:p>
+            <a:fld id="{D2CA09ED-00E1-48A1-A46D-444D2CA76DC6}" type="datetimeFigureOut">
+              <a:rPr lang="en-IN" smtClean="0"/>
+              <a:t>09-02-2023</a:t>
+            </a:fld>
+            <a:endParaRPr lang="en-IN"/>
+          </a:p>
+        </p:txBody>
+      </p:sp>
+      <p:sp>
+        <p:nvSpPr>
+          <p:cNvPr id="5" name="Footer Placeholder 4"/>
+          <p:cNvSpPr>
+            <a:spLocks noGrp="1"/>
+          </p:cNvSpPr>
+          <p:nvPr>
+            <p:ph type="ftr" sz="quarter" idx="11"/>
+          </p:nvPr>
+        </p:nvSpPr>
+        <p:spPr/>
+        <p:txBody>
+          <a:bodyPr/>
+          <a:lstStyle/>
+          <a:p>
+            <a:endParaRPr lang="en-IN"/>
+          </a:p>
+        </p:txBody>
+      </p:sp>
+      <p:sp>
+        <p:nvSpPr>
+          <p:cNvPr id="6" name="Slide Number Placeholder 5"/>
+          <p:cNvSpPr>
+            <a:spLocks noGrp="1"/>
+          </p:cNvSpPr>
+          <p:nvPr>
+            <p:ph type="sldNum" sz="quarter" idx="12"/>
+          </p:nvPr>
+        </p:nvSpPr>
+        <p:spPr/>
+        <p:txBody>
+          <a:bodyPr/>
+          <a:lstStyle/>
+          <a:p>
+            <a:fld id="{4AAACA60-61EE-497D-9DCF-41BDB11FB224}" type="slidenum">
+              <a:rPr lang="en-IN" smtClean="0"/>
+              <a:t>‹#›</a:t>
+            </a:fld>
+            <a:endParaRPr lang="en-IN"/>
+          </a:p>
+        </p:txBody>
+      </p:sp>
+    </p:spTree>
+    <p:extLst>
+      <p:ext uri="{BB962C8B-B14F-4D97-AF65-F5344CB8AC3E}">
+        <p14:creationId xmlns:p14="http://schemas.microsoft.com/office/powerpoint/2010/main" val="246823802"/>
+      </p:ext>
+    </p:extLst>
+  </p:cSld>
+  <p:clrMapOvr>
+    <a:masterClrMapping/>
+  </p:clrMapOvr>
+</p:sldLayout>
+</file>
+
+<file path=ppt/slideLayouts/slideLayout11.xml><?xml version="1.0" encoding="utf-8"?>
+<p:sldLayout xmlns:a="http://schemas.openxmlformats.org/drawingml/2006/main" xmlns:r="http://schemas.openxmlformats.org/officeDocument/2006/relationships" xmlns:p="http://schemas.openxmlformats.org/presentationml/2006/main" showMasterSp="0" type="vertTitleAndTx" preserve="1">
+  <p:cSld name="Vertical Title and Text">
+    <p:spTree>
+      <p:nvGrpSpPr>
+        <p:cNvPr id="1" name=""/>
+        <p:cNvGrpSpPr/>
+        <p:nvPr/>
+      </p:nvGrpSpPr>
+      <p:grpSpPr>
+        <a:xfrm>
+          <a:off x="0" y="0"/>
+          <a:ext cx="0" cy="0"/>
+          <a:chOff x="0" y="0"/>
+          <a:chExt cx="0" cy="0"/>
+        </a:xfrm>
+      </p:grpSpPr>
+      <p:sp>
+        <p:nvSpPr>
+          <p:cNvPr id="7" name="Rectangle 6"/>
+          <p:cNvSpPr/>
+          <p:nvPr/>
+        </p:nvSpPr>
+        <p:spPr>
+          <a:xfrm>
+            <a:off x="3175" y="6400800"/>
+            <a:ext cx="12188825" cy="457200"/>
+          </a:xfrm>
+          <a:prstGeom prst="rect">
+            <a:avLst/>
+          </a:prstGeom>
+          <a:solidFill>
+            <a:schemeClr val="accent2"/>
+          </a:solidFill>
+          <a:ln>
+            <a:noFill/>
+          </a:ln>
+        </p:spPr>
+        <p:style>
+          <a:lnRef idx="2">
+            <a:schemeClr val="accent1">
+              <a:shade val="50000"/>
+            </a:schemeClr>
+          </a:lnRef>
+          <a:fillRef idx="1">
+            <a:schemeClr val="accent1"/>
+          </a:fillRef>
+          <a:effectRef idx="0">
+            <a:schemeClr val="accent1"/>
+          </a:effectRef>
+          <a:fontRef idx="minor">
+            <a:schemeClr val="lt1"/>
+          </a:fontRef>
+        </p:style>
+      </p:sp>
+      <p:sp>
+        <p:nvSpPr>
+          <p:cNvPr id="8" name="Rectangle 7"/>
+          <p:cNvSpPr/>
+          <p:nvPr/>
+        </p:nvSpPr>
+        <p:spPr>
+          <a:xfrm>
+            <a:off x="15" y="6334316"/>
+            <a:ext cx="12188825" cy="64008"/>
+          </a:xfrm>
+          <a:prstGeom prst="rect">
+            <a:avLst/>
+          </a:prstGeom>
+          <a:solidFill>
+            <a:schemeClr val="accent1"/>
+          </a:solidFill>
+          <a:ln>
+            <a:noFill/>
+          </a:ln>
+        </p:spPr>
+        <p:style>
+          <a:lnRef idx="2">
+            <a:schemeClr val="accent1">
+              <a:shade val="50000"/>
+            </a:schemeClr>
+          </a:lnRef>
+          <a:fillRef idx="1">
+            <a:schemeClr val="accent1"/>
+          </a:fillRef>
+          <a:effectRef idx="0">
+            <a:schemeClr val="accent1"/>
+          </a:effectRef>
+          <a:fontRef idx="minor">
+            <a:schemeClr val="lt1"/>
+          </a:fontRef>
+        </p:style>
+      </p:sp>
+      <p:sp>
+        <p:nvSpPr>
+          <p:cNvPr id="2" name="Vertical Title 1"/>
+          <p:cNvSpPr>
+            <a:spLocks noGrp="1"/>
+          </p:cNvSpPr>
+          <p:nvPr>
+            <p:ph type="title" orient="vert"/>
+          </p:nvPr>
+        </p:nvSpPr>
+        <p:spPr>
+          <a:xfrm>
+            <a:off x="8724900" y="414778"/>
+            <a:ext cx="2628900" cy="5757421"/>
+          </a:xfrm>
+        </p:spPr>
+        <p:txBody>
+          <a:bodyPr vert="eaVert"/>
+          <a:lstStyle/>
+          <a:p>
+            <a:r>
+              <a:rPr lang="en-US"/>
+              <a:t>Click to edit Master title style</a:t>
+            </a:r>
+            <a:endParaRPr lang="en-US" dirty="0"/>
+          </a:p>
+        </p:txBody>
+      </p:sp>
+      <p:sp>
+        <p:nvSpPr>
+          <p:cNvPr id="3" name="Vertical Text Placeholder 2"/>
+          <p:cNvSpPr>
+            <a:spLocks noGrp="1"/>
+          </p:cNvSpPr>
+          <p:nvPr>
+            <p:ph type="body" orient="vert" idx="1"/>
+          </p:nvPr>
+        </p:nvSpPr>
+        <p:spPr>
+          <a:xfrm>
+            <a:off x="838200" y="414778"/>
+            <a:ext cx="7734300" cy="5757422"/>
+          </a:xfrm>
+        </p:spPr>
+        <p:txBody>
+          <a:bodyPr vert="eaVert" lIns="45720" tIns="0" rIns="45720" bIns="0"/>
+          <a:lstStyle/>
+          <a:p>
+            <a:pPr lvl="0"/>
+            <a:r>
+              <a:rPr lang="en-US"/>
+              <a:t>Click to edit Master text styles</a:t>
+            </a:r>
+          </a:p>
+          <a:p>
+            <a:pPr lvl="1"/>
+            <a:r>
+              <a:rPr lang="en-US"/>
+              <a:t>Second level</a:t>
+            </a:r>
+          </a:p>
+          <a:p>
+            <a:pPr lvl="2"/>
+            <a:r>
+              <a:rPr lang="en-US"/>
+              <a:t>Third level</a:t>
+            </a:r>
+          </a:p>
+          <a:p>
+            <a:pPr lvl="3"/>
+            <a:r>
+              <a:rPr lang="en-US"/>
+              <a:t>Fourth level</a:t>
+            </a:r>
+          </a:p>
+          <a:p>
+            <a:pPr lvl="4"/>
+            <a:r>
+              <a:rPr lang="en-US"/>
+              <a:t>Fifth level</a:t>
+            </a:r>
+            <a:endParaRPr lang="en-US" dirty="0"/>
+          </a:p>
+        </p:txBody>
+      </p:sp>
+      <p:sp>
+        <p:nvSpPr>
+          <p:cNvPr id="4" name="Date Placeholder 3"/>
+          <p:cNvSpPr>
+            <a:spLocks noGrp="1"/>
+          </p:cNvSpPr>
+          <p:nvPr>
+            <p:ph type="dt" sz="half" idx="10"/>
+          </p:nvPr>
+        </p:nvSpPr>
+        <p:spPr/>
+        <p:txBody>
+          <a:bodyPr/>
+          <a:lstStyle/>
+          <a:p>
+            <a:fld id="{D2CA09ED-00E1-48A1-A46D-444D2CA76DC6}" type="datetimeFigureOut">
+              <a:rPr lang="en-IN" smtClean="0"/>
+              <a:t>09-02-2023</a:t>
+            </a:fld>
+            <a:endParaRPr lang="en-IN"/>
+          </a:p>
+        </p:txBody>
+      </p:sp>
+      <p:sp>
+        <p:nvSpPr>
+          <p:cNvPr id="5" name="Footer Placeholder 4"/>
+          <p:cNvSpPr>
+            <a:spLocks noGrp="1"/>
+          </p:cNvSpPr>
+          <p:nvPr>
+            <p:ph type="ftr" sz="quarter" idx="11"/>
+          </p:nvPr>
+        </p:nvSpPr>
+        <p:spPr/>
+        <p:txBody>
+          <a:bodyPr/>
+          <a:lstStyle/>
+          <a:p>
+            <a:endParaRPr lang="en-IN"/>
+          </a:p>
+        </p:txBody>
+      </p:sp>
+      <p:sp>
+        <p:nvSpPr>
+          <p:cNvPr id="6" name="Slide Number Placeholder 5"/>
+          <p:cNvSpPr>
+            <a:spLocks noGrp="1"/>
+          </p:cNvSpPr>
+          <p:nvPr>
+            <p:ph type="sldNum" sz="quarter" idx="12"/>
+          </p:nvPr>
+        </p:nvSpPr>
+        <p:spPr/>
+        <p:txBody>
+          <a:bodyPr/>
+          <a:lstStyle/>
+          <a:p>
+            <a:fld id="{4AAACA60-61EE-497D-9DCF-41BDB11FB224}" type="slidenum">
+              <a:rPr lang="en-IN" smtClean="0"/>
+              <a:t>‹#›</a:t>
+            </a:fld>
+            <a:endParaRPr lang="en-IN"/>
+          </a:p>
+        </p:txBody>
+      </p:sp>
+    </p:spTree>
+    <p:extLst>
+      <p:ext uri="{BB962C8B-B14F-4D97-AF65-F5344CB8AC3E}">
+        <p14:creationId xmlns:p14="http://schemas.microsoft.com/office/powerpoint/2010/main" val="3295816095"/>
+      </p:ext>
+    </p:extLst>
+  </p:cSld>
+  <p:clrMapOvr>
+    <a:masterClrMapping/>
+  </p:clrMapOvr>
+</p:sldLayout>
+</file>
+
+<file path=ppt/slideLayouts/slideLayout2.xml><?xml version="1.0" encoding="utf-8"?>
+<p:sldLayout xmlns:a="http://schemas.openxmlformats.org/drawingml/2006/main" xmlns:r="http://schemas.openxmlformats.org/officeDocument/2006/relationships" xmlns:p="http://schemas.openxmlformats.org/presentationml/2006/main" type="obj" preserve="1">
+  <p:cSld name="Title and Content">
+    <p:spTree>
+      <p:nvGrpSpPr>
+        <p:cNvPr id="1" name=""/>
+        <p:cNvGrpSpPr/>
+        <p:nvPr/>
+      </p:nvGrpSpPr>
+      <p:grpSpPr>
+        <a:xfrm>
+          <a:off x="0" y="0"/>
+          <a:ext cx="0" cy="0"/>
+          <a:chOff x="0" y="0"/>
+          <a:chExt cx="0" cy="0"/>
+        </a:xfrm>
+      </p:grpSpPr>
+      <p:sp>
+        <p:nvSpPr>
+          <p:cNvPr id="2" name="Title 1"/>
+          <p:cNvSpPr>
+            <a:spLocks noGrp="1"/>
+          </p:cNvSpPr>
+          <p:nvPr>
+            <p:ph type="title"/>
+          </p:nvPr>
+        </p:nvSpPr>
+        <p:spPr/>
+        <p:txBody>
+          <a:bodyPr/>
+          <a:lstStyle>
+            <a:lvl1pPr marL="0">
+              <a:defRPr/>
+            </a:lvl1pPr>
+          </a:lstStyle>
+          <a:p>
+            <a:r>
+              <a:rPr lang="en-US"/>
+              <a:t>Click to edit Master title style</a:t>
+            </a:r>
+            <a:endParaRPr lang="en-US" dirty="0"/>
+          </a:p>
+        </p:txBody>
+      </p:sp>
+      <p:sp>
+        <p:nvSpPr>
+          <p:cNvPr id="3" name="Content Placeholder 2"/>
+          <p:cNvSpPr>
+            <a:spLocks noGrp="1"/>
+          </p:cNvSpPr>
+          <p:nvPr>
+            <p:ph idx="1"/>
+          </p:nvPr>
+        </p:nvSpPr>
+        <p:spPr/>
+        <p:txBody>
+          <a:bodyPr/>
+          <a:lstStyle/>
+          <a:p>
+            <a:pPr lvl="0"/>
+            <a:r>
+              <a:rPr lang="en-US"/>
+              <a:t>Click to edit Master text styles</a:t>
+            </a:r>
+          </a:p>
+          <a:p>
+            <a:pPr lvl="1"/>
+            <a:r>
+              <a:rPr lang="en-US"/>
+              <a:t>Second level</a:t>
+            </a:r>
+          </a:p>
+          <a:p>
+            <a:pPr lvl="2"/>
+            <a:r>
+              <a:rPr lang="en-US"/>
+              <a:t>Third level</a:t>
+            </a:r>
+          </a:p>
+          <a:p>
+            <a:pPr lvl="3"/>
+            <a:r>
+              <a:rPr lang="en-US"/>
+              <a:t>Fourth level</a:t>
+            </a:r>
+          </a:p>
+          <a:p>
+            <a:pPr lvl="4"/>
+            <a:r>
+              <a:rPr lang="en-US"/>
+              <a:t>Fifth level</a:t>
+            </a:r>
+            <a:endParaRPr lang="en-US" dirty="0"/>
+          </a:p>
+        </p:txBody>
+      </p:sp>
+      <p:sp>
+        <p:nvSpPr>
+          <p:cNvPr id="4" name="Date Placeholder 3"/>
+          <p:cNvSpPr>
+            <a:spLocks noGrp="1"/>
+          </p:cNvSpPr>
+          <p:nvPr>
+            <p:ph type="dt" sz="half" idx="10"/>
+          </p:nvPr>
+        </p:nvSpPr>
+        <p:spPr/>
+        <p:txBody>
+          <a:bodyPr/>
+          <a:lstStyle/>
+          <a:p>
+            <a:fld id="{D2CA09ED-00E1-48A1-A46D-444D2CA76DC6}" type="datetimeFigureOut">
+              <a:rPr lang="en-IN" smtClean="0"/>
+              <a:t>09-02-2023</a:t>
+            </a:fld>
+            <a:endParaRPr lang="en-IN"/>
+          </a:p>
+        </p:txBody>
+      </p:sp>
+      <p:sp>
+        <p:nvSpPr>
+          <p:cNvPr id="5" name="Footer Placeholder 4"/>
+          <p:cNvSpPr>
+            <a:spLocks noGrp="1"/>
+          </p:cNvSpPr>
+          <p:nvPr>
+            <p:ph type="ftr" sz="quarter" idx="11"/>
+          </p:nvPr>
+        </p:nvSpPr>
+        <p:spPr/>
+        <p:txBody>
+          <a:bodyPr/>
+          <a:lstStyle/>
+          <a:p>
+            <a:endParaRPr lang="en-IN"/>
+          </a:p>
+        </p:txBody>
+      </p:sp>
+      <p:sp>
+        <p:nvSpPr>
+          <p:cNvPr id="6" name="Slide Number Placeholder 5"/>
+          <p:cNvSpPr>
+            <a:spLocks noGrp="1"/>
+          </p:cNvSpPr>
+          <p:nvPr>
+            <p:ph type="sldNum" sz="quarter" idx="12"/>
+          </p:nvPr>
+        </p:nvSpPr>
+        <p:spPr/>
+        <p:txBody>
+          <a:bodyPr/>
+          <a:lstStyle/>
+          <a:p>
+            <a:fld id="{4AAACA60-61EE-497D-9DCF-41BDB11FB224}" type="slidenum">
+              <a:rPr lang="en-IN" smtClean="0"/>
+              <a:t>‹#›</a:t>
+            </a:fld>
+            <a:endParaRPr lang="en-IN"/>
+          </a:p>
+        </p:txBody>
+      </p:sp>
+    </p:spTree>
+    <p:extLst>
+      <p:ext uri="{BB962C8B-B14F-4D97-AF65-F5344CB8AC3E}">
+        <p14:creationId xmlns:p14="http://schemas.microsoft.com/office/powerpoint/2010/main" val="2940922244"/>
+      </p:ext>
+    </p:extLst>
+  </p:cSld>
+  <p:clrMapOvr>
+    <a:masterClrMapping/>
+  </p:clrMapOvr>
+</p:sldLayout>
+</file>
+
+<file path=ppt/slideLayouts/slideLayout3.xml><?xml version="1.0" encoding="utf-8"?>
+<p:sldLayout xmlns:a="http://schemas.openxmlformats.org/drawingml/2006/main" xmlns:r="http://schemas.openxmlformats.org/officeDocument/2006/relationships" xmlns:p="http://schemas.openxmlformats.org/presentationml/2006/main" showMasterSp="0" type="secHead" preserve="1">
+  <p:cSld name="Section Header">
     <p:bg>
-      <p:bgRef idx="1003">
-        <a:schemeClr val="bg2"/>
-      </p:bgRef>
+      <p:bgPr>
+        <a:solidFill>
+          <a:schemeClr val="bg1"/>
+        </a:solidFill>
+        <a:effectLst/>
+      </p:bgPr>
     </p:bg>
     <p:spTree>
       <p:nvGrpSpPr>
@@ -845,331 +1778,82 @@
           <a:chExt cx="0" cy="0"/>
         </a:xfrm>
       </p:grpSpPr>
-      <p:pic>
-        <p:nvPicPr>
-          <p:cNvPr id="7" name="Picture 6" descr="Celestia-R1---OverlayTitleHD.png"/>
-          <p:cNvPicPr>
-            <a:picLocks noChangeAspect="1"/>
-          </p:cNvPicPr>
+      <p:sp>
+        <p:nvSpPr>
+          <p:cNvPr id="7" name="Rectangle 6"/>
+          <p:cNvSpPr/>
           <p:nvPr/>
-        </p:nvPicPr>
-        <p:blipFill>
-          <a:blip r:embed="rId2">
-            <a:extLst>
-              <a:ext uri="{28A0092B-C50C-407E-A947-70E740481C1C}">
-                <a14:useLocalDpi xmlns:a14="http://schemas.microsoft.com/office/drawing/2010/main" val="0"/>
-              </a:ext>
-            </a:extLst>
-          </a:blip>
-          <a:stretch>
-            <a:fillRect/>
-          </a:stretch>
-        </p:blipFill>
+        </p:nvSpPr>
         <p:spPr>
           <a:xfrm>
-            <a:off x="0" y="0"/>
-            <a:ext cx="12188825" cy="6856214"/>
+            <a:off x="3175" y="6400800"/>
+            <a:ext cx="12188825" cy="457200"/>
           </a:xfrm>
           <a:prstGeom prst="rect">
             <a:avLst/>
           </a:prstGeom>
+          <a:solidFill>
+            <a:schemeClr val="accent2"/>
+          </a:solidFill>
+          <a:ln>
+            <a:noFill/>
+          </a:ln>
         </p:spPr>
-      </p:pic>
+        <p:style>
+          <a:lnRef idx="2">
+            <a:schemeClr val="accent1">
+              <a:shade val="50000"/>
+            </a:schemeClr>
+          </a:lnRef>
+          <a:fillRef idx="1">
+            <a:schemeClr val="accent1"/>
+          </a:fillRef>
+          <a:effectRef idx="0">
+            <a:schemeClr val="accent1"/>
+          </a:effectRef>
+          <a:fontRef idx="minor">
+            <a:schemeClr val="lt1"/>
+          </a:fontRef>
+        </p:style>
+      </p:sp>
       <p:sp>
         <p:nvSpPr>
-          <p:cNvPr id="2" name="Title 1"/>
-          <p:cNvSpPr>
-            <a:spLocks noGrp="1"/>
-          </p:cNvSpPr>
-          <p:nvPr>
-            <p:ph type="ctrTitle"/>
-          </p:nvPr>
+          <p:cNvPr id="8" name="Rectangle 7"/>
+          <p:cNvSpPr/>
+          <p:nvPr/>
         </p:nvSpPr>
         <p:spPr>
           <a:xfrm>
-            <a:off x="3962399" y="1964267"/>
-            <a:ext cx="7197726" cy="2421464"/>
-          </a:xfrm>
-        </p:spPr>
-        <p:txBody>
-          <a:bodyPr anchor="b">
-            <a:normAutofit/>
-          </a:bodyPr>
-          <a:lstStyle>
-            <a:lvl1pPr algn="r">
-              <a:defRPr sz="4800">
-                <a:effectLst/>
-              </a:defRPr>
-            </a:lvl1pPr>
-          </a:lstStyle>
-          <a:p>
-            <a:r>
-              <a:rPr lang="en-US"/>
-              <a:t>Click to edit Master title style</a:t>
-            </a:r>
-            <a:endParaRPr lang="en-US" dirty="0"/>
-          </a:p>
-        </p:txBody>
-      </p:sp>
-      <p:sp>
-        <p:nvSpPr>
-          <p:cNvPr id="3" name="Subtitle 2"/>
-          <p:cNvSpPr>
-            <a:spLocks noGrp="1"/>
-          </p:cNvSpPr>
-          <p:nvPr>
-            <p:ph type="subTitle" idx="1"/>
-          </p:nvPr>
-        </p:nvSpPr>
-        <p:spPr>
-          <a:xfrm>
-            <a:off x="3962399" y="4385732"/>
-            <a:ext cx="7197726" cy="1405467"/>
-          </a:xfrm>
-        </p:spPr>
-        <p:txBody>
-          <a:bodyPr anchor="t">
-            <a:normAutofit/>
-          </a:bodyPr>
-          <a:lstStyle>
-            <a:lvl1pPr marL="0" indent="0" algn="r">
-              <a:buNone/>
-              <a:defRPr sz="1800" cap="all">
-                <a:solidFill>
-                  <a:schemeClr val="tx1"/>
-                </a:solidFill>
-              </a:defRPr>
-            </a:lvl1pPr>
-            <a:lvl2pPr marL="457200" indent="0" algn="ctr">
-              <a:buNone/>
-              <a:defRPr>
-                <a:solidFill>
-                  <a:schemeClr val="tx1">
-                    <a:tint val="75000"/>
-                  </a:schemeClr>
-                </a:solidFill>
-              </a:defRPr>
-            </a:lvl2pPr>
-            <a:lvl3pPr marL="914400" indent="0" algn="ctr">
-              <a:buNone/>
-              <a:defRPr>
-                <a:solidFill>
-                  <a:schemeClr val="tx1">
-                    <a:tint val="75000"/>
-                  </a:schemeClr>
-                </a:solidFill>
-              </a:defRPr>
-            </a:lvl3pPr>
-            <a:lvl4pPr marL="1371600" indent="0" algn="ctr">
-              <a:buNone/>
-              <a:defRPr>
-                <a:solidFill>
-                  <a:schemeClr val="tx1">
-                    <a:tint val="75000"/>
-                  </a:schemeClr>
-                </a:solidFill>
-              </a:defRPr>
-            </a:lvl4pPr>
-            <a:lvl5pPr marL="1828800" indent="0" algn="ctr">
-              <a:buNone/>
-              <a:defRPr>
-                <a:solidFill>
-                  <a:schemeClr val="tx1">
-                    <a:tint val="75000"/>
-                  </a:schemeClr>
-                </a:solidFill>
-              </a:defRPr>
-            </a:lvl5pPr>
-            <a:lvl6pPr marL="2286000" indent="0" algn="ctr">
-              <a:buNone/>
-              <a:defRPr>
-                <a:solidFill>
-                  <a:schemeClr val="tx1">
-                    <a:tint val="75000"/>
-                  </a:schemeClr>
-                </a:solidFill>
-              </a:defRPr>
-            </a:lvl6pPr>
-            <a:lvl7pPr marL="2743200" indent="0" algn="ctr">
-              <a:buNone/>
-              <a:defRPr>
-                <a:solidFill>
-                  <a:schemeClr val="tx1">
-                    <a:tint val="75000"/>
-                  </a:schemeClr>
-                </a:solidFill>
-              </a:defRPr>
-            </a:lvl7pPr>
-            <a:lvl8pPr marL="3200400" indent="0" algn="ctr">
-              <a:buNone/>
-              <a:defRPr>
-                <a:solidFill>
-                  <a:schemeClr val="tx1">
-                    <a:tint val="75000"/>
-                  </a:schemeClr>
-                </a:solidFill>
-              </a:defRPr>
-            </a:lvl8pPr>
-            <a:lvl9pPr marL="3657600" indent="0" algn="ctr">
-              <a:buNone/>
-              <a:defRPr>
-                <a:solidFill>
-                  <a:schemeClr val="tx1">
-                    <a:tint val="75000"/>
-                  </a:schemeClr>
-                </a:solidFill>
-              </a:defRPr>
-            </a:lvl9pPr>
-          </a:lstStyle>
-          <a:p>
-            <a:r>
-              <a:rPr lang="en-US"/>
-              <a:t>Click to edit Master subtitle style</a:t>
-            </a:r>
-            <a:endParaRPr lang="en-US" dirty="0"/>
-          </a:p>
-        </p:txBody>
-      </p:sp>
-      <p:sp>
-        <p:nvSpPr>
-          <p:cNvPr id="4" name="Date Placeholder 3"/>
-          <p:cNvSpPr>
-            <a:spLocks noGrp="1"/>
-          </p:cNvSpPr>
-          <p:nvPr>
-            <p:ph type="dt" sz="half" idx="10"/>
-          </p:nvPr>
-        </p:nvSpPr>
-        <p:spPr>
-          <a:xfrm>
-            <a:off x="8932558" y="5870575"/>
-            <a:ext cx="1600200" cy="377825"/>
-          </a:xfrm>
-        </p:spPr>
-        <p:txBody>
-          <a:bodyPr/>
-          <a:lstStyle/>
-          <a:p>
-            <a:fld id="{D2CA09ED-00E1-48A1-A46D-444D2CA76DC6}" type="datetimeFigureOut">
-              <a:rPr lang="en-IN" smtClean="0"/>
-              <a:t>09-02-2023</a:t>
-            </a:fld>
-            <a:endParaRPr lang="en-IN"/>
-          </a:p>
-        </p:txBody>
-      </p:sp>
-      <p:sp>
-        <p:nvSpPr>
-          <p:cNvPr id="5" name="Footer Placeholder 4"/>
-          <p:cNvSpPr>
-            <a:spLocks noGrp="1"/>
-          </p:cNvSpPr>
-          <p:nvPr>
-            <p:ph type="ftr" sz="quarter" idx="11"/>
-          </p:nvPr>
-        </p:nvSpPr>
-        <p:spPr>
-          <a:xfrm>
-            <a:off x="3962399" y="5870575"/>
-            <a:ext cx="4893958" cy="377825"/>
-          </a:xfrm>
-        </p:spPr>
-        <p:txBody>
-          <a:bodyPr/>
-          <a:lstStyle/>
-          <a:p>
-            <a:endParaRPr lang="en-IN"/>
-          </a:p>
-        </p:txBody>
-      </p:sp>
-      <p:sp>
-        <p:nvSpPr>
-          <p:cNvPr id="6" name="Slide Number Placeholder 5"/>
-          <p:cNvSpPr>
-            <a:spLocks noGrp="1"/>
-          </p:cNvSpPr>
-          <p:nvPr>
-            <p:ph type="sldNum" sz="quarter" idx="12"/>
-          </p:nvPr>
-        </p:nvSpPr>
-        <p:spPr>
-          <a:xfrm>
-            <a:off x="10608958" y="5870575"/>
-            <a:ext cx="551167" cy="377825"/>
-          </a:xfrm>
-        </p:spPr>
-        <p:txBody>
-          <a:bodyPr/>
-          <a:lstStyle/>
-          <a:p>
-            <a:fld id="{4AAACA60-61EE-497D-9DCF-41BDB11FB224}" type="slidenum">
-              <a:rPr lang="en-IN" smtClean="0"/>
-              <a:t>‹#›</a:t>
-            </a:fld>
-            <a:endParaRPr lang="en-IN"/>
-          </a:p>
-        </p:txBody>
-      </p:sp>
-    </p:spTree>
-    <p:extLst>
-      <p:ext uri="{BB962C8B-B14F-4D97-AF65-F5344CB8AC3E}">
-        <p14:creationId xmlns:p14="http://schemas.microsoft.com/office/powerpoint/2010/main" val="4259121238"/>
-      </p:ext>
-    </p:extLst>
-  </p:cSld>
-  <p:clrMapOvr>
-    <a:overrideClrMapping bg1="dk1" tx1="lt1" bg2="dk2" tx2="lt2" accent1="accent1" accent2="accent2" accent3="accent3" accent4="accent4" accent5="accent5" accent6="accent6" hlink="hlink" folHlink="folHlink"/>
-  </p:clrMapOvr>
-</p:sldLayout>
-</file>
-
-<file path=ppt/slideLayouts/slideLayout10.xml><?xml version="1.0" encoding="utf-8"?>
-<p:sldLayout xmlns:a="http://schemas.openxmlformats.org/drawingml/2006/main" xmlns:r="http://schemas.openxmlformats.org/officeDocument/2006/relationships" xmlns:p="http://schemas.openxmlformats.org/presentationml/2006/main" preserve="1">
-  <p:cSld name="Panoramic Picture with Caption">
-    <p:spTree>
-      <p:nvGrpSpPr>
-        <p:cNvPr id="1" name=""/>
-        <p:cNvGrpSpPr/>
-        <p:nvPr/>
-      </p:nvGrpSpPr>
-      <p:grpSpPr>
-        <a:xfrm>
-          <a:off x="0" y="0"/>
-          <a:ext cx="0" cy="0"/>
-          <a:chOff x="0" y="0"/>
-          <a:chExt cx="0" cy="0"/>
-        </a:xfrm>
-      </p:grpSpPr>
-      <p:pic>
-        <p:nvPicPr>
-          <p:cNvPr id="8" name="Picture 7" descr="Celestia-R1---OverlayContentHD.png"/>
-          <p:cNvPicPr>
-            <a:picLocks noChangeAspect="1"/>
-          </p:cNvPicPr>
-          <p:nvPr/>
-        </p:nvPicPr>
-        <p:blipFill>
-          <a:blip r:embed="rId2">
-            <a:extLst>
-              <a:ext uri="{28A0092B-C50C-407E-A947-70E740481C1C}">
-                <a14:useLocalDpi xmlns:a14="http://schemas.microsoft.com/office/drawing/2010/main" val="0"/>
-              </a:ext>
-            </a:extLst>
-          </a:blip>
-          <a:stretch>
-            <a:fillRect/>
-          </a:stretch>
-        </p:blipFill>
-        <p:spPr>
-          <a:xfrm>
-            <a:off x="0" y="0"/>
-            <a:ext cx="12188825" cy="6856214"/>
+            <a:off x="15" y="6334316"/>
+            <a:ext cx="12188825" cy="64008"/>
           </a:xfrm>
           <a:prstGeom prst="rect">
             <a:avLst/>
           </a:prstGeom>
+          <a:solidFill>
+            <a:schemeClr val="accent1"/>
+          </a:solidFill>
+          <a:ln>
+            <a:noFill/>
+          </a:ln>
         </p:spPr>
-      </p:pic>
+        <p:style>
+          <a:lnRef idx="2">
+            <a:schemeClr val="accent1">
+              <a:shade val="50000"/>
+            </a:schemeClr>
+          </a:lnRef>
+          <a:fillRef idx="1">
+            <a:schemeClr val="accent1"/>
+          </a:fillRef>
+          <a:effectRef idx="0">
+            <a:schemeClr val="accent1"/>
+          </a:effectRef>
+          <a:fontRef idx="minor">
+            <a:schemeClr val="lt1"/>
+          </a:fontRef>
+        </p:style>
+      </p:sp>
       <p:sp>
         <p:nvSpPr>
           <p:cNvPr id="2" name="Title 1"/>
@@ -1182,341 +1866,27 @@
         </p:nvSpPr>
         <p:spPr>
           <a:xfrm>
-            <a:off x="685800" y="4732865"/>
-            <a:ext cx="10131427" cy="566738"/>
+            <a:off x="1097280" y="758952"/>
+            <a:ext cx="10058400" cy="3566160"/>
           </a:xfrm>
         </p:spPr>
         <p:txBody>
-          <a:bodyPr anchor="b">
+          <a:bodyPr anchor="b" anchorCtr="0">
             <a:normAutofit/>
           </a:bodyPr>
           <a:lstStyle>
-            <a:lvl1pPr algn="l">
-              <a:defRPr sz="2400" b="0"/>
-            </a:lvl1pPr>
-          </a:lstStyle>
-          <a:p>
-            <a:r>
-              <a:rPr lang="en-US"/>
-              <a:t>Click to edit Master title style</a:t>
-            </a:r>
-            <a:endParaRPr lang="en-US" dirty="0"/>
-          </a:p>
-        </p:txBody>
-      </p:sp>
-      <p:sp>
-        <p:nvSpPr>
-          <p:cNvPr id="3" name="Picture Placeholder 2"/>
-          <p:cNvSpPr>
-            <a:spLocks noGrp="1" noChangeAspect="1"/>
-          </p:cNvSpPr>
-          <p:nvPr>
-            <p:ph type="pic" idx="1"/>
-          </p:nvPr>
-        </p:nvSpPr>
-        <p:spPr>
-          <a:xfrm>
-            <a:off x="1371600" y="932112"/>
-            <a:ext cx="8759827" cy="3164976"/>
-          </a:xfrm>
-          <a:prstGeom prst="roundRect">
-            <a:avLst>
-              <a:gd name="adj" fmla="val 4380"/>
-            </a:avLst>
-          </a:prstGeom>
-          <a:ln w="50800" cap="sq" cmpd="dbl">
-            <a:gradFill flip="none" rotWithShape="1">
-              <a:gsLst>
-                <a:gs pos="0">
-                  <a:srgbClr val="FFFFFF"/>
-                </a:gs>
-                <a:gs pos="100000">
+            <a:lvl1pPr>
+              <a:lnSpc>
+                <a:spcPct val="85000"/>
+              </a:lnSpc>
+              <a:defRPr sz="8000" b="0">
+                <a:solidFill>
                   <a:schemeClr val="tx1">
-                    <a:alpha val="0"/>
+                    <a:lumMod val="85000"/>
+                    <a:lumOff val="15000"/>
                   </a:schemeClr>
-                </a:gs>
-              </a:gsLst>
-              <a:path path="circle">
-                <a:fillToRect l="50000" t="50000" r="50000" b="50000"/>
-              </a:path>
-              <a:tileRect/>
-            </a:gradFill>
-            <a:miter lim="800000"/>
-          </a:ln>
-          <a:effectLst>
-            <a:outerShdw blurRad="254000" algn="tl" rotWithShape="0">
-              <a:srgbClr val="000000">
-                <a:alpha val="43000"/>
-              </a:srgbClr>
-            </a:outerShdw>
-          </a:effectLst>
-        </p:spPr>
-        <p:txBody>
-          <a:bodyPr anchor="t">
-            <a:normAutofit/>
-          </a:bodyPr>
-          <a:lstStyle>
-            <a:lvl1pPr marL="0" indent="0" algn="ctr">
-              <a:buNone/>
-              <a:defRPr sz="1600"/>
-            </a:lvl1pPr>
-            <a:lvl2pPr marL="457200" indent="0">
-              <a:buNone/>
-              <a:defRPr sz="1600"/>
-            </a:lvl2pPr>
-            <a:lvl3pPr marL="914400" indent="0">
-              <a:buNone/>
-              <a:defRPr sz="1600"/>
-            </a:lvl3pPr>
-            <a:lvl4pPr marL="1371600" indent="0">
-              <a:buNone/>
-              <a:defRPr sz="1600"/>
-            </a:lvl4pPr>
-            <a:lvl5pPr marL="1828800" indent="0">
-              <a:buNone/>
-              <a:defRPr sz="1600"/>
-            </a:lvl5pPr>
-            <a:lvl6pPr marL="2286000" indent="0">
-              <a:buNone/>
-              <a:defRPr sz="1600"/>
-            </a:lvl6pPr>
-            <a:lvl7pPr marL="2743200" indent="0">
-              <a:buNone/>
-              <a:defRPr sz="1600"/>
-            </a:lvl7pPr>
-            <a:lvl8pPr marL="3200400" indent="0">
-              <a:buNone/>
-              <a:defRPr sz="1600"/>
-            </a:lvl8pPr>
-            <a:lvl9pPr marL="3657600" indent="0">
-              <a:buNone/>
-              <a:defRPr sz="1600"/>
-            </a:lvl9pPr>
-          </a:lstStyle>
-          <a:p>
-            <a:r>
-              <a:rPr lang="en-US"/>
-              <a:t>Click icon to add picture</a:t>
-            </a:r>
-            <a:endParaRPr lang="en-US" dirty="0"/>
-          </a:p>
-        </p:txBody>
-      </p:sp>
-      <p:sp>
-        <p:nvSpPr>
-          <p:cNvPr id="4" name="Text Placeholder 3"/>
-          <p:cNvSpPr>
-            <a:spLocks noGrp="1"/>
-          </p:cNvSpPr>
-          <p:nvPr>
-            <p:ph type="body" sz="half" idx="2"/>
-          </p:nvPr>
-        </p:nvSpPr>
-        <p:spPr>
-          <a:xfrm>
-            <a:off x="685800" y="5299603"/>
-            <a:ext cx="10131427" cy="493712"/>
-          </a:xfrm>
-        </p:spPr>
-        <p:txBody>
-          <a:bodyPr anchor="t">
-            <a:normAutofit/>
-          </a:bodyPr>
-          <a:lstStyle>
-            <a:lvl1pPr marL="0" indent="0">
-              <a:buNone/>
-              <a:defRPr sz="1400"/>
-            </a:lvl1pPr>
-            <a:lvl2pPr marL="457200" indent="0">
-              <a:buNone/>
-              <a:defRPr sz="1200"/>
-            </a:lvl2pPr>
-            <a:lvl3pPr marL="914400" indent="0">
-              <a:buNone/>
-              <a:defRPr sz="1000"/>
-            </a:lvl3pPr>
-            <a:lvl4pPr marL="1371600" indent="0">
-              <a:buNone/>
-              <a:defRPr sz="900"/>
-            </a:lvl4pPr>
-            <a:lvl5pPr marL="1828800" indent="0">
-              <a:buNone/>
-              <a:defRPr sz="900"/>
-            </a:lvl5pPr>
-            <a:lvl6pPr marL="2286000" indent="0">
-              <a:buNone/>
-              <a:defRPr sz="900"/>
-            </a:lvl6pPr>
-            <a:lvl7pPr marL="2743200" indent="0">
-              <a:buNone/>
-              <a:defRPr sz="900"/>
-            </a:lvl7pPr>
-            <a:lvl8pPr marL="3200400" indent="0">
-              <a:buNone/>
-              <a:defRPr sz="900"/>
-            </a:lvl8pPr>
-            <a:lvl9pPr marL="3657600" indent="0">
-              <a:buNone/>
-              <a:defRPr sz="900"/>
-            </a:lvl9pPr>
-          </a:lstStyle>
-          <a:p>
-            <a:pPr lvl="0"/>
-            <a:r>
-              <a:rPr lang="en-US"/>
-              <a:t>Click to edit Master text styles</a:t>
-            </a:r>
-          </a:p>
-        </p:txBody>
-      </p:sp>
-      <p:sp>
-        <p:nvSpPr>
-          <p:cNvPr id="5" name="Date Placeholder 4"/>
-          <p:cNvSpPr>
-            <a:spLocks noGrp="1"/>
-          </p:cNvSpPr>
-          <p:nvPr>
-            <p:ph type="dt" sz="half" idx="10"/>
-          </p:nvPr>
-        </p:nvSpPr>
-        <p:spPr/>
-        <p:txBody>
-          <a:bodyPr/>
-          <a:lstStyle/>
-          <a:p>
-            <a:fld id="{D2CA09ED-00E1-48A1-A46D-444D2CA76DC6}" type="datetimeFigureOut">
-              <a:rPr lang="en-IN" smtClean="0"/>
-              <a:t>09-02-2023</a:t>
-            </a:fld>
-            <a:endParaRPr lang="en-IN"/>
-          </a:p>
-        </p:txBody>
-      </p:sp>
-      <p:sp>
-        <p:nvSpPr>
-          <p:cNvPr id="6" name="Footer Placeholder 5"/>
-          <p:cNvSpPr>
-            <a:spLocks noGrp="1"/>
-          </p:cNvSpPr>
-          <p:nvPr>
-            <p:ph type="ftr" sz="quarter" idx="11"/>
-          </p:nvPr>
-        </p:nvSpPr>
-        <p:spPr/>
-        <p:txBody>
-          <a:bodyPr/>
-          <a:lstStyle/>
-          <a:p>
-            <a:endParaRPr lang="en-IN"/>
-          </a:p>
-        </p:txBody>
-      </p:sp>
-      <p:sp>
-        <p:nvSpPr>
-          <p:cNvPr id="7" name="Slide Number Placeholder 6"/>
-          <p:cNvSpPr>
-            <a:spLocks noGrp="1"/>
-          </p:cNvSpPr>
-          <p:nvPr>
-            <p:ph type="sldNum" sz="quarter" idx="12"/>
-          </p:nvPr>
-        </p:nvSpPr>
-        <p:spPr/>
-        <p:txBody>
-          <a:bodyPr/>
-          <a:lstStyle/>
-          <a:p>
-            <a:fld id="{4AAACA60-61EE-497D-9DCF-41BDB11FB224}" type="slidenum">
-              <a:rPr lang="en-IN" smtClean="0"/>
-              <a:t>‹#›</a:t>
-            </a:fld>
-            <a:endParaRPr lang="en-IN"/>
-          </a:p>
-        </p:txBody>
-      </p:sp>
-    </p:spTree>
-    <p:extLst>
-      <p:ext uri="{BB962C8B-B14F-4D97-AF65-F5344CB8AC3E}">
-        <p14:creationId xmlns:p14="http://schemas.microsoft.com/office/powerpoint/2010/main" val="3958483259"/>
-      </p:ext>
-    </p:extLst>
-  </p:cSld>
-  <p:clrMapOvr>
-    <a:masterClrMapping/>
-  </p:clrMapOvr>
-</p:sldLayout>
-</file>
-
-<file path=ppt/slideLayouts/slideLayout11.xml><?xml version="1.0" encoding="utf-8"?>
-<p:sldLayout xmlns:a="http://schemas.openxmlformats.org/drawingml/2006/main" xmlns:r="http://schemas.openxmlformats.org/officeDocument/2006/relationships" xmlns:p="http://schemas.openxmlformats.org/presentationml/2006/main" preserve="1">
-  <p:cSld name="Title and Caption">
-    <p:spTree>
-      <p:nvGrpSpPr>
-        <p:cNvPr id="1" name=""/>
-        <p:cNvGrpSpPr/>
-        <p:nvPr/>
-      </p:nvGrpSpPr>
-      <p:grpSpPr>
-        <a:xfrm>
-          <a:off x="0" y="0"/>
-          <a:ext cx="0" cy="0"/>
-          <a:chOff x="0" y="0"/>
-          <a:chExt cx="0" cy="0"/>
-        </a:xfrm>
-      </p:grpSpPr>
-      <p:pic>
-        <p:nvPicPr>
-          <p:cNvPr id="7" name="Picture 6" descr="Celestia-R1---OverlayContentHD.png"/>
-          <p:cNvPicPr>
-            <a:picLocks noChangeAspect="1"/>
-          </p:cNvPicPr>
-          <p:nvPr/>
-        </p:nvPicPr>
-        <p:blipFill>
-          <a:blip r:embed="rId2">
-            <a:extLst>
-              <a:ext uri="{28A0092B-C50C-407E-A947-70E740481C1C}">
-                <a14:useLocalDpi xmlns:a14="http://schemas.microsoft.com/office/drawing/2010/main" val="0"/>
-              </a:ext>
-            </a:extLst>
-          </a:blip>
-          <a:stretch>
-            <a:fillRect/>
-          </a:stretch>
-        </p:blipFill>
-        <p:spPr>
-          <a:xfrm>
-            <a:off x="0" y="0"/>
-            <a:ext cx="12188825" cy="6856214"/>
-          </a:xfrm>
-          <a:prstGeom prst="rect">
-            <a:avLst/>
-          </a:prstGeom>
-        </p:spPr>
-      </p:pic>
-      <p:sp>
-        <p:nvSpPr>
-          <p:cNvPr id="2" name="Title 1"/>
-          <p:cNvSpPr>
-            <a:spLocks noGrp="1"/>
-          </p:cNvSpPr>
-          <p:nvPr>
-            <p:ph type="title"/>
-          </p:nvPr>
-        </p:nvSpPr>
-        <p:spPr>
-          <a:xfrm>
-            <a:off x="685801" y="609601"/>
-            <a:ext cx="10131427" cy="3124199"/>
-          </a:xfrm>
-        </p:spPr>
-        <p:txBody>
-          <a:bodyPr anchor="ctr">
-            <a:normAutofit/>
-          </a:bodyPr>
-          <a:lstStyle>
-            <a:lvl1pPr algn="l">
-              <a:defRPr sz="3200" b="0" cap="none"/>
+                </a:solidFill>
+              </a:defRPr>
             </a:lvl1pPr>
           </a:lstStyle>
           <a:p>
@@ -1540,21 +1910,22 @@
         </p:nvSpPr>
         <p:spPr>
           <a:xfrm>
-            <a:off x="685800" y="4343400"/>
-            <a:ext cx="10131428" cy="1447800"/>
+            <a:off x="1097280" y="4453128"/>
+            <a:ext cx="10058400" cy="1143000"/>
           </a:xfrm>
         </p:spPr>
         <p:txBody>
-          <a:bodyPr anchor="ctr">
+          <a:bodyPr lIns="91440" rIns="91440" anchor="t" anchorCtr="0">
             <a:normAutofit/>
           </a:bodyPr>
           <a:lstStyle>
-            <a:lvl1pPr marL="0" indent="0" algn="l">
+            <a:lvl1pPr marL="0" indent="0">
               <a:buNone/>
-              <a:defRPr sz="2000">
+              <a:defRPr sz="2400" cap="all" spc="200" baseline="0">
                 <a:solidFill>
-                  <a:schemeClr val="tx1"/>
+                  <a:schemeClr val="tx2"/>
                 </a:solidFill>
+                <a:latin typeface="+mj-lt"/>
               </a:defRPr>
             </a:lvl1pPr>
             <a:lvl2pPr marL="457200" indent="0">
@@ -1712,2636 +2083,48 @@
           </a:p>
         </p:txBody>
       </p:sp>
+      <p:cxnSp>
+        <p:nvCxnSpPr>
+          <p:cNvPr id="9" name="Straight Connector 8"/>
+          <p:cNvCxnSpPr/>
+          <p:nvPr/>
+        </p:nvCxnSpPr>
+        <p:spPr>
+          <a:xfrm>
+            <a:off x="1207658" y="4343400"/>
+            <a:ext cx="9875520" cy="0"/>
+          </a:xfrm>
+          <a:prstGeom prst="line">
+            <a:avLst/>
+          </a:prstGeom>
+          <a:ln w="6350">
+            <a:solidFill>
+              <a:schemeClr val="tx1">
+                <a:lumMod val="50000"/>
+                <a:lumOff val="50000"/>
+              </a:schemeClr>
+            </a:solidFill>
+          </a:ln>
+        </p:spPr>
+        <p:style>
+          <a:lnRef idx="1">
+            <a:schemeClr val="accent1"/>
+          </a:lnRef>
+          <a:fillRef idx="0">
+            <a:schemeClr val="accent1"/>
+          </a:fillRef>
+          <a:effectRef idx="0">
+            <a:schemeClr val="accent1"/>
+          </a:effectRef>
+          <a:fontRef idx="minor">
+            <a:schemeClr val="tx1"/>
+          </a:fontRef>
+        </p:style>
+      </p:cxnSp>
     </p:spTree>
     <p:extLst>
       <p:ext uri="{BB962C8B-B14F-4D97-AF65-F5344CB8AC3E}">
-        <p14:creationId xmlns:p14="http://schemas.microsoft.com/office/powerpoint/2010/main" val="2309361264"/>
-      </p:ext>
-    </p:extLst>
-  </p:cSld>
-  <p:clrMapOvr>
-    <a:masterClrMapping/>
-  </p:clrMapOvr>
-</p:sldLayout>
-</file>
-
-<file path=ppt/slideLayouts/slideLayout12.xml><?xml version="1.0" encoding="utf-8"?>
-<p:sldLayout xmlns:a="http://schemas.openxmlformats.org/drawingml/2006/main" xmlns:r="http://schemas.openxmlformats.org/officeDocument/2006/relationships" xmlns:p="http://schemas.openxmlformats.org/presentationml/2006/main" preserve="1">
-  <p:cSld name="Quote with Caption">
-    <p:spTree>
-      <p:nvGrpSpPr>
-        <p:cNvPr id="1" name=""/>
-        <p:cNvGrpSpPr/>
-        <p:nvPr/>
-      </p:nvGrpSpPr>
-      <p:grpSpPr>
-        <a:xfrm>
-          <a:off x="0" y="0"/>
-          <a:ext cx="0" cy="0"/>
-          <a:chOff x="0" y="0"/>
-          <a:chExt cx="0" cy="0"/>
-        </a:xfrm>
-      </p:grpSpPr>
-      <p:pic>
-        <p:nvPicPr>
-          <p:cNvPr id="16" name="Picture 15" descr="Celestia-R1---OverlayContentHD.png"/>
-          <p:cNvPicPr>
-            <a:picLocks noChangeAspect="1"/>
-          </p:cNvPicPr>
-          <p:nvPr/>
-        </p:nvPicPr>
-        <p:blipFill>
-          <a:blip r:embed="rId2">
-            <a:extLst>
-              <a:ext uri="{28A0092B-C50C-407E-A947-70E740481C1C}">
-                <a14:useLocalDpi xmlns:a14="http://schemas.microsoft.com/office/drawing/2010/main" val="0"/>
-              </a:ext>
-            </a:extLst>
-          </a:blip>
-          <a:stretch>
-            <a:fillRect/>
-          </a:stretch>
-        </p:blipFill>
-        <p:spPr>
-          <a:xfrm>
-            <a:off x="0" y="0"/>
-            <a:ext cx="12188825" cy="6856214"/>
-          </a:xfrm>
-          <a:prstGeom prst="rect">
-            <a:avLst/>
-          </a:prstGeom>
-        </p:spPr>
-      </p:pic>
-      <p:sp>
-        <p:nvSpPr>
-          <p:cNvPr id="15" name="TextBox 14"/>
-          <p:cNvSpPr txBox="1"/>
-          <p:nvPr/>
-        </p:nvSpPr>
-        <p:spPr>
-          <a:xfrm>
-            <a:off x="10237867" y="2743200"/>
-            <a:ext cx="609600" cy="584776"/>
-          </a:xfrm>
-          <a:prstGeom prst="rect">
-            <a:avLst/>
-          </a:prstGeom>
-        </p:spPr>
-        <p:txBody>
-          <a:bodyPr vert="horz" lIns="91440" tIns="45720" rIns="91440" bIns="45720" rtlCol="0" anchor="ctr">
-            <a:noAutofit/>
-          </a:bodyPr>
-          <a:lstStyle>
-            <a:lvl1pPr>
-              <a:spcBef>
-                <a:spcPct val="0"/>
-              </a:spcBef>
-              <a:buNone/>
-              <a:defRPr sz="3200" b="0" cap="all">
-                <a:ln w="3175" cmpd="sng">
-                  <a:noFill/>
-                </a:ln>
-                <a:effectLst>
-                  <a:glow rad="38100">
-                    <a:schemeClr val="bg1">
-                      <a:lumMod val="65000"/>
-                      <a:lumOff val="35000"/>
-                      <a:alpha val="40000"/>
-                    </a:schemeClr>
-                  </a:glow>
-                  <a:outerShdw blurRad="28575" dist="38100" dir="14040000" algn="tl" rotWithShape="0">
-                    <a:srgbClr val="000000">
-                      <a:alpha val="25000"/>
-                    </a:srgbClr>
-                  </a:outerShdw>
-                </a:effectLst>
-              </a:defRPr>
-            </a:lvl1pPr>
-            <a:lvl2pPr>
-              <a:defRPr>
-                <a:solidFill>
-                  <a:schemeClr val="tx2"/>
-                </a:solidFill>
-              </a:defRPr>
-            </a:lvl2pPr>
-            <a:lvl3pPr>
-              <a:defRPr>
-                <a:solidFill>
-                  <a:schemeClr val="tx2"/>
-                </a:solidFill>
-              </a:defRPr>
-            </a:lvl3pPr>
-            <a:lvl4pPr>
-              <a:defRPr>
-                <a:solidFill>
-                  <a:schemeClr val="tx2"/>
-                </a:solidFill>
-              </a:defRPr>
-            </a:lvl4pPr>
-            <a:lvl5pPr>
-              <a:defRPr>
-                <a:solidFill>
-                  <a:schemeClr val="tx2"/>
-                </a:solidFill>
-              </a:defRPr>
-            </a:lvl5pPr>
-            <a:lvl6pPr>
-              <a:defRPr>
-                <a:solidFill>
-                  <a:schemeClr val="tx2"/>
-                </a:solidFill>
-              </a:defRPr>
-            </a:lvl6pPr>
-            <a:lvl7pPr>
-              <a:defRPr>
-                <a:solidFill>
-                  <a:schemeClr val="tx2"/>
-                </a:solidFill>
-              </a:defRPr>
-            </a:lvl7pPr>
-            <a:lvl8pPr>
-              <a:defRPr>
-                <a:solidFill>
-                  <a:schemeClr val="tx2"/>
-                </a:solidFill>
-              </a:defRPr>
-            </a:lvl8pPr>
-            <a:lvl9pPr>
-              <a:defRPr>
-                <a:solidFill>
-                  <a:schemeClr val="tx2"/>
-                </a:solidFill>
-              </a:defRPr>
-            </a:lvl9pPr>
-          </a:lstStyle>
-          <a:p>
-            <a:pPr lvl="0" algn="r"/>
-            <a:r>
-              <a:rPr lang="en-US" sz="8000" dirty="0">
-                <a:solidFill>
-                  <a:schemeClr val="tx1"/>
-                </a:solidFill>
-                <a:effectLst/>
-              </a:rPr>
-              <a:t>”</a:t>
-            </a:r>
-          </a:p>
-        </p:txBody>
-      </p:sp>
-      <p:sp>
-        <p:nvSpPr>
-          <p:cNvPr id="11" name="TextBox 10"/>
-          <p:cNvSpPr txBox="1"/>
-          <p:nvPr/>
-        </p:nvSpPr>
-        <p:spPr>
-          <a:xfrm>
-            <a:off x="488275" y="823337"/>
-            <a:ext cx="609600" cy="584776"/>
-          </a:xfrm>
-          <a:prstGeom prst="rect">
-            <a:avLst/>
-          </a:prstGeom>
-        </p:spPr>
-        <p:txBody>
-          <a:bodyPr vert="horz" lIns="91440" tIns="45720" rIns="91440" bIns="45720" rtlCol="0" anchor="ctr">
-            <a:noAutofit/>
-          </a:bodyPr>
-          <a:lstStyle>
-            <a:lvl1pPr>
-              <a:spcBef>
-                <a:spcPct val="0"/>
-              </a:spcBef>
-              <a:buNone/>
-              <a:defRPr sz="3200" b="0" cap="all">
-                <a:ln w="3175" cmpd="sng">
-                  <a:noFill/>
-                </a:ln>
-                <a:effectLst>
-                  <a:glow rad="38100">
-                    <a:schemeClr val="bg1">
-                      <a:lumMod val="65000"/>
-                      <a:lumOff val="35000"/>
-                      <a:alpha val="40000"/>
-                    </a:schemeClr>
-                  </a:glow>
-                  <a:outerShdw blurRad="28575" dist="38100" dir="14040000" algn="tl" rotWithShape="0">
-                    <a:srgbClr val="000000">
-                      <a:alpha val="25000"/>
-                    </a:srgbClr>
-                  </a:outerShdw>
-                </a:effectLst>
-              </a:defRPr>
-            </a:lvl1pPr>
-            <a:lvl2pPr>
-              <a:defRPr>
-                <a:solidFill>
-                  <a:schemeClr val="tx2"/>
-                </a:solidFill>
-              </a:defRPr>
-            </a:lvl2pPr>
-            <a:lvl3pPr>
-              <a:defRPr>
-                <a:solidFill>
-                  <a:schemeClr val="tx2"/>
-                </a:solidFill>
-              </a:defRPr>
-            </a:lvl3pPr>
-            <a:lvl4pPr>
-              <a:defRPr>
-                <a:solidFill>
-                  <a:schemeClr val="tx2"/>
-                </a:solidFill>
-              </a:defRPr>
-            </a:lvl4pPr>
-            <a:lvl5pPr>
-              <a:defRPr>
-                <a:solidFill>
-                  <a:schemeClr val="tx2"/>
-                </a:solidFill>
-              </a:defRPr>
-            </a:lvl5pPr>
-            <a:lvl6pPr>
-              <a:defRPr>
-                <a:solidFill>
-                  <a:schemeClr val="tx2"/>
-                </a:solidFill>
-              </a:defRPr>
-            </a:lvl6pPr>
-            <a:lvl7pPr>
-              <a:defRPr>
-                <a:solidFill>
-                  <a:schemeClr val="tx2"/>
-                </a:solidFill>
-              </a:defRPr>
-            </a:lvl7pPr>
-            <a:lvl8pPr>
-              <a:defRPr>
-                <a:solidFill>
-                  <a:schemeClr val="tx2"/>
-                </a:solidFill>
-              </a:defRPr>
-            </a:lvl8pPr>
-            <a:lvl9pPr>
-              <a:defRPr>
-                <a:solidFill>
-                  <a:schemeClr val="tx2"/>
-                </a:solidFill>
-              </a:defRPr>
-            </a:lvl9pPr>
-          </a:lstStyle>
-          <a:p>
-            <a:pPr lvl="0" algn="r"/>
-            <a:r>
-              <a:rPr lang="en-US" sz="8000" dirty="0">
-                <a:solidFill>
-                  <a:schemeClr val="tx1"/>
-                </a:solidFill>
-                <a:effectLst/>
-              </a:rPr>
-              <a:t>“</a:t>
-            </a:r>
-          </a:p>
-        </p:txBody>
-      </p:sp>
-      <p:sp>
-        <p:nvSpPr>
-          <p:cNvPr id="2" name="Title 1"/>
-          <p:cNvSpPr>
-            <a:spLocks noGrp="1"/>
-          </p:cNvSpPr>
-          <p:nvPr>
-            <p:ph type="title"/>
-          </p:nvPr>
-        </p:nvSpPr>
-        <p:spPr>
-          <a:xfrm>
-            <a:off x="992267" y="609601"/>
-            <a:ext cx="9550399" cy="2743199"/>
-          </a:xfrm>
-        </p:spPr>
-        <p:txBody>
-          <a:bodyPr anchor="ctr">
-            <a:normAutofit/>
-          </a:bodyPr>
-          <a:lstStyle>
-            <a:lvl1pPr algn="l">
-              <a:defRPr sz="3200" b="0" cap="none">
-                <a:solidFill>
-                  <a:schemeClr val="tx1"/>
-                </a:solidFill>
-              </a:defRPr>
-            </a:lvl1pPr>
-          </a:lstStyle>
-          <a:p>
-            <a:r>
-              <a:rPr lang="en-US"/>
-              <a:t>Click to edit Master title style</a:t>
-            </a:r>
-            <a:endParaRPr lang="en-US" dirty="0"/>
-          </a:p>
-        </p:txBody>
-      </p:sp>
-      <p:sp>
-        <p:nvSpPr>
-          <p:cNvPr id="10" name="Text Placeholder 9"/>
-          <p:cNvSpPr>
-            <a:spLocks noGrp="1"/>
-          </p:cNvSpPr>
-          <p:nvPr>
-            <p:ph type="body" sz="quarter" idx="13"/>
-          </p:nvPr>
-        </p:nvSpPr>
-        <p:spPr>
-          <a:xfrm>
-            <a:off x="1097875" y="3352800"/>
-            <a:ext cx="9339184" cy="381000"/>
-          </a:xfrm>
-        </p:spPr>
-        <p:txBody>
-          <a:bodyPr anchor="ctr"/>
-          <a:lstStyle>
-            <a:lvl1pPr marL="0" indent="0">
-              <a:buFontTx/>
-              <a:buNone/>
-              <a:defRPr/>
-            </a:lvl1pPr>
-            <a:lvl2pPr marL="457200" indent="0">
-              <a:buFontTx/>
-              <a:buNone/>
-              <a:defRPr/>
-            </a:lvl2pPr>
-            <a:lvl3pPr marL="914400" indent="0">
-              <a:buFontTx/>
-              <a:buNone/>
-              <a:defRPr/>
-            </a:lvl3pPr>
-            <a:lvl4pPr marL="1371600" indent="0">
-              <a:buFontTx/>
-              <a:buNone/>
-              <a:defRPr/>
-            </a:lvl4pPr>
-            <a:lvl5pPr marL="1828800" indent="0">
-              <a:buFontTx/>
-              <a:buNone/>
-              <a:defRPr/>
-            </a:lvl5pPr>
-          </a:lstStyle>
-          <a:p>
-            <a:pPr lvl="0"/>
-            <a:r>
-              <a:rPr lang="en-US"/>
-              <a:t>Click to edit Master text styles</a:t>
-            </a:r>
-          </a:p>
-        </p:txBody>
-      </p:sp>
-      <p:sp>
-        <p:nvSpPr>
-          <p:cNvPr id="3" name="Text Placeholder 2"/>
-          <p:cNvSpPr>
-            <a:spLocks noGrp="1"/>
-          </p:cNvSpPr>
-          <p:nvPr>
-            <p:ph type="body" idx="1"/>
-          </p:nvPr>
-        </p:nvSpPr>
-        <p:spPr>
-          <a:xfrm>
-            <a:off x="687465" y="4343400"/>
-            <a:ext cx="10152367" cy="1447800"/>
-          </a:xfrm>
-        </p:spPr>
-        <p:txBody>
-          <a:bodyPr anchor="ctr">
-            <a:normAutofit/>
-          </a:bodyPr>
-          <a:lstStyle>
-            <a:lvl1pPr marL="0" indent="0" algn="l">
-              <a:buNone/>
-              <a:defRPr sz="2000">
-                <a:solidFill>
-                  <a:schemeClr val="tx1"/>
-                </a:solidFill>
-              </a:defRPr>
-            </a:lvl1pPr>
-            <a:lvl2pPr marL="457200" indent="0">
-              <a:buNone/>
-              <a:defRPr sz="1800">
-                <a:solidFill>
-                  <a:schemeClr val="tx1">
-                    <a:tint val="75000"/>
-                  </a:schemeClr>
-                </a:solidFill>
-              </a:defRPr>
-            </a:lvl2pPr>
-            <a:lvl3pPr marL="914400" indent="0">
-              <a:buNone/>
-              <a:defRPr sz="1600">
-                <a:solidFill>
-                  <a:schemeClr val="tx1">
-                    <a:tint val="75000"/>
-                  </a:schemeClr>
-                </a:solidFill>
-              </a:defRPr>
-            </a:lvl3pPr>
-            <a:lvl4pPr marL="1371600" indent="0">
-              <a:buNone/>
-              <a:defRPr sz="1400">
-                <a:solidFill>
-                  <a:schemeClr val="tx1">
-                    <a:tint val="75000"/>
-                  </a:schemeClr>
-                </a:solidFill>
-              </a:defRPr>
-            </a:lvl4pPr>
-            <a:lvl5pPr marL="1828800" indent="0">
-              <a:buNone/>
-              <a:defRPr sz="1400">
-                <a:solidFill>
-                  <a:schemeClr val="tx1">
-                    <a:tint val="75000"/>
-                  </a:schemeClr>
-                </a:solidFill>
-              </a:defRPr>
-            </a:lvl5pPr>
-            <a:lvl6pPr marL="2286000" indent="0">
-              <a:buNone/>
-              <a:defRPr sz="1400">
-                <a:solidFill>
-                  <a:schemeClr val="tx1">
-                    <a:tint val="75000"/>
-                  </a:schemeClr>
-                </a:solidFill>
-              </a:defRPr>
-            </a:lvl6pPr>
-            <a:lvl7pPr marL="2743200" indent="0">
-              <a:buNone/>
-              <a:defRPr sz="1400">
-                <a:solidFill>
-                  <a:schemeClr val="tx1">
-                    <a:tint val="75000"/>
-                  </a:schemeClr>
-                </a:solidFill>
-              </a:defRPr>
-            </a:lvl7pPr>
-            <a:lvl8pPr marL="3200400" indent="0">
-              <a:buNone/>
-              <a:defRPr sz="1400">
-                <a:solidFill>
-                  <a:schemeClr val="tx1">
-                    <a:tint val="75000"/>
-                  </a:schemeClr>
-                </a:solidFill>
-              </a:defRPr>
-            </a:lvl8pPr>
-            <a:lvl9pPr marL="3657600" indent="0">
-              <a:buNone/>
-              <a:defRPr sz="1400">
-                <a:solidFill>
-                  <a:schemeClr val="tx1">
-                    <a:tint val="75000"/>
-                  </a:schemeClr>
-                </a:solidFill>
-              </a:defRPr>
-            </a:lvl9pPr>
-          </a:lstStyle>
-          <a:p>
-            <a:pPr lvl="0"/>
-            <a:r>
-              <a:rPr lang="en-US"/>
-              <a:t>Click to edit Master text styles</a:t>
-            </a:r>
-          </a:p>
-        </p:txBody>
-      </p:sp>
-      <p:sp>
-        <p:nvSpPr>
-          <p:cNvPr id="4" name="Date Placeholder 3"/>
-          <p:cNvSpPr>
-            <a:spLocks noGrp="1"/>
-          </p:cNvSpPr>
-          <p:nvPr>
-            <p:ph type="dt" sz="half" idx="10"/>
-          </p:nvPr>
-        </p:nvSpPr>
-        <p:spPr/>
-        <p:txBody>
-          <a:bodyPr/>
-          <a:lstStyle/>
-          <a:p>
-            <a:fld id="{D2CA09ED-00E1-48A1-A46D-444D2CA76DC6}" type="datetimeFigureOut">
-              <a:rPr lang="en-IN" smtClean="0"/>
-              <a:t>09-02-2023</a:t>
-            </a:fld>
-            <a:endParaRPr lang="en-IN"/>
-          </a:p>
-        </p:txBody>
-      </p:sp>
-      <p:sp>
-        <p:nvSpPr>
-          <p:cNvPr id="5" name="Footer Placeholder 4"/>
-          <p:cNvSpPr>
-            <a:spLocks noGrp="1"/>
-          </p:cNvSpPr>
-          <p:nvPr>
-            <p:ph type="ftr" sz="quarter" idx="11"/>
-          </p:nvPr>
-        </p:nvSpPr>
-        <p:spPr/>
-        <p:txBody>
-          <a:bodyPr/>
-          <a:lstStyle/>
-          <a:p>
-            <a:endParaRPr lang="en-IN"/>
-          </a:p>
-        </p:txBody>
-      </p:sp>
-      <p:sp>
-        <p:nvSpPr>
-          <p:cNvPr id="6" name="Slide Number Placeholder 5"/>
-          <p:cNvSpPr>
-            <a:spLocks noGrp="1"/>
-          </p:cNvSpPr>
-          <p:nvPr>
-            <p:ph type="sldNum" sz="quarter" idx="12"/>
-          </p:nvPr>
-        </p:nvSpPr>
-        <p:spPr/>
-        <p:txBody>
-          <a:bodyPr/>
-          <a:lstStyle/>
-          <a:p>
-            <a:fld id="{4AAACA60-61EE-497D-9DCF-41BDB11FB224}" type="slidenum">
-              <a:rPr lang="en-IN" smtClean="0"/>
-              <a:t>‹#›</a:t>
-            </a:fld>
-            <a:endParaRPr lang="en-IN"/>
-          </a:p>
-        </p:txBody>
-      </p:sp>
-    </p:spTree>
-    <p:extLst>
-      <p:ext uri="{BB962C8B-B14F-4D97-AF65-F5344CB8AC3E}">
-        <p14:creationId xmlns:p14="http://schemas.microsoft.com/office/powerpoint/2010/main" val="3549325618"/>
-      </p:ext>
-    </p:extLst>
-  </p:cSld>
-  <p:clrMapOvr>
-    <a:masterClrMapping/>
-  </p:clrMapOvr>
-</p:sldLayout>
-</file>
-
-<file path=ppt/slideLayouts/slideLayout13.xml><?xml version="1.0" encoding="utf-8"?>
-<p:sldLayout xmlns:a="http://schemas.openxmlformats.org/drawingml/2006/main" xmlns:r="http://schemas.openxmlformats.org/officeDocument/2006/relationships" xmlns:p="http://schemas.openxmlformats.org/presentationml/2006/main" preserve="1">
-  <p:cSld name="Name Card">
-    <p:spTree>
-      <p:nvGrpSpPr>
-        <p:cNvPr id="1" name=""/>
-        <p:cNvGrpSpPr/>
-        <p:nvPr/>
-      </p:nvGrpSpPr>
-      <p:grpSpPr>
-        <a:xfrm>
-          <a:off x="0" y="0"/>
-          <a:ext cx="0" cy="0"/>
-          <a:chOff x="0" y="0"/>
-          <a:chExt cx="0" cy="0"/>
-        </a:xfrm>
-      </p:grpSpPr>
-      <p:pic>
-        <p:nvPicPr>
-          <p:cNvPr id="8" name="Picture 7" descr="Celestia-R1---OverlayContentHD.png"/>
-          <p:cNvPicPr>
-            <a:picLocks noChangeAspect="1"/>
-          </p:cNvPicPr>
-          <p:nvPr/>
-        </p:nvPicPr>
-        <p:blipFill>
-          <a:blip r:embed="rId2">
-            <a:extLst>
-              <a:ext uri="{28A0092B-C50C-407E-A947-70E740481C1C}">
-                <a14:useLocalDpi xmlns:a14="http://schemas.microsoft.com/office/drawing/2010/main" val="0"/>
-              </a:ext>
-            </a:extLst>
-          </a:blip>
-          <a:stretch>
-            <a:fillRect/>
-          </a:stretch>
-        </p:blipFill>
-        <p:spPr>
-          <a:xfrm>
-            <a:off x="0" y="0"/>
-            <a:ext cx="12188825" cy="6856214"/>
-          </a:xfrm>
-          <a:prstGeom prst="rect">
-            <a:avLst/>
-          </a:prstGeom>
-        </p:spPr>
-      </p:pic>
-      <p:sp>
-        <p:nvSpPr>
-          <p:cNvPr id="2" name="Title 1"/>
-          <p:cNvSpPr>
-            <a:spLocks noGrp="1"/>
-          </p:cNvSpPr>
-          <p:nvPr>
-            <p:ph type="title"/>
-          </p:nvPr>
-        </p:nvSpPr>
-        <p:spPr>
-          <a:xfrm>
-            <a:off x="685802" y="3308581"/>
-            <a:ext cx="10131425" cy="1468800"/>
-          </a:xfrm>
-        </p:spPr>
-        <p:txBody>
-          <a:bodyPr anchor="b">
-            <a:normAutofit/>
-          </a:bodyPr>
-          <a:lstStyle>
-            <a:lvl1pPr algn="l">
-              <a:defRPr sz="3200" b="0" cap="none"/>
-            </a:lvl1pPr>
-          </a:lstStyle>
-          <a:p>
-            <a:r>
-              <a:rPr lang="en-US"/>
-              <a:t>Click to edit Master title style</a:t>
-            </a:r>
-            <a:endParaRPr lang="en-US" dirty="0"/>
-          </a:p>
-        </p:txBody>
-      </p:sp>
-      <p:sp>
-        <p:nvSpPr>
-          <p:cNvPr id="3" name="Text Placeholder 2"/>
-          <p:cNvSpPr>
-            <a:spLocks noGrp="1"/>
-          </p:cNvSpPr>
-          <p:nvPr>
-            <p:ph type="body" idx="1"/>
-          </p:nvPr>
-        </p:nvSpPr>
-        <p:spPr>
-          <a:xfrm>
-            <a:off x="685801" y="4777381"/>
-            <a:ext cx="10131426" cy="860400"/>
-          </a:xfrm>
-        </p:spPr>
-        <p:txBody>
-          <a:bodyPr anchor="t">
-            <a:normAutofit/>
-          </a:bodyPr>
-          <a:lstStyle>
-            <a:lvl1pPr marL="0" indent="0" algn="l">
-              <a:buNone/>
-              <a:defRPr sz="2000">
-                <a:solidFill>
-                  <a:schemeClr val="tx1"/>
-                </a:solidFill>
-              </a:defRPr>
-            </a:lvl1pPr>
-            <a:lvl2pPr marL="457200" indent="0">
-              <a:buNone/>
-              <a:defRPr sz="1800">
-                <a:solidFill>
-                  <a:schemeClr val="tx1">
-                    <a:tint val="75000"/>
-                  </a:schemeClr>
-                </a:solidFill>
-              </a:defRPr>
-            </a:lvl2pPr>
-            <a:lvl3pPr marL="914400" indent="0">
-              <a:buNone/>
-              <a:defRPr sz="1600">
-                <a:solidFill>
-                  <a:schemeClr val="tx1">
-                    <a:tint val="75000"/>
-                  </a:schemeClr>
-                </a:solidFill>
-              </a:defRPr>
-            </a:lvl3pPr>
-            <a:lvl4pPr marL="1371600" indent="0">
-              <a:buNone/>
-              <a:defRPr sz="1400">
-                <a:solidFill>
-                  <a:schemeClr val="tx1">
-                    <a:tint val="75000"/>
-                  </a:schemeClr>
-                </a:solidFill>
-              </a:defRPr>
-            </a:lvl4pPr>
-            <a:lvl5pPr marL="1828800" indent="0">
-              <a:buNone/>
-              <a:defRPr sz="1400">
-                <a:solidFill>
-                  <a:schemeClr val="tx1">
-                    <a:tint val="75000"/>
-                  </a:schemeClr>
-                </a:solidFill>
-              </a:defRPr>
-            </a:lvl5pPr>
-            <a:lvl6pPr marL="2286000" indent="0">
-              <a:buNone/>
-              <a:defRPr sz="1400">
-                <a:solidFill>
-                  <a:schemeClr val="tx1">
-                    <a:tint val="75000"/>
-                  </a:schemeClr>
-                </a:solidFill>
-              </a:defRPr>
-            </a:lvl6pPr>
-            <a:lvl7pPr marL="2743200" indent="0">
-              <a:buNone/>
-              <a:defRPr sz="1400">
-                <a:solidFill>
-                  <a:schemeClr val="tx1">
-                    <a:tint val="75000"/>
-                  </a:schemeClr>
-                </a:solidFill>
-              </a:defRPr>
-            </a:lvl7pPr>
-            <a:lvl8pPr marL="3200400" indent="0">
-              <a:buNone/>
-              <a:defRPr sz="1400">
-                <a:solidFill>
-                  <a:schemeClr val="tx1">
-                    <a:tint val="75000"/>
-                  </a:schemeClr>
-                </a:solidFill>
-              </a:defRPr>
-            </a:lvl8pPr>
-            <a:lvl9pPr marL="3657600" indent="0">
-              <a:buNone/>
-              <a:defRPr sz="1400">
-                <a:solidFill>
-                  <a:schemeClr val="tx1">
-                    <a:tint val="75000"/>
-                  </a:schemeClr>
-                </a:solidFill>
-              </a:defRPr>
-            </a:lvl9pPr>
-          </a:lstStyle>
-          <a:p>
-            <a:pPr lvl="0"/>
-            <a:r>
-              <a:rPr lang="en-US"/>
-              <a:t>Click to edit Master text styles</a:t>
-            </a:r>
-          </a:p>
-        </p:txBody>
-      </p:sp>
-      <p:sp>
-        <p:nvSpPr>
-          <p:cNvPr id="4" name="Date Placeholder 3"/>
-          <p:cNvSpPr>
-            <a:spLocks noGrp="1"/>
-          </p:cNvSpPr>
-          <p:nvPr>
-            <p:ph type="dt" sz="half" idx="10"/>
-          </p:nvPr>
-        </p:nvSpPr>
-        <p:spPr/>
-        <p:txBody>
-          <a:bodyPr/>
-          <a:lstStyle/>
-          <a:p>
-            <a:fld id="{D2CA09ED-00E1-48A1-A46D-444D2CA76DC6}" type="datetimeFigureOut">
-              <a:rPr lang="en-IN" smtClean="0"/>
-              <a:t>09-02-2023</a:t>
-            </a:fld>
-            <a:endParaRPr lang="en-IN"/>
-          </a:p>
-        </p:txBody>
-      </p:sp>
-      <p:sp>
-        <p:nvSpPr>
-          <p:cNvPr id="5" name="Footer Placeholder 4"/>
-          <p:cNvSpPr>
-            <a:spLocks noGrp="1"/>
-          </p:cNvSpPr>
-          <p:nvPr>
-            <p:ph type="ftr" sz="quarter" idx="11"/>
-          </p:nvPr>
-        </p:nvSpPr>
-        <p:spPr/>
-        <p:txBody>
-          <a:bodyPr/>
-          <a:lstStyle/>
-          <a:p>
-            <a:endParaRPr lang="en-IN"/>
-          </a:p>
-        </p:txBody>
-      </p:sp>
-      <p:sp>
-        <p:nvSpPr>
-          <p:cNvPr id="6" name="Slide Number Placeholder 5"/>
-          <p:cNvSpPr>
-            <a:spLocks noGrp="1"/>
-          </p:cNvSpPr>
-          <p:nvPr>
-            <p:ph type="sldNum" sz="quarter" idx="12"/>
-          </p:nvPr>
-        </p:nvSpPr>
-        <p:spPr/>
-        <p:txBody>
-          <a:bodyPr/>
-          <a:lstStyle/>
-          <a:p>
-            <a:fld id="{4AAACA60-61EE-497D-9DCF-41BDB11FB224}" type="slidenum">
-              <a:rPr lang="en-IN" smtClean="0"/>
-              <a:t>‹#›</a:t>
-            </a:fld>
-            <a:endParaRPr lang="en-IN"/>
-          </a:p>
-        </p:txBody>
-      </p:sp>
-    </p:spTree>
-    <p:extLst>
-      <p:ext uri="{BB962C8B-B14F-4D97-AF65-F5344CB8AC3E}">
-        <p14:creationId xmlns:p14="http://schemas.microsoft.com/office/powerpoint/2010/main" val="706251981"/>
-      </p:ext>
-    </p:extLst>
-  </p:cSld>
-  <p:clrMapOvr>
-    <a:masterClrMapping/>
-  </p:clrMapOvr>
-</p:sldLayout>
-</file>
-
-<file path=ppt/slideLayouts/slideLayout14.xml><?xml version="1.0" encoding="utf-8"?>
-<p:sldLayout xmlns:a="http://schemas.openxmlformats.org/drawingml/2006/main" xmlns:r="http://schemas.openxmlformats.org/officeDocument/2006/relationships" xmlns:p="http://schemas.openxmlformats.org/presentationml/2006/main" preserve="1">
-  <p:cSld name="Quote Name Card">
-    <p:spTree>
-      <p:nvGrpSpPr>
-        <p:cNvPr id="1" name=""/>
-        <p:cNvGrpSpPr/>
-        <p:nvPr/>
-      </p:nvGrpSpPr>
-      <p:grpSpPr>
-        <a:xfrm>
-          <a:off x="0" y="0"/>
-          <a:ext cx="0" cy="0"/>
-          <a:chOff x="0" y="0"/>
-          <a:chExt cx="0" cy="0"/>
-        </a:xfrm>
-      </p:grpSpPr>
-      <p:pic>
-        <p:nvPicPr>
-          <p:cNvPr id="11" name="Picture 10" descr="Celestia-R1---OverlayContentHD.png"/>
-          <p:cNvPicPr>
-            <a:picLocks noChangeAspect="1"/>
-          </p:cNvPicPr>
-          <p:nvPr/>
-        </p:nvPicPr>
-        <p:blipFill>
-          <a:blip r:embed="rId2">
-            <a:extLst>
-              <a:ext uri="{28A0092B-C50C-407E-A947-70E740481C1C}">
-                <a14:useLocalDpi xmlns:a14="http://schemas.microsoft.com/office/drawing/2010/main" val="0"/>
-              </a:ext>
-            </a:extLst>
-          </a:blip>
-          <a:stretch>
-            <a:fillRect/>
-          </a:stretch>
-        </p:blipFill>
-        <p:spPr>
-          <a:xfrm>
-            <a:off x="0" y="0"/>
-            <a:ext cx="12188825" cy="6856214"/>
-          </a:xfrm>
-          <a:prstGeom prst="rect">
-            <a:avLst/>
-          </a:prstGeom>
-        </p:spPr>
-      </p:pic>
-      <p:sp>
-        <p:nvSpPr>
-          <p:cNvPr id="13" name="TextBox 12"/>
-          <p:cNvSpPr txBox="1"/>
-          <p:nvPr/>
-        </p:nvSpPr>
-        <p:spPr>
-          <a:xfrm>
-            <a:off x="10237867" y="2743200"/>
-            <a:ext cx="609600" cy="584776"/>
-          </a:xfrm>
-          <a:prstGeom prst="rect">
-            <a:avLst/>
-          </a:prstGeom>
-        </p:spPr>
-        <p:txBody>
-          <a:bodyPr vert="horz" lIns="91440" tIns="45720" rIns="91440" bIns="45720" rtlCol="0" anchor="ctr">
-            <a:noAutofit/>
-          </a:bodyPr>
-          <a:lstStyle>
-            <a:lvl1pPr>
-              <a:spcBef>
-                <a:spcPct val="0"/>
-              </a:spcBef>
-              <a:buNone/>
-              <a:defRPr sz="3200" b="0" cap="all">
-                <a:ln w="3175" cmpd="sng">
-                  <a:noFill/>
-                </a:ln>
-                <a:effectLst>
-                  <a:glow rad="38100">
-                    <a:schemeClr val="bg1">
-                      <a:lumMod val="65000"/>
-                      <a:lumOff val="35000"/>
-                      <a:alpha val="40000"/>
-                    </a:schemeClr>
-                  </a:glow>
-                  <a:outerShdw blurRad="28575" dist="38100" dir="14040000" algn="tl" rotWithShape="0">
-                    <a:srgbClr val="000000">
-                      <a:alpha val="25000"/>
-                    </a:srgbClr>
-                  </a:outerShdw>
-                </a:effectLst>
-              </a:defRPr>
-            </a:lvl1pPr>
-            <a:lvl2pPr>
-              <a:defRPr>
-                <a:solidFill>
-                  <a:schemeClr val="tx2"/>
-                </a:solidFill>
-              </a:defRPr>
-            </a:lvl2pPr>
-            <a:lvl3pPr>
-              <a:defRPr>
-                <a:solidFill>
-                  <a:schemeClr val="tx2"/>
-                </a:solidFill>
-              </a:defRPr>
-            </a:lvl3pPr>
-            <a:lvl4pPr>
-              <a:defRPr>
-                <a:solidFill>
-                  <a:schemeClr val="tx2"/>
-                </a:solidFill>
-              </a:defRPr>
-            </a:lvl4pPr>
-            <a:lvl5pPr>
-              <a:defRPr>
-                <a:solidFill>
-                  <a:schemeClr val="tx2"/>
-                </a:solidFill>
-              </a:defRPr>
-            </a:lvl5pPr>
-            <a:lvl6pPr>
-              <a:defRPr>
-                <a:solidFill>
-                  <a:schemeClr val="tx2"/>
-                </a:solidFill>
-              </a:defRPr>
-            </a:lvl6pPr>
-            <a:lvl7pPr>
-              <a:defRPr>
-                <a:solidFill>
-                  <a:schemeClr val="tx2"/>
-                </a:solidFill>
-              </a:defRPr>
-            </a:lvl7pPr>
-            <a:lvl8pPr>
-              <a:defRPr>
-                <a:solidFill>
-                  <a:schemeClr val="tx2"/>
-                </a:solidFill>
-              </a:defRPr>
-            </a:lvl8pPr>
-            <a:lvl9pPr>
-              <a:defRPr>
-                <a:solidFill>
-                  <a:schemeClr val="tx2"/>
-                </a:solidFill>
-              </a:defRPr>
-            </a:lvl9pPr>
-          </a:lstStyle>
-          <a:p>
-            <a:pPr lvl="0" algn="r"/>
-            <a:r>
-              <a:rPr lang="en-US" sz="8000" dirty="0">
-                <a:solidFill>
-                  <a:schemeClr val="tx1"/>
-                </a:solidFill>
-                <a:effectLst/>
-              </a:rPr>
-              <a:t>”</a:t>
-            </a:r>
-          </a:p>
-        </p:txBody>
-      </p:sp>
-      <p:sp>
-        <p:nvSpPr>
-          <p:cNvPr id="14" name="TextBox 13"/>
-          <p:cNvSpPr txBox="1"/>
-          <p:nvPr/>
-        </p:nvSpPr>
-        <p:spPr>
-          <a:xfrm>
-            <a:off x="488275" y="823337"/>
-            <a:ext cx="609600" cy="584776"/>
-          </a:xfrm>
-          <a:prstGeom prst="rect">
-            <a:avLst/>
-          </a:prstGeom>
-        </p:spPr>
-        <p:txBody>
-          <a:bodyPr vert="horz" lIns="91440" tIns="45720" rIns="91440" bIns="45720" rtlCol="0" anchor="ctr">
-            <a:noAutofit/>
-          </a:bodyPr>
-          <a:lstStyle>
-            <a:lvl1pPr>
-              <a:spcBef>
-                <a:spcPct val="0"/>
-              </a:spcBef>
-              <a:buNone/>
-              <a:defRPr sz="3200" b="0" cap="all">
-                <a:ln w="3175" cmpd="sng">
-                  <a:noFill/>
-                </a:ln>
-                <a:effectLst>
-                  <a:glow rad="38100">
-                    <a:schemeClr val="bg1">
-                      <a:lumMod val="65000"/>
-                      <a:lumOff val="35000"/>
-                      <a:alpha val="40000"/>
-                    </a:schemeClr>
-                  </a:glow>
-                  <a:outerShdw blurRad="28575" dist="38100" dir="14040000" algn="tl" rotWithShape="0">
-                    <a:srgbClr val="000000">
-                      <a:alpha val="25000"/>
-                    </a:srgbClr>
-                  </a:outerShdw>
-                </a:effectLst>
-              </a:defRPr>
-            </a:lvl1pPr>
-            <a:lvl2pPr>
-              <a:defRPr>
-                <a:solidFill>
-                  <a:schemeClr val="tx2"/>
-                </a:solidFill>
-              </a:defRPr>
-            </a:lvl2pPr>
-            <a:lvl3pPr>
-              <a:defRPr>
-                <a:solidFill>
-                  <a:schemeClr val="tx2"/>
-                </a:solidFill>
-              </a:defRPr>
-            </a:lvl3pPr>
-            <a:lvl4pPr>
-              <a:defRPr>
-                <a:solidFill>
-                  <a:schemeClr val="tx2"/>
-                </a:solidFill>
-              </a:defRPr>
-            </a:lvl4pPr>
-            <a:lvl5pPr>
-              <a:defRPr>
-                <a:solidFill>
-                  <a:schemeClr val="tx2"/>
-                </a:solidFill>
-              </a:defRPr>
-            </a:lvl5pPr>
-            <a:lvl6pPr>
-              <a:defRPr>
-                <a:solidFill>
-                  <a:schemeClr val="tx2"/>
-                </a:solidFill>
-              </a:defRPr>
-            </a:lvl6pPr>
-            <a:lvl7pPr>
-              <a:defRPr>
-                <a:solidFill>
-                  <a:schemeClr val="tx2"/>
-                </a:solidFill>
-              </a:defRPr>
-            </a:lvl7pPr>
-            <a:lvl8pPr>
-              <a:defRPr>
-                <a:solidFill>
-                  <a:schemeClr val="tx2"/>
-                </a:solidFill>
-              </a:defRPr>
-            </a:lvl8pPr>
-            <a:lvl9pPr>
-              <a:defRPr>
-                <a:solidFill>
-                  <a:schemeClr val="tx2"/>
-                </a:solidFill>
-              </a:defRPr>
-            </a:lvl9pPr>
-          </a:lstStyle>
-          <a:p>
-            <a:pPr lvl="0" algn="r"/>
-            <a:r>
-              <a:rPr lang="en-US" sz="8000" dirty="0">
-                <a:solidFill>
-                  <a:schemeClr val="tx1"/>
-                </a:solidFill>
-                <a:effectLst/>
-              </a:rPr>
-              <a:t>“</a:t>
-            </a:r>
-          </a:p>
-        </p:txBody>
-      </p:sp>
-      <p:sp>
-        <p:nvSpPr>
-          <p:cNvPr id="16" name="Title 1"/>
-          <p:cNvSpPr>
-            <a:spLocks noGrp="1"/>
-          </p:cNvSpPr>
-          <p:nvPr>
-            <p:ph type="title"/>
-          </p:nvPr>
-        </p:nvSpPr>
-        <p:spPr>
-          <a:xfrm>
-            <a:off x="992267" y="609601"/>
-            <a:ext cx="9550399" cy="2743199"/>
-          </a:xfrm>
-        </p:spPr>
-        <p:txBody>
-          <a:bodyPr anchor="ctr">
-            <a:normAutofit/>
-          </a:bodyPr>
-          <a:lstStyle>
-            <a:lvl1pPr algn="l">
-              <a:defRPr sz="3200" b="0" cap="none">
-                <a:solidFill>
-                  <a:schemeClr val="tx1"/>
-                </a:solidFill>
-              </a:defRPr>
-            </a:lvl1pPr>
-          </a:lstStyle>
-          <a:p>
-            <a:r>
-              <a:rPr lang="en-US"/>
-              <a:t>Click to edit Master title style</a:t>
-            </a:r>
-            <a:endParaRPr lang="en-US" dirty="0"/>
-          </a:p>
-        </p:txBody>
-      </p:sp>
-      <p:sp>
-        <p:nvSpPr>
-          <p:cNvPr id="10" name="Text Placeholder 9"/>
-          <p:cNvSpPr>
-            <a:spLocks noGrp="1"/>
-          </p:cNvSpPr>
-          <p:nvPr>
-            <p:ph type="body" sz="quarter" idx="13"/>
-          </p:nvPr>
-        </p:nvSpPr>
-        <p:spPr>
-          <a:xfrm>
-            <a:off x="685800" y="3886200"/>
-            <a:ext cx="10135436" cy="889000"/>
-          </a:xfrm>
-        </p:spPr>
-        <p:txBody>
-          <a:bodyPr vert="horz" lIns="91440" tIns="45720" rIns="91440" bIns="45720" rtlCol="0" anchor="b">
-            <a:normAutofit/>
-          </a:bodyPr>
-          <a:lstStyle>
-            <a:lvl1pPr>
-              <a:buNone/>
-              <a:defRPr lang="en-US" sz="2400" b="0" cap="none" dirty="0">
-                <a:ln w="3175" cmpd="sng">
-                  <a:noFill/>
-                </a:ln>
-                <a:solidFill>
-                  <a:schemeClr val="tx1"/>
-                </a:solidFill>
-                <a:effectLst/>
-              </a:defRPr>
-            </a:lvl1pPr>
-          </a:lstStyle>
-          <a:p>
-            <a:pPr marL="0" lvl="0">
-              <a:spcBef>
-                <a:spcPct val="0"/>
-              </a:spcBef>
-              <a:buNone/>
-            </a:pPr>
-            <a:r>
-              <a:rPr lang="en-US"/>
-              <a:t>Click to edit Master text styles</a:t>
-            </a:r>
-          </a:p>
-        </p:txBody>
-      </p:sp>
-      <p:sp>
-        <p:nvSpPr>
-          <p:cNvPr id="3" name="Text Placeholder 2"/>
-          <p:cNvSpPr>
-            <a:spLocks noGrp="1"/>
-          </p:cNvSpPr>
-          <p:nvPr>
-            <p:ph type="body" idx="1"/>
-          </p:nvPr>
-        </p:nvSpPr>
-        <p:spPr>
-          <a:xfrm>
-            <a:off x="685799" y="4775200"/>
-            <a:ext cx="10135436" cy="1016000"/>
-          </a:xfrm>
-        </p:spPr>
-        <p:txBody>
-          <a:bodyPr anchor="t">
-            <a:normAutofit/>
-          </a:bodyPr>
-          <a:lstStyle>
-            <a:lvl1pPr marL="0" indent="0" algn="l">
-              <a:buNone/>
-              <a:defRPr sz="1800">
-                <a:solidFill>
-                  <a:schemeClr val="tx1"/>
-                </a:solidFill>
-              </a:defRPr>
-            </a:lvl1pPr>
-            <a:lvl2pPr marL="457200" indent="0">
-              <a:buNone/>
-              <a:defRPr sz="1800">
-                <a:solidFill>
-                  <a:schemeClr val="tx1">
-                    <a:tint val="75000"/>
-                  </a:schemeClr>
-                </a:solidFill>
-              </a:defRPr>
-            </a:lvl2pPr>
-            <a:lvl3pPr marL="914400" indent="0">
-              <a:buNone/>
-              <a:defRPr sz="1600">
-                <a:solidFill>
-                  <a:schemeClr val="tx1">
-                    <a:tint val="75000"/>
-                  </a:schemeClr>
-                </a:solidFill>
-              </a:defRPr>
-            </a:lvl3pPr>
-            <a:lvl4pPr marL="1371600" indent="0">
-              <a:buNone/>
-              <a:defRPr sz="1400">
-                <a:solidFill>
-                  <a:schemeClr val="tx1">
-                    <a:tint val="75000"/>
-                  </a:schemeClr>
-                </a:solidFill>
-              </a:defRPr>
-            </a:lvl4pPr>
-            <a:lvl5pPr marL="1828800" indent="0">
-              <a:buNone/>
-              <a:defRPr sz="1400">
-                <a:solidFill>
-                  <a:schemeClr val="tx1">
-                    <a:tint val="75000"/>
-                  </a:schemeClr>
-                </a:solidFill>
-              </a:defRPr>
-            </a:lvl5pPr>
-            <a:lvl6pPr marL="2286000" indent="0">
-              <a:buNone/>
-              <a:defRPr sz="1400">
-                <a:solidFill>
-                  <a:schemeClr val="tx1">
-                    <a:tint val="75000"/>
-                  </a:schemeClr>
-                </a:solidFill>
-              </a:defRPr>
-            </a:lvl6pPr>
-            <a:lvl7pPr marL="2743200" indent="0">
-              <a:buNone/>
-              <a:defRPr sz="1400">
-                <a:solidFill>
-                  <a:schemeClr val="tx1">
-                    <a:tint val="75000"/>
-                  </a:schemeClr>
-                </a:solidFill>
-              </a:defRPr>
-            </a:lvl7pPr>
-            <a:lvl8pPr marL="3200400" indent="0">
-              <a:buNone/>
-              <a:defRPr sz="1400">
-                <a:solidFill>
-                  <a:schemeClr val="tx1">
-                    <a:tint val="75000"/>
-                  </a:schemeClr>
-                </a:solidFill>
-              </a:defRPr>
-            </a:lvl8pPr>
-            <a:lvl9pPr marL="3657600" indent="0">
-              <a:buNone/>
-              <a:defRPr sz="1400">
-                <a:solidFill>
-                  <a:schemeClr val="tx1">
-                    <a:tint val="75000"/>
-                  </a:schemeClr>
-                </a:solidFill>
-              </a:defRPr>
-            </a:lvl9pPr>
-          </a:lstStyle>
-          <a:p>
-            <a:pPr lvl="0"/>
-            <a:r>
-              <a:rPr lang="en-US"/>
-              <a:t>Click to edit Master text styles</a:t>
-            </a:r>
-          </a:p>
-        </p:txBody>
-      </p:sp>
-      <p:sp>
-        <p:nvSpPr>
-          <p:cNvPr id="4" name="Date Placeholder 3"/>
-          <p:cNvSpPr>
-            <a:spLocks noGrp="1"/>
-          </p:cNvSpPr>
-          <p:nvPr>
-            <p:ph type="dt" sz="half" idx="10"/>
-          </p:nvPr>
-        </p:nvSpPr>
-        <p:spPr/>
-        <p:txBody>
-          <a:bodyPr/>
-          <a:lstStyle/>
-          <a:p>
-            <a:fld id="{D2CA09ED-00E1-48A1-A46D-444D2CA76DC6}" type="datetimeFigureOut">
-              <a:rPr lang="en-IN" smtClean="0"/>
-              <a:t>09-02-2023</a:t>
-            </a:fld>
-            <a:endParaRPr lang="en-IN"/>
-          </a:p>
-        </p:txBody>
-      </p:sp>
-      <p:sp>
-        <p:nvSpPr>
-          <p:cNvPr id="5" name="Footer Placeholder 4"/>
-          <p:cNvSpPr>
-            <a:spLocks noGrp="1"/>
-          </p:cNvSpPr>
-          <p:nvPr>
-            <p:ph type="ftr" sz="quarter" idx="11"/>
-          </p:nvPr>
-        </p:nvSpPr>
-        <p:spPr/>
-        <p:txBody>
-          <a:bodyPr/>
-          <a:lstStyle/>
-          <a:p>
-            <a:endParaRPr lang="en-IN"/>
-          </a:p>
-        </p:txBody>
-      </p:sp>
-      <p:sp>
-        <p:nvSpPr>
-          <p:cNvPr id="6" name="Slide Number Placeholder 5"/>
-          <p:cNvSpPr>
-            <a:spLocks noGrp="1"/>
-          </p:cNvSpPr>
-          <p:nvPr>
-            <p:ph type="sldNum" sz="quarter" idx="12"/>
-          </p:nvPr>
-        </p:nvSpPr>
-        <p:spPr/>
-        <p:txBody>
-          <a:bodyPr/>
-          <a:lstStyle/>
-          <a:p>
-            <a:fld id="{4AAACA60-61EE-497D-9DCF-41BDB11FB224}" type="slidenum">
-              <a:rPr lang="en-IN" smtClean="0"/>
-              <a:t>‹#›</a:t>
-            </a:fld>
-            <a:endParaRPr lang="en-IN"/>
-          </a:p>
-        </p:txBody>
-      </p:sp>
-    </p:spTree>
-    <p:extLst>
-      <p:ext uri="{BB962C8B-B14F-4D97-AF65-F5344CB8AC3E}">
-        <p14:creationId xmlns:p14="http://schemas.microsoft.com/office/powerpoint/2010/main" val="3541972805"/>
-      </p:ext>
-    </p:extLst>
-  </p:cSld>
-  <p:clrMapOvr>
-    <a:masterClrMapping/>
-  </p:clrMapOvr>
-</p:sldLayout>
-</file>
-
-<file path=ppt/slideLayouts/slideLayout15.xml><?xml version="1.0" encoding="utf-8"?>
-<p:sldLayout xmlns:a="http://schemas.openxmlformats.org/drawingml/2006/main" xmlns:r="http://schemas.openxmlformats.org/officeDocument/2006/relationships" xmlns:p="http://schemas.openxmlformats.org/presentationml/2006/main" preserve="1">
-  <p:cSld name="True or False">
-    <p:spTree>
-      <p:nvGrpSpPr>
-        <p:cNvPr id="1" name=""/>
-        <p:cNvGrpSpPr/>
-        <p:nvPr/>
-      </p:nvGrpSpPr>
-      <p:grpSpPr>
-        <a:xfrm>
-          <a:off x="0" y="0"/>
-          <a:ext cx="0" cy="0"/>
-          <a:chOff x="0" y="0"/>
-          <a:chExt cx="0" cy="0"/>
-        </a:xfrm>
-      </p:grpSpPr>
-      <p:pic>
-        <p:nvPicPr>
-          <p:cNvPr id="8" name="Picture 7" descr="Celestia-R1---OverlayContentHD.png"/>
-          <p:cNvPicPr>
-            <a:picLocks noChangeAspect="1"/>
-          </p:cNvPicPr>
-          <p:nvPr/>
-        </p:nvPicPr>
-        <p:blipFill>
-          <a:blip r:embed="rId2">
-            <a:extLst>
-              <a:ext uri="{28A0092B-C50C-407E-A947-70E740481C1C}">
-                <a14:useLocalDpi xmlns:a14="http://schemas.microsoft.com/office/drawing/2010/main" val="0"/>
-              </a:ext>
-            </a:extLst>
-          </a:blip>
-          <a:stretch>
-            <a:fillRect/>
-          </a:stretch>
-        </p:blipFill>
-        <p:spPr>
-          <a:xfrm>
-            <a:off x="0" y="0"/>
-            <a:ext cx="12188825" cy="6856214"/>
-          </a:xfrm>
-          <a:prstGeom prst="rect">
-            <a:avLst/>
-          </a:prstGeom>
-        </p:spPr>
-      </p:pic>
-      <p:sp>
-        <p:nvSpPr>
-          <p:cNvPr id="2" name="Title 1"/>
-          <p:cNvSpPr>
-            <a:spLocks noGrp="1"/>
-          </p:cNvSpPr>
-          <p:nvPr>
-            <p:ph type="title"/>
-          </p:nvPr>
-        </p:nvSpPr>
-        <p:spPr>
-          <a:xfrm>
-            <a:off x="685801" y="609601"/>
-            <a:ext cx="10131427" cy="2743199"/>
-          </a:xfrm>
-        </p:spPr>
-        <p:txBody>
-          <a:bodyPr vert="horz" lIns="91440" tIns="45720" rIns="91440" bIns="45720" rtlCol="0" anchor="ctr">
-            <a:normAutofit/>
-          </a:bodyPr>
-          <a:lstStyle>
-            <a:lvl1pPr>
-              <a:defRPr lang="en-US" b="0" dirty="0"/>
-            </a:lvl1pPr>
-          </a:lstStyle>
-          <a:p>
-            <a:pPr marL="0" lvl="0"/>
-            <a:r>
-              <a:rPr lang="en-US"/>
-              <a:t>Click to edit Master title style</a:t>
-            </a:r>
-            <a:endParaRPr lang="en-US" dirty="0"/>
-          </a:p>
-        </p:txBody>
-      </p:sp>
-      <p:sp>
-        <p:nvSpPr>
-          <p:cNvPr id="10" name="Text Placeholder 9"/>
-          <p:cNvSpPr>
-            <a:spLocks noGrp="1"/>
-          </p:cNvSpPr>
-          <p:nvPr>
-            <p:ph type="body" sz="quarter" idx="13"/>
-          </p:nvPr>
-        </p:nvSpPr>
-        <p:spPr>
-          <a:xfrm>
-            <a:off x="685801" y="3505200"/>
-            <a:ext cx="10131428" cy="838200"/>
-          </a:xfrm>
-        </p:spPr>
-        <p:txBody>
-          <a:bodyPr vert="horz" lIns="91440" tIns="45720" rIns="91440" bIns="45720" rtlCol="0" anchor="b">
-            <a:normAutofit/>
-          </a:bodyPr>
-          <a:lstStyle>
-            <a:lvl1pPr>
-              <a:buNone/>
-              <a:defRPr lang="en-US" sz="2800" b="0" cap="none" dirty="0">
-                <a:ln w="3175" cmpd="sng">
-                  <a:noFill/>
-                </a:ln>
-                <a:solidFill>
-                  <a:schemeClr val="tx1"/>
-                </a:solidFill>
-                <a:effectLst/>
-              </a:defRPr>
-            </a:lvl1pPr>
-          </a:lstStyle>
-          <a:p>
-            <a:pPr marL="0" lvl="0">
-              <a:spcBef>
-                <a:spcPct val="0"/>
-              </a:spcBef>
-              <a:buNone/>
-            </a:pPr>
-            <a:r>
-              <a:rPr lang="en-US"/>
-              <a:t>Click to edit Master text styles</a:t>
-            </a:r>
-          </a:p>
-        </p:txBody>
-      </p:sp>
-      <p:sp>
-        <p:nvSpPr>
-          <p:cNvPr id="3" name="Text Placeholder 2"/>
-          <p:cNvSpPr>
-            <a:spLocks noGrp="1"/>
-          </p:cNvSpPr>
-          <p:nvPr>
-            <p:ph type="body" idx="1"/>
-          </p:nvPr>
-        </p:nvSpPr>
-        <p:spPr>
-          <a:xfrm>
-            <a:off x="685800" y="4343400"/>
-            <a:ext cx="10131428" cy="1447800"/>
-          </a:xfrm>
-        </p:spPr>
-        <p:txBody>
-          <a:bodyPr anchor="t">
-            <a:normAutofit/>
-          </a:bodyPr>
-          <a:lstStyle>
-            <a:lvl1pPr marL="0" indent="0" algn="l">
-              <a:buNone/>
-              <a:defRPr sz="1800">
-                <a:solidFill>
-                  <a:schemeClr val="tx1"/>
-                </a:solidFill>
-              </a:defRPr>
-            </a:lvl1pPr>
-            <a:lvl2pPr marL="457200" indent="0">
-              <a:buNone/>
-              <a:defRPr sz="1800">
-                <a:solidFill>
-                  <a:schemeClr val="tx1">
-                    <a:tint val="75000"/>
-                  </a:schemeClr>
-                </a:solidFill>
-              </a:defRPr>
-            </a:lvl2pPr>
-            <a:lvl3pPr marL="914400" indent="0">
-              <a:buNone/>
-              <a:defRPr sz="1600">
-                <a:solidFill>
-                  <a:schemeClr val="tx1">
-                    <a:tint val="75000"/>
-                  </a:schemeClr>
-                </a:solidFill>
-              </a:defRPr>
-            </a:lvl3pPr>
-            <a:lvl4pPr marL="1371600" indent="0">
-              <a:buNone/>
-              <a:defRPr sz="1400">
-                <a:solidFill>
-                  <a:schemeClr val="tx1">
-                    <a:tint val="75000"/>
-                  </a:schemeClr>
-                </a:solidFill>
-              </a:defRPr>
-            </a:lvl4pPr>
-            <a:lvl5pPr marL="1828800" indent="0">
-              <a:buNone/>
-              <a:defRPr sz="1400">
-                <a:solidFill>
-                  <a:schemeClr val="tx1">
-                    <a:tint val="75000"/>
-                  </a:schemeClr>
-                </a:solidFill>
-              </a:defRPr>
-            </a:lvl5pPr>
-            <a:lvl6pPr marL="2286000" indent="0">
-              <a:buNone/>
-              <a:defRPr sz="1400">
-                <a:solidFill>
-                  <a:schemeClr val="tx1">
-                    <a:tint val="75000"/>
-                  </a:schemeClr>
-                </a:solidFill>
-              </a:defRPr>
-            </a:lvl6pPr>
-            <a:lvl7pPr marL="2743200" indent="0">
-              <a:buNone/>
-              <a:defRPr sz="1400">
-                <a:solidFill>
-                  <a:schemeClr val="tx1">
-                    <a:tint val="75000"/>
-                  </a:schemeClr>
-                </a:solidFill>
-              </a:defRPr>
-            </a:lvl7pPr>
-            <a:lvl8pPr marL="3200400" indent="0">
-              <a:buNone/>
-              <a:defRPr sz="1400">
-                <a:solidFill>
-                  <a:schemeClr val="tx1">
-                    <a:tint val="75000"/>
-                  </a:schemeClr>
-                </a:solidFill>
-              </a:defRPr>
-            </a:lvl8pPr>
-            <a:lvl9pPr marL="3657600" indent="0">
-              <a:buNone/>
-              <a:defRPr sz="1400">
-                <a:solidFill>
-                  <a:schemeClr val="tx1">
-                    <a:tint val="75000"/>
-                  </a:schemeClr>
-                </a:solidFill>
-              </a:defRPr>
-            </a:lvl9pPr>
-          </a:lstStyle>
-          <a:p>
-            <a:pPr lvl="0"/>
-            <a:r>
-              <a:rPr lang="en-US"/>
-              <a:t>Click to edit Master text styles</a:t>
-            </a:r>
-          </a:p>
-        </p:txBody>
-      </p:sp>
-      <p:sp>
-        <p:nvSpPr>
-          <p:cNvPr id="4" name="Date Placeholder 3"/>
-          <p:cNvSpPr>
-            <a:spLocks noGrp="1"/>
-          </p:cNvSpPr>
-          <p:nvPr>
-            <p:ph type="dt" sz="half" idx="10"/>
-          </p:nvPr>
-        </p:nvSpPr>
-        <p:spPr/>
-        <p:txBody>
-          <a:bodyPr/>
-          <a:lstStyle/>
-          <a:p>
-            <a:fld id="{D2CA09ED-00E1-48A1-A46D-444D2CA76DC6}" type="datetimeFigureOut">
-              <a:rPr lang="en-IN" smtClean="0"/>
-              <a:t>09-02-2023</a:t>
-            </a:fld>
-            <a:endParaRPr lang="en-IN"/>
-          </a:p>
-        </p:txBody>
-      </p:sp>
-      <p:sp>
-        <p:nvSpPr>
-          <p:cNvPr id="5" name="Footer Placeholder 4"/>
-          <p:cNvSpPr>
-            <a:spLocks noGrp="1"/>
-          </p:cNvSpPr>
-          <p:nvPr>
-            <p:ph type="ftr" sz="quarter" idx="11"/>
-          </p:nvPr>
-        </p:nvSpPr>
-        <p:spPr/>
-        <p:txBody>
-          <a:bodyPr/>
-          <a:lstStyle/>
-          <a:p>
-            <a:endParaRPr lang="en-IN"/>
-          </a:p>
-        </p:txBody>
-      </p:sp>
-      <p:sp>
-        <p:nvSpPr>
-          <p:cNvPr id="6" name="Slide Number Placeholder 5"/>
-          <p:cNvSpPr>
-            <a:spLocks noGrp="1"/>
-          </p:cNvSpPr>
-          <p:nvPr>
-            <p:ph type="sldNum" sz="quarter" idx="12"/>
-          </p:nvPr>
-        </p:nvSpPr>
-        <p:spPr/>
-        <p:txBody>
-          <a:bodyPr/>
-          <a:lstStyle/>
-          <a:p>
-            <a:fld id="{4AAACA60-61EE-497D-9DCF-41BDB11FB224}" type="slidenum">
-              <a:rPr lang="en-IN" smtClean="0"/>
-              <a:t>‹#›</a:t>
-            </a:fld>
-            <a:endParaRPr lang="en-IN"/>
-          </a:p>
-        </p:txBody>
-      </p:sp>
-    </p:spTree>
-    <p:extLst>
-      <p:ext uri="{BB962C8B-B14F-4D97-AF65-F5344CB8AC3E}">
-        <p14:creationId xmlns:p14="http://schemas.microsoft.com/office/powerpoint/2010/main" val="431166130"/>
-      </p:ext>
-    </p:extLst>
-  </p:cSld>
-  <p:clrMapOvr>
-    <a:masterClrMapping/>
-  </p:clrMapOvr>
-</p:sldLayout>
-</file>
-
-<file path=ppt/slideLayouts/slideLayout16.xml><?xml version="1.0" encoding="utf-8"?>
-<p:sldLayout xmlns:a="http://schemas.openxmlformats.org/drawingml/2006/main" xmlns:r="http://schemas.openxmlformats.org/officeDocument/2006/relationships" xmlns:p="http://schemas.openxmlformats.org/presentationml/2006/main" type="vertTx" preserve="1">
-  <p:cSld name="Title and Vertical Text">
-    <p:spTree>
-      <p:nvGrpSpPr>
-        <p:cNvPr id="1" name=""/>
-        <p:cNvGrpSpPr/>
-        <p:nvPr/>
-      </p:nvGrpSpPr>
-      <p:grpSpPr>
-        <a:xfrm>
-          <a:off x="0" y="0"/>
-          <a:ext cx="0" cy="0"/>
-          <a:chOff x="0" y="0"/>
-          <a:chExt cx="0" cy="0"/>
-        </a:xfrm>
-      </p:grpSpPr>
-      <p:pic>
-        <p:nvPicPr>
-          <p:cNvPr id="7" name="Picture 6" descr="Celestia-R1---OverlayContentHD.png"/>
-          <p:cNvPicPr>
-            <a:picLocks noChangeAspect="1"/>
-          </p:cNvPicPr>
-          <p:nvPr/>
-        </p:nvPicPr>
-        <p:blipFill>
-          <a:blip r:embed="rId2">
-            <a:extLst>
-              <a:ext uri="{28A0092B-C50C-407E-A947-70E740481C1C}">
-                <a14:useLocalDpi xmlns:a14="http://schemas.microsoft.com/office/drawing/2010/main" val="0"/>
-              </a:ext>
-            </a:extLst>
-          </a:blip>
-          <a:stretch>
-            <a:fillRect/>
-          </a:stretch>
-        </p:blipFill>
-        <p:spPr>
-          <a:xfrm>
-            <a:off x="0" y="0"/>
-            <a:ext cx="12188825" cy="6856214"/>
-          </a:xfrm>
-          <a:prstGeom prst="rect">
-            <a:avLst/>
-          </a:prstGeom>
-        </p:spPr>
-      </p:pic>
-      <p:sp>
-        <p:nvSpPr>
-          <p:cNvPr id="3" name="Vertical Text Placeholder 2"/>
-          <p:cNvSpPr>
-            <a:spLocks noGrp="1"/>
-          </p:cNvSpPr>
-          <p:nvPr>
-            <p:ph type="body" orient="vert" idx="1"/>
-          </p:nvPr>
-        </p:nvSpPr>
-        <p:spPr/>
-        <p:txBody>
-          <a:bodyPr vert="eaVert" anchor="t"/>
-          <a:lstStyle/>
-          <a:p>
-            <a:pPr lvl="0"/>
-            <a:r>
-              <a:rPr lang="en-US"/>
-              <a:t>Click to edit Master text styles</a:t>
-            </a:r>
-          </a:p>
-          <a:p>
-            <a:pPr lvl="1"/>
-            <a:r>
-              <a:rPr lang="en-US"/>
-              <a:t>Second level</a:t>
-            </a:r>
-          </a:p>
-          <a:p>
-            <a:pPr lvl="2"/>
-            <a:r>
-              <a:rPr lang="en-US"/>
-              <a:t>Third level</a:t>
-            </a:r>
-          </a:p>
-          <a:p>
-            <a:pPr lvl="3"/>
-            <a:r>
-              <a:rPr lang="en-US"/>
-              <a:t>Fourth level</a:t>
-            </a:r>
-          </a:p>
-          <a:p>
-            <a:pPr lvl="4"/>
-            <a:r>
-              <a:rPr lang="en-US"/>
-              <a:t>Fifth level</a:t>
-            </a:r>
-            <a:endParaRPr lang="en-US" dirty="0"/>
-          </a:p>
-        </p:txBody>
-      </p:sp>
-      <p:sp>
-        <p:nvSpPr>
-          <p:cNvPr id="4" name="Date Placeholder 3"/>
-          <p:cNvSpPr>
-            <a:spLocks noGrp="1"/>
-          </p:cNvSpPr>
-          <p:nvPr>
-            <p:ph type="dt" sz="half" idx="10"/>
-          </p:nvPr>
-        </p:nvSpPr>
-        <p:spPr/>
-        <p:txBody>
-          <a:bodyPr/>
-          <a:lstStyle/>
-          <a:p>
-            <a:fld id="{D2CA09ED-00E1-48A1-A46D-444D2CA76DC6}" type="datetimeFigureOut">
-              <a:rPr lang="en-IN" smtClean="0"/>
-              <a:t>09-02-2023</a:t>
-            </a:fld>
-            <a:endParaRPr lang="en-IN"/>
-          </a:p>
-        </p:txBody>
-      </p:sp>
-      <p:sp>
-        <p:nvSpPr>
-          <p:cNvPr id="5" name="Footer Placeholder 4"/>
-          <p:cNvSpPr>
-            <a:spLocks noGrp="1"/>
-          </p:cNvSpPr>
-          <p:nvPr>
-            <p:ph type="ftr" sz="quarter" idx="11"/>
-          </p:nvPr>
-        </p:nvSpPr>
-        <p:spPr/>
-        <p:txBody>
-          <a:bodyPr/>
-          <a:lstStyle/>
-          <a:p>
-            <a:endParaRPr lang="en-IN"/>
-          </a:p>
-        </p:txBody>
-      </p:sp>
-      <p:sp>
-        <p:nvSpPr>
-          <p:cNvPr id="6" name="Slide Number Placeholder 5"/>
-          <p:cNvSpPr>
-            <a:spLocks noGrp="1"/>
-          </p:cNvSpPr>
-          <p:nvPr>
-            <p:ph type="sldNum" sz="quarter" idx="12"/>
-          </p:nvPr>
-        </p:nvSpPr>
-        <p:spPr/>
-        <p:txBody>
-          <a:bodyPr/>
-          <a:lstStyle/>
-          <a:p>
-            <a:fld id="{4AAACA60-61EE-497D-9DCF-41BDB11FB224}" type="slidenum">
-              <a:rPr lang="en-IN" smtClean="0"/>
-              <a:t>‹#›</a:t>
-            </a:fld>
-            <a:endParaRPr lang="en-IN"/>
-          </a:p>
-        </p:txBody>
-      </p:sp>
-      <p:sp>
-        <p:nvSpPr>
-          <p:cNvPr id="8" name="Title 1"/>
-          <p:cNvSpPr>
-            <a:spLocks noGrp="1"/>
-          </p:cNvSpPr>
-          <p:nvPr>
-            <p:ph type="title"/>
-          </p:nvPr>
-        </p:nvSpPr>
-        <p:spPr>
-          <a:xfrm>
-            <a:off x="685801" y="609600"/>
-            <a:ext cx="10131425" cy="1456267"/>
-          </a:xfrm>
-        </p:spPr>
-        <p:txBody>
-          <a:bodyPr/>
-          <a:lstStyle/>
-          <a:p>
-            <a:r>
-              <a:rPr lang="en-US"/>
-              <a:t>Click to edit Master title style</a:t>
-            </a:r>
-            <a:endParaRPr lang="en-US" dirty="0"/>
-          </a:p>
-        </p:txBody>
-      </p:sp>
-    </p:spTree>
-    <p:extLst>
-      <p:ext uri="{BB962C8B-B14F-4D97-AF65-F5344CB8AC3E}">
-        <p14:creationId xmlns:p14="http://schemas.microsoft.com/office/powerpoint/2010/main" val="3725030679"/>
-      </p:ext>
-    </p:extLst>
-  </p:cSld>
-  <p:clrMapOvr>
-    <a:masterClrMapping/>
-  </p:clrMapOvr>
-</p:sldLayout>
-</file>
-
-<file path=ppt/slideLayouts/slideLayout17.xml><?xml version="1.0" encoding="utf-8"?>
-<p:sldLayout xmlns:a="http://schemas.openxmlformats.org/drawingml/2006/main" xmlns:r="http://schemas.openxmlformats.org/officeDocument/2006/relationships" xmlns:p="http://schemas.openxmlformats.org/presentationml/2006/main" type="vertTitleAndTx" preserve="1">
-  <p:cSld name="Vertical Title and Text">
-    <p:spTree>
-      <p:nvGrpSpPr>
-        <p:cNvPr id="1" name=""/>
-        <p:cNvGrpSpPr/>
-        <p:nvPr/>
-      </p:nvGrpSpPr>
-      <p:grpSpPr>
-        <a:xfrm>
-          <a:off x="0" y="0"/>
-          <a:ext cx="0" cy="0"/>
-          <a:chOff x="0" y="0"/>
-          <a:chExt cx="0" cy="0"/>
-        </a:xfrm>
-      </p:grpSpPr>
-      <p:pic>
-        <p:nvPicPr>
-          <p:cNvPr id="7" name="Picture 6" descr="Celestia-R1---OverlayContentHD.png"/>
-          <p:cNvPicPr>
-            <a:picLocks noChangeAspect="1"/>
-          </p:cNvPicPr>
-          <p:nvPr/>
-        </p:nvPicPr>
-        <p:blipFill>
-          <a:blip r:embed="rId2">
-            <a:extLst>
-              <a:ext uri="{28A0092B-C50C-407E-A947-70E740481C1C}">
-                <a14:useLocalDpi xmlns:a14="http://schemas.microsoft.com/office/drawing/2010/main" val="0"/>
-              </a:ext>
-            </a:extLst>
-          </a:blip>
-          <a:stretch>
-            <a:fillRect/>
-          </a:stretch>
-        </p:blipFill>
-        <p:spPr>
-          <a:xfrm>
-            <a:off x="0" y="0"/>
-            <a:ext cx="12188825" cy="6856214"/>
-          </a:xfrm>
-          <a:prstGeom prst="rect">
-            <a:avLst/>
-          </a:prstGeom>
-        </p:spPr>
-      </p:pic>
-      <p:sp>
-        <p:nvSpPr>
-          <p:cNvPr id="2" name="Vertical Title 1"/>
-          <p:cNvSpPr>
-            <a:spLocks noGrp="1"/>
-          </p:cNvSpPr>
-          <p:nvPr>
-            <p:ph type="title" orient="vert"/>
-          </p:nvPr>
-        </p:nvSpPr>
-        <p:spPr>
-          <a:xfrm>
-            <a:off x="8658675" y="609599"/>
-            <a:ext cx="2158552" cy="5181601"/>
-          </a:xfrm>
-        </p:spPr>
-        <p:txBody>
-          <a:bodyPr vert="eaVert"/>
-          <a:lstStyle/>
-          <a:p>
-            <a:r>
-              <a:rPr lang="en-US"/>
-              <a:t>Click to edit Master title style</a:t>
-            </a:r>
-            <a:endParaRPr lang="en-US" dirty="0"/>
-          </a:p>
-        </p:txBody>
-      </p:sp>
-      <p:sp>
-        <p:nvSpPr>
-          <p:cNvPr id="3" name="Vertical Text Placeholder 2"/>
-          <p:cNvSpPr>
-            <a:spLocks noGrp="1"/>
-          </p:cNvSpPr>
-          <p:nvPr>
-            <p:ph type="body" orient="vert" idx="1"/>
-          </p:nvPr>
-        </p:nvSpPr>
-        <p:spPr>
-          <a:xfrm>
-            <a:off x="685800" y="609600"/>
-            <a:ext cx="7832116" cy="5181600"/>
-          </a:xfrm>
-        </p:spPr>
-        <p:txBody>
-          <a:bodyPr vert="eaVert" anchor="t"/>
-          <a:lstStyle/>
-          <a:p>
-            <a:pPr lvl="0"/>
-            <a:r>
-              <a:rPr lang="en-US"/>
-              <a:t>Click to edit Master text styles</a:t>
-            </a:r>
-          </a:p>
-          <a:p>
-            <a:pPr lvl="1"/>
-            <a:r>
-              <a:rPr lang="en-US"/>
-              <a:t>Second level</a:t>
-            </a:r>
-          </a:p>
-          <a:p>
-            <a:pPr lvl="2"/>
-            <a:r>
-              <a:rPr lang="en-US"/>
-              <a:t>Third level</a:t>
-            </a:r>
-          </a:p>
-          <a:p>
-            <a:pPr lvl="3"/>
-            <a:r>
-              <a:rPr lang="en-US"/>
-              <a:t>Fourth level</a:t>
-            </a:r>
-          </a:p>
-          <a:p>
-            <a:pPr lvl="4"/>
-            <a:r>
-              <a:rPr lang="en-US"/>
-              <a:t>Fifth level</a:t>
-            </a:r>
-            <a:endParaRPr lang="en-US" dirty="0"/>
-          </a:p>
-        </p:txBody>
-      </p:sp>
-      <p:sp>
-        <p:nvSpPr>
-          <p:cNvPr id="4" name="Date Placeholder 3"/>
-          <p:cNvSpPr>
-            <a:spLocks noGrp="1"/>
-          </p:cNvSpPr>
-          <p:nvPr>
-            <p:ph type="dt" sz="half" idx="10"/>
-          </p:nvPr>
-        </p:nvSpPr>
-        <p:spPr/>
-        <p:txBody>
-          <a:bodyPr/>
-          <a:lstStyle/>
-          <a:p>
-            <a:fld id="{D2CA09ED-00E1-48A1-A46D-444D2CA76DC6}" type="datetimeFigureOut">
-              <a:rPr lang="en-IN" smtClean="0"/>
-              <a:t>09-02-2023</a:t>
-            </a:fld>
-            <a:endParaRPr lang="en-IN"/>
-          </a:p>
-        </p:txBody>
-      </p:sp>
-      <p:sp>
-        <p:nvSpPr>
-          <p:cNvPr id="5" name="Footer Placeholder 4"/>
-          <p:cNvSpPr>
-            <a:spLocks noGrp="1"/>
-          </p:cNvSpPr>
-          <p:nvPr>
-            <p:ph type="ftr" sz="quarter" idx="11"/>
-          </p:nvPr>
-        </p:nvSpPr>
-        <p:spPr/>
-        <p:txBody>
-          <a:bodyPr/>
-          <a:lstStyle/>
-          <a:p>
-            <a:endParaRPr lang="en-IN"/>
-          </a:p>
-        </p:txBody>
-      </p:sp>
-      <p:sp>
-        <p:nvSpPr>
-          <p:cNvPr id="6" name="Slide Number Placeholder 5"/>
-          <p:cNvSpPr>
-            <a:spLocks noGrp="1"/>
-          </p:cNvSpPr>
-          <p:nvPr>
-            <p:ph type="sldNum" sz="quarter" idx="12"/>
-          </p:nvPr>
-        </p:nvSpPr>
-        <p:spPr/>
-        <p:txBody>
-          <a:bodyPr/>
-          <a:lstStyle/>
-          <a:p>
-            <a:fld id="{4AAACA60-61EE-497D-9DCF-41BDB11FB224}" type="slidenum">
-              <a:rPr lang="en-IN" smtClean="0"/>
-              <a:t>‹#›</a:t>
-            </a:fld>
-            <a:endParaRPr lang="en-IN"/>
-          </a:p>
-        </p:txBody>
-      </p:sp>
-    </p:spTree>
-    <p:extLst>
-      <p:ext uri="{BB962C8B-B14F-4D97-AF65-F5344CB8AC3E}">
-        <p14:creationId xmlns:p14="http://schemas.microsoft.com/office/powerpoint/2010/main" val="2095648816"/>
-      </p:ext>
-    </p:extLst>
-  </p:cSld>
-  <p:clrMapOvr>
-    <a:masterClrMapping/>
-  </p:clrMapOvr>
-</p:sldLayout>
-</file>
-
-<file path=ppt/slideLayouts/slideLayout2.xml><?xml version="1.0" encoding="utf-8"?>
-<p:sldLayout xmlns:a="http://schemas.openxmlformats.org/drawingml/2006/main" xmlns:r="http://schemas.openxmlformats.org/officeDocument/2006/relationships" xmlns:p="http://schemas.openxmlformats.org/presentationml/2006/main" type="obj" preserve="1">
-  <p:cSld name="Title and Content">
-    <p:spTree>
-      <p:nvGrpSpPr>
-        <p:cNvPr id="1" name=""/>
-        <p:cNvGrpSpPr/>
-        <p:nvPr/>
-      </p:nvGrpSpPr>
-      <p:grpSpPr>
-        <a:xfrm>
-          <a:off x="0" y="0"/>
-          <a:ext cx="0" cy="0"/>
-          <a:chOff x="0" y="0"/>
-          <a:chExt cx="0" cy="0"/>
-        </a:xfrm>
-      </p:grpSpPr>
-      <p:pic>
-        <p:nvPicPr>
-          <p:cNvPr id="7" name="Picture 6" descr="Celestia-R1---OverlayContentHD.png"/>
-          <p:cNvPicPr>
-            <a:picLocks noChangeAspect="1"/>
-          </p:cNvPicPr>
-          <p:nvPr/>
-        </p:nvPicPr>
-        <p:blipFill>
-          <a:blip r:embed="rId2">
-            <a:extLst>
-              <a:ext uri="{28A0092B-C50C-407E-A947-70E740481C1C}">
-                <a14:useLocalDpi xmlns:a14="http://schemas.microsoft.com/office/drawing/2010/main" val="0"/>
-              </a:ext>
-            </a:extLst>
-          </a:blip>
-          <a:stretch>
-            <a:fillRect/>
-          </a:stretch>
-        </p:blipFill>
-        <p:spPr>
-          <a:xfrm>
-            <a:off x="0" y="0"/>
-            <a:ext cx="12188825" cy="6856214"/>
-          </a:xfrm>
-          <a:prstGeom prst="rect">
-            <a:avLst/>
-          </a:prstGeom>
-        </p:spPr>
-      </p:pic>
-      <p:sp>
-        <p:nvSpPr>
-          <p:cNvPr id="2" name="Title 1"/>
-          <p:cNvSpPr>
-            <a:spLocks noGrp="1"/>
-          </p:cNvSpPr>
-          <p:nvPr>
-            <p:ph type="title"/>
-          </p:nvPr>
-        </p:nvSpPr>
-        <p:spPr/>
-        <p:txBody>
-          <a:bodyPr/>
-          <a:lstStyle/>
-          <a:p>
-            <a:r>
-              <a:rPr lang="en-US"/>
-              <a:t>Click to edit Master title style</a:t>
-            </a:r>
-            <a:endParaRPr lang="en-US" dirty="0"/>
-          </a:p>
-        </p:txBody>
-      </p:sp>
-      <p:sp>
-        <p:nvSpPr>
-          <p:cNvPr id="3" name="Content Placeholder 2"/>
-          <p:cNvSpPr>
-            <a:spLocks noGrp="1"/>
-          </p:cNvSpPr>
-          <p:nvPr>
-            <p:ph idx="1"/>
-          </p:nvPr>
-        </p:nvSpPr>
-        <p:spPr/>
-        <p:txBody>
-          <a:bodyPr anchor="ctr"/>
-          <a:lstStyle/>
-          <a:p>
-            <a:pPr lvl="0"/>
-            <a:r>
-              <a:rPr lang="en-US"/>
-              <a:t>Click to edit Master text styles</a:t>
-            </a:r>
-          </a:p>
-          <a:p>
-            <a:pPr lvl="1"/>
-            <a:r>
-              <a:rPr lang="en-US"/>
-              <a:t>Second level</a:t>
-            </a:r>
-          </a:p>
-          <a:p>
-            <a:pPr lvl="2"/>
-            <a:r>
-              <a:rPr lang="en-US"/>
-              <a:t>Third level</a:t>
-            </a:r>
-          </a:p>
-          <a:p>
-            <a:pPr lvl="3"/>
-            <a:r>
-              <a:rPr lang="en-US"/>
-              <a:t>Fourth level</a:t>
-            </a:r>
-          </a:p>
-          <a:p>
-            <a:pPr lvl="4"/>
-            <a:r>
-              <a:rPr lang="en-US"/>
-              <a:t>Fifth level</a:t>
-            </a:r>
-            <a:endParaRPr lang="en-US" dirty="0"/>
-          </a:p>
-        </p:txBody>
-      </p:sp>
-      <p:sp>
-        <p:nvSpPr>
-          <p:cNvPr id="4" name="Date Placeholder 3"/>
-          <p:cNvSpPr>
-            <a:spLocks noGrp="1"/>
-          </p:cNvSpPr>
-          <p:nvPr>
-            <p:ph type="dt" sz="half" idx="10"/>
-          </p:nvPr>
-        </p:nvSpPr>
-        <p:spPr/>
-        <p:txBody>
-          <a:bodyPr/>
-          <a:lstStyle/>
-          <a:p>
-            <a:fld id="{D2CA09ED-00E1-48A1-A46D-444D2CA76DC6}" type="datetimeFigureOut">
-              <a:rPr lang="en-IN" smtClean="0"/>
-              <a:t>09-02-2023</a:t>
-            </a:fld>
-            <a:endParaRPr lang="en-IN"/>
-          </a:p>
-        </p:txBody>
-      </p:sp>
-      <p:sp>
-        <p:nvSpPr>
-          <p:cNvPr id="5" name="Footer Placeholder 4"/>
-          <p:cNvSpPr>
-            <a:spLocks noGrp="1"/>
-          </p:cNvSpPr>
-          <p:nvPr>
-            <p:ph type="ftr" sz="quarter" idx="11"/>
-          </p:nvPr>
-        </p:nvSpPr>
-        <p:spPr/>
-        <p:txBody>
-          <a:bodyPr/>
-          <a:lstStyle/>
-          <a:p>
-            <a:endParaRPr lang="en-IN"/>
-          </a:p>
-        </p:txBody>
-      </p:sp>
-      <p:sp>
-        <p:nvSpPr>
-          <p:cNvPr id="6" name="Slide Number Placeholder 5"/>
-          <p:cNvSpPr>
-            <a:spLocks noGrp="1"/>
-          </p:cNvSpPr>
-          <p:nvPr>
-            <p:ph type="sldNum" sz="quarter" idx="12"/>
-          </p:nvPr>
-        </p:nvSpPr>
-        <p:spPr/>
-        <p:txBody>
-          <a:bodyPr/>
-          <a:lstStyle/>
-          <a:p>
-            <a:fld id="{4AAACA60-61EE-497D-9DCF-41BDB11FB224}" type="slidenum">
-              <a:rPr lang="en-IN" smtClean="0"/>
-              <a:t>‹#›</a:t>
-            </a:fld>
-            <a:endParaRPr lang="en-IN"/>
-          </a:p>
-        </p:txBody>
-      </p:sp>
-    </p:spTree>
-    <p:extLst>
-      <p:ext uri="{BB962C8B-B14F-4D97-AF65-F5344CB8AC3E}">
-        <p14:creationId xmlns:p14="http://schemas.microsoft.com/office/powerpoint/2010/main" val="2582202254"/>
-      </p:ext>
-    </p:extLst>
-  </p:cSld>
-  <p:clrMapOvr>
-    <a:masterClrMapping/>
-  </p:clrMapOvr>
-</p:sldLayout>
-</file>
-
-<file path=ppt/slideLayouts/slideLayout3.xml><?xml version="1.0" encoding="utf-8"?>
-<p:sldLayout xmlns:a="http://schemas.openxmlformats.org/drawingml/2006/main" xmlns:r="http://schemas.openxmlformats.org/officeDocument/2006/relationships" xmlns:p="http://schemas.openxmlformats.org/presentationml/2006/main" type="secHead" preserve="1">
-  <p:cSld name="Section Header">
-    <p:spTree>
-      <p:nvGrpSpPr>
-        <p:cNvPr id="1" name=""/>
-        <p:cNvGrpSpPr/>
-        <p:nvPr/>
-      </p:nvGrpSpPr>
-      <p:grpSpPr>
-        <a:xfrm>
-          <a:off x="0" y="0"/>
-          <a:ext cx="0" cy="0"/>
-          <a:chOff x="0" y="0"/>
-          <a:chExt cx="0" cy="0"/>
-        </a:xfrm>
-      </p:grpSpPr>
-      <p:pic>
-        <p:nvPicPr>
-          <p:cNvPr id="7" name="Picture 6" descr="Celestia-R1---OverlayContentHD.png"/>
-          <p:cNvPicPr>
-            <a:picLocks noChangeAspect="1"/>
-          </p:cNvPicPr>
-          <p:nvPr/>
-        </p:nvPicPr>
-        <p:blipFill>
-          <a:blip r:embed="rId2">
-            <a:extLst>
-              <a:ext uri="{28A0092B-C50C-407E-A947-70E740481C1C}">
-                <a14:useLocalDpi xmlns:a14="http://schemas.microsoft.com/office/drawing/2010/main" val="0"/>
-              </a:ext>
-            </a:extLst>
-          </a:blip>
-          <a:stretch>
-            <a:fillRect/>
-          </a:stretch>
-        </p:blipFill>
-        <p:spPr>
-          <a:xfrm>
-            <a:off x="0" y="0"/>
-            <a:ext cx="12188825" cy="6856214"/>
-          </a:xfrm>
-          <a:prstGeom prst="rect">
-            <a:avLst/>
-          </a:prstGeom>
-        </p:spPr>
-      </p:pic>
-      <p:sp>
-        <p:nvSpPr>
-          <p:cNvPr id="2" name="Title 1"/>
-          <p:cNvSpPr>
-            <a:spLocks noGrp="1"/>
-          </p:cNvSpPr>
-          <p:nvPr>
-            <p:ph type="title"/>
-          </p:nvPr>
-        </p:nvSpPr>
-        <p:spPr>
-          <a:xfrm>
-            <a:off x="685800" y="3308581"/>
-            <a:ext cx="10131427" cy="1468800"/>
-          </a:xfrm>
-        </p:spPr>
-        <p:txBody>
-          <a:bodyPr anchor="b"/>
-          <a:lstStyle>
-            <a:lvl1pPr algn="l">
-              <a:defRPr sz="4000" b="0" cap="all"/>
-            </a:lvl1pPr>
-          </a:lstStyle>
-          <a:p>
-            <a:r>
-              <a:rPr lang="en-US"/>
-              <a:t>Click to edit Master title style</a:t>
-            </a:r>
-            <a:endParaRPr lang="en-US" dirty="0"/>
-          </a:p>
-        </p:txBody>
-      </p:sp>
-      <p:sp>
-        <p:nvSpPr>
-          <p:cNvPr id="3" name="Text Placeholder 2"/>
-          <p:cNvSpPr>
-            <a:spLocks noGrp="1"/>
-          </p:cNvSpPr>
-          <p:nvPr>
-            <p:ph type="body" idx="1"/>
-          </p:nvPr>
-        </p:nvSpPr>
-        <p:spPr>
-          <a:xfrm>
-            <a:off x="685799" y="4777381"/>
-            <a:ext cx="10131428" cy="860400"/>
-          </a:xfrm>
-        </p:spPr>
-        <p:txBody>
-          <a:bodyPr anchor="t">
-            <a:normAutofit/>
-          </a:bodyPr>
-          <a:lstStyle>
-            <a:lvl1pPr marL="0" indent="0" algn="l">
-              <a:buNone/>
-              <a:defRPr sz="2000" cap="all">
-                <a:solidFill>
-                  <a:schemeClr val="tx1"/>
-                </a:solidFill>
-              </a:defRPr>
-            </a:lvl1pPr>
-            <a:lvl2pPr marL="457200" indent="0">
-              <a:buNone/>
-              <a:defRPr sz="1800">
-                <a:solidFill>
-                  <a:schemeClr val="tx1">
-                    <a:tint val="75000"/>
-                  </a:schemeClr>
-                </a:solidFill>
-              </a:defRPr>
-            </a:lvl2pPr>
-            <a:lvl3pPr marL="914400" indent="0">
-              <a:buNone/>
-              <a:defRPr sz="1600">
-                <a:solidFill>
-                  <a:schemeClr val="tx1">
-                    <a:tint val="75000"/>
-                  </a:schemeClr>
-                </a:solidFill>
-              </a:defRPr>
-            </a:lvl3pPr>
-            <a:lvl4pPr marL="1371600" indent="0">
-              <a:buNone/>
-              <a:defRPr sz="1400">
-                <a:solidFill>
-                  <a:schemeClr val="tx1">
-                    <a:tint val="75000"/>
-                  </a:schemeClr>
-                </a:solidFill>
-              </a:defRPr>
-            </a:lvl4pPr>
-            <a:lvl5pPr marL="1828800" indent="0">
-              <a:buNone/>
-              <a:defRPr sz="1400">
-                <a:solidFill>
-                  <a:schemeClr val="tx1">
-                    <a:tint val="75000"/>
-                  </a:schemeClr>
-                </a:solidFill>
-              </a:defRPr>
-            </a:lvl5pPr>
-            <a:lvl6pPr marL="2286000" indent="0">
-              <a:buNone/>
-              <a:defRPr sz="1400">
-                <a:solidFill>
-                  <a:schemeClr val="tx1">
-                    <a:tint val="75000"/>
-                  </a:schemeClr>
-                </a:solidFill>
-              </a:defRPr>
-            </a:lvl6pPr>
-            <a:lvl7pPr marL="2743200" indent="0">
-              <a:buNone/>
-              <a:defRPr sz="1400">
-                <a:solidFill>
-                  <a:schemeClr val="tx1">
-                    <a:tint val="75000"/>
-                  </a:schemeClr>
-                </a:solidFill>
-              </a:defRPr>
-            </a:lvl7pPr>
-            <a:lvl8pPr marL="3200400" indent="0">
-              <a:buNone/>
-              <a:defRPr sz="1400">
-                <a:solidFill>
-                  <a:schemeClr val="tx1">
-                    <a:tint val="75000"/>
-                  </a:schemeClr>
-                </a:solidFill>
-              </a:defRPr>
-            </a:lvl8pPr>
-            <a:lvl9pPr marL="3657600" indent="0">
-              <a:buNone/>
-              <a:defRPr sz="1400">
-                <a:solidFill>
-                  <a:schemeClr val="tx1">
-                    <a:tint val="75000"/>
-                  </a:schemeClr>
-                </a:solidFill>
-              </a:defRPr>
-            </a:lvl9pPr>
-          </a:lstStyle>
-          <a:p>
-            <a:pPr lvl="0"/>
-            <a:r>
-              <a:rPr lang="en-US"/>
-              <a:t>Click to edit Master text styles</a:t>
-            </a:r>
-          </a:p>
-        </p:txBody>
-      </p:sp>
-      <p:sp>
-        <p:nvSpPr>
-          <p:cNvPr id="4" name="Date Placeholder 3"/>
-          <p:cNvSpPr>
-            <a:spLocks noGrp="1"/>
-          </p:cNvSpPr>
-          <p:nvPr>
-            <p:ph type="dt" sz="half" idx="10"/>
-          </p:nvPr>
-        </p:nvSpPr>
-        <p:spPr/>
-        <p:txBody>
-          <a:bodyPr/>
-          <a:lstStyle/>
-          <a:p>
-            <a:fld id="{D2CA09ED-00E1-48A1-A46D-444D2CA76DC6}" type="datetimeFigureOut">
-              <a:rPr lang="en-IN" smtClean="0"/>
-              <a:t>09-02-2023</a:t>
-            </a:fld>
-            <a:endParaRPr lang="en-IN"/>
-          </a:p>
-        </p:txBody>
-      </p:sp>
-      <p:sp>
-        <p:nvSpPr>
-          <p:cNvPr id="5" name="Footer Placeholder 4"/>
-          <p:cNvSpPr>
-            <a:spLocks noGrp="1"/>
-          </p:cNvSpPr>
-          <p:nvPr>
-            <p:ph type="ftr" sz="quarter" idx="11"/>
-          </p:nvPr>
-        </p:nvSpPr>
-        <p:spPr/>
-        <p:txBody>
-          <a:bodyPr/>
-          <a:lstStyle/>
-          <a:p>
-            <a:endParaRPr lang="en-IN"/>
-          </a:p>
-        </p:txBody>
-      </p:sp>
-      <p:sp>
-        <p:nvSpPr>
-          <p:cNvPr id="6" name="Slide Number Placeholder 5"/>
-          <p:cNvSpPr>
-            <a:spLocks noGrp="1"/>
-          </p:cNvSpPr>
-          <p:nvPr>
-            <p:ph type="sldNum" sz="quarter" idx="12"/>
-          </p:nvPr>
-        </p:nvSpPr>
-        <p:spPr/>
-        <p:txBody>
-          <a:bodyPr/>
-          <a:lstStyle/>
-          <a:p>
-            <a:fld id="{4AAACA60-61EE-497D-9DCF-41BDB11FB224}" type="slidenum">
-              <a:rPr lang="en-IN" smtClean="0"/>
-              <a:t>‹#›</a:t>
-            </a:fld>
-            <a:endParaRPr lang="en-IN"/>
-          </a:p>
-        </p:txBody>
-      </p:sp>
-    </p:spTree>
-    <p:extLst>
-      <p:ext uri="{BB962C8B-B14F-4D97-AF65-F5344CB8AC3E}">
-        <p14:creationId xmlns:p14="http://schemas.microsoft.com/office/powerpoint/2010/main" val="1933113222"/>
+        <p14:creationId xmlns:p14="http://schemas.microsoft.com/office/powerpoint/2010/main" val="1696697696"/>
       </p:ext>
     </p:extLst>
   </p:cSld>
@@ -4368,39 +2151,9 @@
           <a:chExt cx="0" cy="0"/>
         </a:xfrm>
       </p:grpSpPr>
-      <p:pic>
-        <p:nvPicPr>
-          <p:cNvPr id="8" name="Picture 7" descr="Celestia-R1---OverlayContentHD.png"/>
-          <p:cNvPicPr>
-            <a:picLocks noChangeAspect="1"/>
-          </p:cNvPicPr>
-          <p:nvPr/>
-        </p:nvPicPr>
-        <p:blipFill>
-          <a:blip r:embed="rId2">
-            <a:extLst>
-              <a:ext uri="{28A0092B-C50C-407E-A947-70E740481C1C}">
-                <a14:useLocalDpi xmlns:a14="http://schemas.microsoft.com/office/drawing/2010/main" val="0"/>
-              </a:ext>
-            </a:extLst>
-          </a:blip>
-          <a:stretch>
-            <a:fillRect/>
-          </a:stretch>
-        </p:blipFill>
-        <p:spPr>
-          <a:xfrm>
-            <a:off x="0" y="0"/>
-            <a:ext cx="12188825" cy="6856214"/>
-          </a:xfrm>
-          <a:prstGeom prst="rect">
-            <a:avLst/>
-          </a:prstGeom>
-        </p:spPr>
-      </p:pic>
       <p:sp>
         <p:nvSpPr>
-          <p:cNvPr id="2" name="Title 1"/>
+          <p:cNvPr id="8" name="Title 7"/>
           <p:cNvSpPr>
             <a:spLocks noGrp="1"/>
           </p:cNvSpPr>
@@ -4408,7 +2161,12 @@
             <p:ph type="title"/>
           </p:nvPr>
         </p:nvSpPr>
-        <p:spPr/>
+        <p:spPr>
+          <a:xfrm>
+            <a:off x="1097280" y="286603"/>
+            <a:ext cx="10058400" cy="1450757"/>
+          </a:xfrm>
+        </p:spPr>
         <p:txBody>
           <a:bodyPr/>
           <a:lstStyle/>
@@ -4433,14 +2191,12 @@
         </p:nvSpPr>
         <p:spPr>
           <a:xfrm>
-            <a:off x="685802" y="2142067"/>
-            <a:ext cx="4995334" cy="3649134"/>
+            <a:off x="1097279" y="1845734"/>
+            <a:ext cx="4937760" cy="4023360"/>
           </a:xfrm>
         </p:spPr>
         <p:txBody>
-          <a:bodyPr>
-            <a:normAutofit/>
-          </a:bodyPr>
+          <a:bodyPr/>
           <a:lstStyle/>
           <a:p>
             <a:pPr lvl="0"/>
@@ -4492,14 +2248,12 @@
         </p:nvSpPr>
         <p:spPr>
           <a:xfrm>
-            <a:off x="5821895" y="2142067"/>
-            <a:ext cx="4995332" cy="3649133"/>
+            <a:off x="6217920" y="1845735"/>
+            <a:ext cx="4937760" cy="4023360"/>
           </a:xfrm>
         </p:spPr>
         <p:txBody>
-          <a:bodyPr>
-            <a:normAutofit/>
-          </a:bodyPr>
+          <a:bodyPr/>
           <a:lstStyle/>
           <a:p>
             <a:pPr lvl="0"/>
@@ -4607,7 +2361,7 @@
     </p:spTree>
     <p:extLst>
       <p:ext uri="{BB962C8B-B14F-4D97-AF65-F5344CB8AC3E}">
-        <p14:creationId xmlns:p14="http://schemas.microsoft.com/office/powerpoint/2010/main" val="662929304"/>
+        <p14:creationId xmlns:p14="http://schemas.microsoft.com/office/powerpoint/2010/main" val="1050574131"/>
       </p:ext>
     </p:extLst>
   </p:cSld>
@@ -4636,7 +2390,7 @@
       </p:grpSpPr>
       <p:sp>
         <p:nvSpPr>
-          <p:cNvPr id="2" name="Title 1"/>
+          <p:cNvPr id="10" name="Title 9"/>
           <p:cNvSpPr>
             <a:spLocks noGrp="1"/>
           </p:cNvSpPr>
@@ -4644,14 +2398,15 @@
             <p:ph type="title"/>
           </p:nvPr>
         </p:nvSpPr>
-        <p:spPr/>
+        <p:spPr>
+          <a:xfrm>
+            <a:off x="1097280" y="286603"/>
+            <a:ext cx="10058400" cy="1450757"/>
+          </a:xfrm>
+        </p:spPr>
         <p:txBody>
           <a:bodyPr/>
-          <a:lstStyle>
-            <a:lvl1pPr>
-              <a:defRPr/>
-            </a:lvl1pPr>
-          </a:lstStyle>
+          <a:lstStyle/>
           <a:p>
             <a:r>
               <a:rPr lang="en-US"/>
@@ -4673,18 +2428,22 @@
         </p:nvSpPr>
         <p:spPr>
           <a:xfrm>
-            <a:off x="973670" y="2218267"/>
-            <a:ext cx="4709054" cy="576262"/>
+            <a:off x="1097280" y="1846052"/>
+            <a:ext cx="4937760" cy="736282"/>
           </a:xfrm>
         </p:spPr>
         <p:txBody>
-          <a:bodyPr anchor="b">
-            <a:noAutofit/>
+          <a:bodyPr lIns="91440" rIns="91440" anchor="ctr">
+            <a:normAutofit/>
           </a:bodyPr>
           <a:lstStyle>
             <a:lvl1pPr marL="0" indent="0">
               <a:buNone/>
-              <a:defRPr sz="2800" b="0"/>
+              <a:defRPr sz="2000" b="0" cap="all" baseline="0">
+                <a:solidFill>
+                  <a:schemeClr val="tx2"/>
+                </a:solidFill>
+              </a:defRPr>
             </a:lvl1pPr>
             <a:lvl2pPr marL="457200" indent="0">
               <a:buNone/>
@@ -4740,14 +2499,12 @@
         </p:nvSpPr>
         <p:spPr>
           <a:xfrm>
-            <a:off x="685801" y="2870201"/>
-            <a:ext cx="4996923" cy="2920998"/>
+            <a:off x="1097280" y="2582334"/>
+            <a:ext cx="4937760" cy="3378200"/>
           </a:xfrm>
         </p:spPr>
         <p:txBody>
-          <a:bodyPr anchor="t">
-            <a:normAutofit/>
-          </a:bodyPr>
+          <a:bodyPr/>
           <a:lstStyle/>
           <a:p>
             <a:pPr lvl="0"/>
@@ -4799,18 +2556,22 @@
         </p:nvSpPr>
         <p:spPr>
           <a:xfrm>
-            <a:off x="6096003" y="2226734"/>
-            <a:ext cx="4722813" cy="576262"/>
+            <a:off x="6217920" y="1846052"/>
+            <a:ext cx="4937760" cy="736282"/>
           </a:xfrm>
         </p:spPr>
         <p:txBody>
-          <a:bodyPr anchor="b">
-            <a:noAutofit/>
+          <a:bodyPr lIns="91440" rIns="91440" anchor="ctr">
+            <a:normAutofit/>
           </a:bodyPr>
           <a:lstStyle>
             <a:lvl1pPr marL="0" indent="0">
               <a:buNone/>
-              <a:defRPr sz="2800" b="0"/>
+              <a:defRPr sz="2000" b="0" cap="all" baseline="0">
+                <a:solidFill>
+                  <a:schemeClr val="tx2"/>
+                </a:solidFill>
+              </a:defRPr>
             </a:lvl1pPr>
             <a:lvl2pPr marL="457200" indent="0">
               <a:buNone/>
@@ -4866,14 +2627,12 @@
         </p:nvSpPr>
         <p:spPr>
           <a:xfrm>
-            <a:off x="5823483" y="2870201"/>
-            <a:ext cx="4995334" cy="2920998"/>
+            <a:off x="6217920" y="2582334"/>
+            <a:ext cx="4937760" cy="3378200"/>
           </a:xfrm>
         </p:spPr>
         <p:txBody>
-          <a:bodyPr anchor="t">
-            <a:normAutofit/>
-          </a:bodyPr>
+          <a:bodyPr/>
           <a:lstStyle/>
           <a:p>
             <a:pPr lvl="0"/>
@@ -4981,7 +2740,7 @@
     </p:spTree>
     <p:extLst>
       <p:ext uri="{BB962C8B-B14F-4D97-AF65-F5344CB8AC3E}">
-        <p14:creationId xmlns:p14="http://schemas.microsoft.com/office/powerpoint/2010/main" val="398091678"/>
+        <p14:creationId xmlns:p14="http://schemas.microsoft.com/office/powerpoint/2010/main" val="4112353072"/>
       </p:ext>
     </p:extLst>
   </p:cSld>
@@ -5008,36 +2767,6 @@
           <a:chExt cx="0" cy="0"/>
         </a:xfrm>
       </p:grpSpPr>
-      <p:pic>
-        <p:nvPicPr>
-          <p:cNvPr id="6" name="Picture 5" descr="Celestia-R1---OverlayContentHD.png"/>
-          <p:cNvPicPr>
-            <a:picLocks noChangeAspect="1"/>
-          </p:cNvPicPr>
-          <p:nvPr/>
-        </p:nvPicPr>
-        <p:blipFill>
-          <a:blip r:embed="rId2">
-            <a:extLst>
-              <a:ext uri="{28A0092B-C50C-407E-A947-70E740481C1C}">
-                <a14:useLocalDpi xmlns:a14="http://schemas.microsoft.com/office/drawing/2010/main" val="0"/>
-              </a:ext>
-            </a:extLst>
-          </a:blip>
-          <a:stretch>
-            <a:fillRect/>
-          </a:stretch>
-        </p:blipFill>
-        <p:spPr>
-          <a:xfrm>
-            <a:off x="0" y="0"/>
-            <a:ext cx="12188825" cy="6856214"/>
-          </a:xfrm>
-          <a:prstGeom prst="rect">
-            <a:avLst/>
-          </a:prstGeom>
-        </p:spPr>
-      </p:pic>
       <p:sp>
         <p:nvSpPr>
           <p:cNvPr id="2" name="Title 1"/>
@@ -5129,7 +2858,7 @@
     </p:spTree>
     <p:extLst>
       <p:ext uri="{BB962C8B-B14F-4D97-AF65-F5344CB8AC3E}">
-        <p14:creationId xmlns:p14="http://schemas.microsoft.com/office/powerpoint/2010/main" val="1970983190"/>
+        <p14:creationId xmlns:p14="http://schemas.microsoft.com/office/powerpoint/2010/main" val="2398810945"/>
       </p:ext>
     </p:extLst>
   </p:cSld>
@@ -5140,7 +2869,7 @@
 </file>
 
 <file path=ppt/slideLayouts/slideLayout7.xml><?xml version="1.0" encoding="utf-8"?>
-<p:sldLayout xmlns:a="http://schemas.openxmlformats.org/drawingml/2006/main" xmlns:r="http://schemas.openxmlformats.org/officeDocument/2006/relationships" xmlns:p="http://schemas.openxmlformats.org/presentationml/2006/main" type="blank" preserve="1">
+<p:sldLayout xmlns:a="http://schemas.openxmlformats.org/drawingml/2006/main" xmlns:r="http://schemas.openxmlformats.org/officeDocument/2006/relationships" xmlns:p="http://schemas.openxmlformats.org/presentationml/2006/main" showMasterSp="0" type="blank" preserve="1">
   <p:cSld name="Blank">
     <p:spTree>
       <p:nvGrpSpPr>
@@ -5156,39 +2885,85 @@
           <a:chExt cx="0" cy="0"/>
         </a:xfrm>
       </p:grpSpPr>
-      <p:pic>
-        <p:nvPicPr>
-          <p:cNvPr id="5" name="Picture 4" descr="Celestia-R1---OverlayContentHD.png"/>
-          <p:cNvPicPr>
-            <a:picLocks noChangeAspect="1"/>
-          </p:cNvPicPr>
+      <p:sp>
+        <p:nvSpPr>
+          <p:cNvPr id="5" name="Rectangle 4"/>
+          <p:cNvSpPr/>
           <p:nvPr/>
-        </p:nvPicPr>
-        <p:blipFill>
-          <a:blip r:embed="rId2">
-            <a:extLst>
-              <a:ext uri="{28A0092B-C50C-407E-A947-70E740481C1C}">
-                <a14:useLocalDpi xmlns:a14="http://schemas.microsoft.com/office/drawing/2010/main" val="0"/>
-              </a:ext>
-            </a:extLst>
-          </a:blip>
-          <a:stretch>
-            <a:fillRect/>
-          </a:stretch>
-        </p:blipFill>
+        </p:nvSpPr>
         <p:spPr>
           <a:xfrm>
-            <a:off x="0" y="0"/>
-            <a:ext cx="12188825" cy="6856214"/>
+            <a:off x="3175" y="6400800"/>
+            <a:ext cx="12188825" cy="457200"/>
           </a:xfrm>
           <a:prstGeom prst="rect">
             <a:avLst/>
           </a:prstGeom>
+          <a:solidFill>
+            <a:schemeClr val="accent2"/>
+          </a:solidFill>
+          <a:ln>
+            <a:noFill/>
+          </a:ln>
         </p:spPr>
-      </p:pic>
+        <p:style>
+          <a:lnRef idx="2">
+            <a:schemeClr val="accent1">
+              <a:shade val="50000"/>
+            </a:schemeClr>
+          </a:lnRef>
+          <a:fillRef idx="1">
+            <a:schemeClr val="accent1"/>
+          </a:fillRef>
+          <a:effectRef idx="0">
+            <a:schemeClr val="accent1"/>
+          </a:effectRef>
+          <a:fontRef idx="minor">
+            <a:schemeClr val="lt1"/>
+          </a:fontRef>
+        </p:style>
+      </p:sp>
       <p:sp>
         <p:nvSpPr>
-          <p:cNvPr id="2" name="Date Placeholder 1"/>
+          <p:cNvPr id="6" name="Rectangle 5"/>
+          <p:cNvSpPr/>
+          <p:nvPr/>
+        </p:nvSpPr>
+        <p:spPr>
+          <a:xfrm>
+            <a:off x="15" y="6334316"/>
+            <a:ext cx="12188825" cy="64008"/>
+          </a:xfrm>
+          <a:prstGeom prst="rect">
+            <a:avLst/>
+          </a:prstGeom>
+          <a:solidFill>
+            <a:schemeClr val="accent1"/>
+          </a:solidFill>
+          <a:ln>
+            <a:noFill/>
+          </a:ln>
+        </p:spPr>
+        <p:style>
+          <a:lnRef idx="2">
+            <a:schemeClr val="accent1">
+              <a:shade val="50000"/>
+            </a:schemeClr>
+          </a:lnRef>
+          <a:fillRef idx="1">
+            <a:schemeClr val="accent1"/>
+          </a:fillRef>
+          <a:effectRef idx="0">
+            <a:schemeClr val="accent1"/>
+          </a:effectRef>
+          <a:fontRef idx="minor">
+            <a:schemeClr val="lt1"/>
+          </a:fontRef>
+        </p:style>
+      </p:sp>
+      <p:sp>
+        <p:nvSpPr>
+          <p:cNvPr id="7" name="Date Placeholder 6"/>
           <p:cNvSpPr>
             <a:spLocks noGrp="1"/>
           </p:cNvSpPr>
@@ -5211,7 +2986,7 @@
       </p:sp>
       <p:sp>
         <p:nvSpPr>
-          <p:cNvPr id="3" name="Footer Placeholder 2"/>
+          <p:cNvPr id="8" name="Footer Placeholder 7"/>
           <p:cNvSpPr>
             <a:spLocks noGrp="1"/>
           </p:cNvSpPr>
@@ -5222,7 +2997,15 @@
         <p:spPr/>
         <p:txBody>
           <a:bodyPr/>
-          <a:lstStyle/>
+          <a:lstStyle>
+            <a:lvl1pPr>
+              <a:defRPr>
+                <a:solidFill>
+                  <a:srgbClr val="FFFFFF"/>
+                </a:solidFill>
+              </a:defRPr>
+            </a:lvl1pPr>
+          </a:lstStyle>
           <a:p>
             <a:endParaRPr lang="en-IN"/>
           </a:p>
@@ -5230,7 +3013,7 @@
       </p:sp>
       <p:sp>
         <p:nvSpPr>
-          <p:cNvPr id="4" name="Slide Number Placeholder 3"/>
+          <p:cNvPr id="9" name="Slide Number Placeholder 8"/>
           <p:cNvSpPr>
             <a:spLocks noGrp="1"/>
           </p:cNvSpPr>
@@ -5254,7 +3037,7 @@
     </p:spTree>
     <p:extLst>
       <p:ext uri="{BB962C8B-B14F-4D97-AF65-F5344CB8AC3E}">
-        <p14:creationId xmlns:p14="http://schemas.microsoft.com/office/powerpoint/2010/main" val="3435144674"/>
+        <p14:creationId xmlns:p14="http://schemas.microsoft.com/office/powerpoint/2010/main" val="1402951182"/>
       </p:ext>
     </p:extLst>
   </p:cSld>
@@ -5265,7 +3048,7 @@
 </file>
 
 <file path=ppt/slideLayouts/slideLayout8.xml><?xml version="1.0" encoding="utf-8"?>
-<p:sldLayout xmlns:a="http://schemas.openxmlformats.org/drawingml/2006/main" xmlns:r="http://schemas.openxmlformats.org/officeDocument/2006/relationships" xmlns:p="http://schemas.openxmlformats.org/presentationml/2006/main" type="objTx" preserve="1">
+<p:sldLayout xmlns:a="http://schemas.openxmlformats.org/drawingml/2006/main" xmlns:r="http://schemas.openxmlformats.org/officeDocument/2006/relationships" xmlns:p="http://schemas.openxmlformats.org/presentationml/2006/main" showMasterSp="0" type="objTx" preserve="1">
   <p:cSld name="Content with Caption">
     <p:spTree>
       <p:nvGrpSpPr>
@@ -5281,36 +3064,82 @@
           <a:chExt cx="0" cy="0"/>
         </a:xfrm>
       </p:grpSpPr>
-      <p:pic>
-        <p:nvPicPr>
-          <p:cNvPr id="8" name="Picture 7" descr="Celestia-R1---OverlayContentHD.png"/>
-          <p:cNvPicPr>
-            <a:picLocks noChangeAspect="1"/>
-          </p:cNvPicPr>
+      <p:sp>
+        <p:nvSpPr>
+          <p:cNvPr id="8" name="Rectangle 7"/>
+          <p:cNvSpPr/>
           <p:nvPr/>
-        </p:nvPicPr>
-        <p:blipFill>
-          <a:blip r:embed="rId2">
-            <a:extLst>
-              <a:ext uri="{28A0092B-C50C-407E-A947-70E740481C1C}">
-                <a14:useLocalDpi xmlns:a14="http://schemas.microsoft.com/office/drawing/2010/main" val="0"/>
-              </a:ext>
-            </a:extLst>
-          </a:blip>
-          <a:stretch>
-            <a:fillRect/>
-          </a:stretch>
-        </p:blipFill>
+        </p:nvSpPr>
         <p:spPr>
           <a:xfrm>
-            <a:off x="0" y="0"/>
-            <a:ext cx="12188825" cy="6856214"/>
+            <a:off x="16" y="0"/>
+            <a:ext cx="4050791" cy="6858000"/>
           </a:xfrm>
           <a:prstGeom prst="rect">
             <a:avLst/>
           </a:prstGeom>
+          <a:solidFill>
+            <a:schemeClr val="accent2"/>
+          </a:solidFill>
+          <a:ln>
+            <a:noFill/>
+          </a:ln>
         </p:spPr>
-      </p:pic>
+        <p:style>
+          <a:lnRef idx="2">
+            <a:schemeClr val="accent1">
+              <a:shade val="50000"/>
+            </a:schemeClr>
+          </a:lnRef>
+          <a:fillRef idx="1">
+            <a:schemeClr val="accent1"/>
+          </a:fillRef>
+          <a:effectRef idx="0">
+            <a:schemeClr val="accent1"/>
+          </a:effectRef>
+          <a:fontRef idx="minor">
+            <a:schemeClr val="lt1"/>
+          </a:fontRef>
+        </p:style>
+      </p:sp>
+      <p:sp>
+        <p:nvSpPr>
+          <p:cNvPr id="9" name="Rectangle 8"/>
+          <p:cNvSpPr/>
+          <p:nvPr/>
+        </p:nvSpPr>
+        <p:spPr>
+          <a:xfrm>
+            <a:off x="4040071" y="0"/>
+            <a:ext cx="64008" cy="6858000"/>
+          </a:xfrm>
+          <a:prstGeom prst="rect">
+            <a:avLst/>
+          </a:prstGeom>
+          <a:solidFill>
+            <a:schemeClr val="accent1"/>
+          </a:solidFill>
+          <a:ln>
+            <a:noFill/>
+          </a:ln>
+        </p:spPr>
+        <p:style>
+          <a:lnRef idx="2">
+            <a:schemeClr val="accent1">
+              <a:shade val="50000"/>
+            </a:schemeClr>
+          </a:lnRef>
+          <a:fillRef idx="1">
+            <a:schemeClr val="accent1"/>
+          </a:fillRef>
+          <a:effectRef idx="0">
+            <a:schemeClr val="accent1"/>
+          </a:effectRef>
+          <a:fontRef idx="minor">
+            <a:schemeClr val="lt1"/>
+          </a:fontRef>
+        </p:style>
+      </p:sp>
       <p:sp>
         <p:nvSpPr>
           <p:cNvPr id="2" name="Title 1"/>
@@ -5323,8 +3152,8 @@
         </p:nvSpPr>
         <p:spPr>
           <a:xfrm>
-            <a:off x="685800" y="2074333"/>
-            <a:ext cx="3680885" cy="1371600"/>
+            <a:off x="457200" y="594359"/>
+            <a:ext cx="3200400" cy="2286000"/>
           </a:xfrm>
         </p:spPr>
         <p:txBody>
@@ -5332,8 +3161,12 @@
             <a:normAutofit/>
           </a:bodyPr>
           <a:lstStyle>
-            <a:lvl1pPr algn="l">
-              <a:defRPr sz="2400" b="0"/>
+            <a:lvl1pPr>
+              <a:defRPr sz="3600" b="0">
+                <a:solidFill>
+                  <a:srgbClr val="FFFFFF"/>
+                </a:solidFill>
+              </a:defRPr>
             </a:lvl1pPr>
           </a:lstStyle>
           <a:p>
@@ -5357,14 +3190,12 @@
         </p:nvSpPr>
         <p:spPr>
           <a:xfrm>
-            <a:off x="4648201" y="609601"/>
-            <a:ext cx="6169026" cy="5181600"/>
+            <a:off x="4800600" y="731520"/>
+            <a:ext cx="6492240" cy="5257800"/>
           </a:xfrm>
         </p:spPr>
         <p:txBody>
-          <a:bodyPr anchor="ctr">
-            <a:normAutofit/>
-          </a:bodyPr>
+          <a:bodyPr/>
           <a:lstStyle/>
           <a:p>
             <a:pPr lvl="0"/>
@@ -5416,18 +3247,22 @@
         </p:nvSpPr>
         <p:spPr>
           <a:xfrm>
-            <a:off x="685800" y="3445933"/>
-            <a:ext cx="3680885" cy="1828800"/>
+            <a:off x="457200" y="2926080"/>
+            <a:ext cx="3200400" cy="3379124"/>
           </a:xfrm>
         </p:spPr>
         <p:txBody>
-          <a:bodyPr anchor="t">
+          <a:bodyPr lIns="91440" rIns="91440">
             <a:normAutofit/>
           </a:bodyPr>
           <a:lstStyle>
             <a:lvl1pPr marL="0" indent="0">
               <a:buNone/>
-              <a:defRPr sz="1600"/>
+              <a:defRPr sz="1500">
+                <a:solidFill>
+                  <a:srgbClr val="FFFFFF"/>
+                </a:solidFill>
+              </a:defRPr>
             </a:lvl1pPr>
             <a:lvl2pPr marL="457200" indent="0">
               <a:buNone/>
@@ -5481,10 +3316,19 @@
             <p:ph type="dt" sz="half" idx="10"/>
           </p:nvPr>
         </p:nvSpPr>
-        <p:spPr/>
+        <p:spPr>
+          <a:xfrm>
+            <a:off x="465512" y="6459785"/>
+            <a:ext cx="2618510" cy="365125"/>
+          </a:xfrm>
+        </p:spPr>
         <p:txBody>
           <a:bodyPr/>
-          <a:lstStyle/>
+          <a:lstStyle>
+            <a:lvl1pPr algn="l">
+              <a:defRPr/>
+            </a:lvl1pPr>
+          </a:lstStyle>
           <a:p>
             <a:fld id="{D2CA09ED-00E1-48A1-A46D-444D2CA76DC6}" type="datetimeFigureOut">
               <a:rPr lang="en-IN" smtClean="0"/>
@@ -5504,10 +3348,23 @@
             <p:ph type="ftr" sz="quarter" idx="11"/>
           </p:nvPr>
         </p:nvSpPr>
-        <p:spPr/>
+        <p:spPr>
+          <a:xfrm>
+            <a:off x="4800600" y="6459785"/>
+            <a:ext cx="4648200" cy="365125"/>
+          </a:xfrm>
+        </p:spPr>
         <p:txBody>
           <a:bodyPr/>
-          <a:lstStyle/>
+          <a:lstStyle>
+            <a:lvl1pPr algn="l">
+              <a:defRPr>
+                <a:solidFill>
+                  <a:schemeClr val="tx2"/>
+                </a:solidFill>
+              </a:defRPr>
+            </a:lvl1pPr>
+          </a:lstStyle>
           <a:p>
             <a:endParaRPr lang="en-IN"/>
           </a:p>
@@ -5526,7 +3383,15 @@
         <p:spPr/>
         <p:txBody>
           <a:bodyPr/>
-          <a:lstStyle/>
+          <a:lstStyle>
+            <a:lvl1pPr>
+              <a:defRPr>
+                <a:solidFill>
+                  <a:schemeClr val="tx2"/>
+                </a:solidFill>
+              </a:defRPr>
+            </a:lvl1pPr>
+          </a:lstStyle>
           <a:p>
             <a:fld id="{4AAACA60-61EE-497D-9DCF-41BDB11FB224}" type="slidenum">
               <a:rPr lang="en-IN" smtClean="0"/>
@@ -5539,7 +3404,7 @@
     </p:spTree>
     <p:extLst>
       <p:ext uri="{BB962C8B-B14F-4D97-AF65-F5344CB8AC3E}">
-        <p14:creationId xmlns:p14="http://schemas.microsoft.com/office/powerpoint/2010/main" val="425302791"/>
+        <p14:creationId xmlns:p14="http://schemas.microsoft.com/office/powerpoint/2010/main" val="2698601949"/>
       </p:ext>
     </p:extLst>
   </p:cSld>
@@ -5550,7 +3415,7 @@
 </file>
 
 <file path=ppt/slideLayouts/slideLayout9.xml><?xml version="1.0" encoding="utf-8"?>
-<p:sldLayout xmlns:a="http://schemas.openxmlformats.org/drawingml/2006/main" xmlns:r="http://schemas.openxmlformats.org/officeDocument/2006/relationships" xmlns:p="http://schemas.openxmlformats.org/presentationml/2006/main" type="picTx" preserve="1">
+<p:sldLayout xmlns:a="http://schemas.openxmlformats.org/drawingml/2006/main" xmlns:r="http://schemas.openxmlformats.org/officeDocument/2006/relationships" xmlns:p="http://schemas.openxmlformats.org/presentationml/2006/main" showMasterSp="0" type="picTx" preserve="1">
   <p:cSld name="Picture with Caption">
     <p:spTree>
       <p:nvGrpSpPr>
@@ -5566,36 +3431,82 @@
           <a:chExt cx="0" cy="0"/>
         </a:xfrm>
       </p:grpSpPr>
-      <p:pic>
-        <p:nvPicPr>
-          <p:cNvPr id="8" name="Picture 7" descr="Celestia-R1---OverlayContentHD.png"/>
-          <p:cNvPicPr>
-            <a:picLocks noChangeAspect="1"/>
-          </p:cNvPicPr>
+      <p:sp>
+        <p:nvSpPr>
+          <p:cNvPr id="8" name="Rectangle 7"/>
+          <p:cNvSpPr/>
           <p:nvPr/>
-        </p:nvPicPr>
-        <p:blipFill>
-          <a:blip r:embed="rId2">
-            <a:extLst>
-              <a:ext uri="{28A0092B-C50C-407E-A947-70E740481C1C}">
-                <a14:useLocalDpi xmlns:a14="http://schemas.microsoft.com/office/drawing/2010/main" val="0"/>
-              </a:ext>
-            </a:extLst>
-          </a:blip>
-          <a:stretch>
-            <a:fillRect/>
-          </a:stretch>
-        </p:blipFill>
+        </p:nvSpPr>
         <p:spPr>
           <a:xfrm>
-            <a:off x="0" y="0"/>
-            <a:ext cx="12188825" cy="6856214"/>
+            <a:off x="0" y="4953000"/>
+            <a:ext cx="12188825" cy="1905000"/>
           </a:xfrm>
           <a:prstGeom prst="rect">
             <a:avLst/>
           </a:prstGeom>
+          <a:solidFill>
+            <a:schemeClr val="accent2"/>
+          </a:solidFill>
+          <a:ln>
+            <a:noFill/>
+          </a:ln>
         </p:spPr>
-      </p:pic>
+        <p:style>
+          <a:lnRef idx="2">
+            <a:schemeClr val="accent1">
+              <a:shade val="50000"/>
+            </a:schemeClr>
+          </a:lnRef>
+          <a:fillRef idx="1">
+            <a:schemeClr val="accent1"/>
+          </a:fillRef>
+          <a:effectRef idx="0">
+            <a:schemeClr val="accent1"/>
+          </a:effectRef>
+          <a:fontRef idx="minor">
+            <a:schemeClr val="lt1"/>
+          </a:fontRef>
+        </p:style>
+      </p:sp>
+      <p:sp>
+        <p:nvSpPr>
+          <p:cNvPr id="9" name="Rectangle 8"/>
+          <p:cNvSpPr/>
+          <p:nvPr/>
+        </p:nvSpPr>
+        <p:spPr>
+          <a:xfrm>
+            <a:off x="15" y="4915076"/>
+            <a:ext cx="12188825" cy="64008"/>
+          </a:xfrm>
+          <a:prstGeom prst="rect">
+            <a:avLst/>
+          </a:prstGeom>
+          <a:solidFill>
+            <a:schemeClr val="accent1"/>
+          </a:solidFill>
+          <a:ln>
+            <a:noFill/>
+          </a:ln>
+        </p:spPr>
+        <p:style>
+          <a:lnRef idx="2">
+            <a:schemeClr val="accent1">
+              <a:shade val="50000"/>
+            </a:schemeClr>
+          </a:lnRef>
+          <a:fillRef idx="1">
+            <a:schemeClr val="accent1"/>
+          </a:fillRef>
+          <a:effectRef idx="0">
+            <a:schemeClr val="accent1"/>
+          </a:effectRef>
+          <a:fontRef idx="minor">
+            <a:schemeClr val="lt1"/>
+          </a:fontRef>
+        </p:style>
+      </p:sp>
       <p:sp>
         <p:nvSpPr>
           <p:cNvPr id="2" name="Title 1"/>
@@ -5608,17 +3519,21 @@
         </p:nvSpPr>
         <p:spPr>
           <a:xfrm>
-            <a:off x="685800" y="1600200"/>
-            <a:ext cx="6164653" cy="1371600"/>
+            <a:off x="1097280" y="5074920"/>
+            <a:ext cx="10113264" cy="822960"/>
           </a:xfrm>
         </p:spPr>
         <p:txBody>
-          <a:bodyPr anchor="b">
-            <a:normAutofit/>
+          <a:bodyPr lIns="91440" tIns="0" rIns="91440" bIns="0" anchor="b">
+            <a:noAutofit/>
           </a:bodyPr>
           <a:lstStyle>
-            <a:lvl1pPr algn="l">
-              <a:defRPr sz="2800" b="0"/>
+            <a:lvl1pPr>
+              <a:defRPr sz="3600" b="0">
+                <a:solidFill>
+                  <a:srgbClr val="FFFFFF"/>
+                </a:solidFill>
+              </a:defRPr>
             </a:lvl1pPr>
           </a:lstStyle>
           <a:p>
@@ -5632,7 +3547,7 @@
       </p:sp>
       <p:sp>
         <p:nvSpPr>
-          <p:cNvPr id="14" name="Picture Placeholder 2"/>
+          <p:cNvPr id="3" name="Picture Placeholder 2"/>
           <p:cNvSpPr>
             <a:spLocks noGrp="1" noChangeAspect="1"/>
           </p:cNvSpPr>
@@ -5642,81 +3557,58 @@
         </p:nvSpPr>
         <p:spPr>
           <a:xfrm>
-            <a:off x="7536253" y="914400"/>
-            <a:ext cx="3280974" cy="4572000"/>
+            <a:off x="15" y="0"/>
+            <a:ext cx="12191985" cy="4915076"/>
           </a:xfrm>
-          <a:prstGeom prst="roundRect">
-            <a:avLst>
-              <a:gd name="adj" fmla="val 4280"/>
-            </a:avLst>
-          </a:prstGeom>
-          <a:ln w="50800" cap="sq" cmpd="dbl">
-            <a:gradFill flip="none" rotWithShape="1">
-              <a:gsLst>
-                <a:gs pos="0">
-                  <a:srgbClr val="FFFFFF"/>
-                </a:gs>
-                <a:gs pos="100000">
-                  <a:schemeClr val="tx1">
-                    <a:alpha val="0"/>
-                  </a:schemeClr>
-                </a:gs>
-              </a:gsLst>
-              <a:path path="circle">
-                <a:fillToRect l="50000" t="50000" r="50000" b="50000"/>
-              </a:path>
-              <a:tileRect/>
-            </a:gradFill>
-            <a:miter lim="800000"/>
-          </a:ln>
-          <a:effectLst>
-            <a:outerShdw blurRad="254000" algn="tl" rotWithShape="0">
-              <a:srgbClr val="000000">
-                <a:alpha val="43000"/>
-              </a:srgbClr>
-            </a:outerShdw>
-          </a:effectLst>
+          <a:blipFill>
+            <a:blip r:embed="rId2"/>
+            <a:stretch>
+              <a:fillRect/>
+            </a:stretch>
+          </a:blipFill>
         </p:spPr>
         <p:txBody>
-          <a:bodyPr anchor="t">
-            <a:normAutofit/>
-          </a:bodyPr>
+          <a:bodyPr lIns="457200" tIns="457200" anchor="t"/>
           <a:lstStyle>
-            <a:lvl1pPr marL="0" indent="0" algn="ctr">
+            <a:lvl1pPr marL="0" indent="0">
               <a:buNone/>
-              <a:defRPr sz="1600"/>
+              <a:defRPr sz="3200">
+                <a:solidFill>
+                  <a:schemeClr val="bg1"/>
+                </a:solidFill>
+              </a:defRPr>
             </a:lvl1pPr>
             <a:lvl2pPr marL="457200" indent="0">
               <a:buNone/>
-              <a:defRPr sz="1600"/>
+              <a:defRPr sz="2800"/>
             </a:lvl2pPr>
             <a:lvl3pPr marL="914400" indent="0">
               <a:buNone/>
-              <a:defRPr sz="1600"/>
+              <a:defRPr sz="2400"/>
             </a:lvl3pPr>
             <a:lvl4pPr marL="1371600" indent="0">
               <a:buNone/>
-              <a:defRPr sz="1600"/>
+              <a:defRPr sz="2000"/>
             </a:lvl4pPr>
             <a:lvl5pPr marL="1828800" indent="0">
               <a:buNone/>
-              <a:defRPr sz="1600"/>
+              <a:defRPr sz="2000"/>
             </a:lvl5pPr>
             <a:lvl6pPr marL="2286000" indent="0">
               <a:buNone/>
-              <a:defRPr sz="1600"/>
+              <a:defRPr sz="2000"/>
             </a:lvl6pPr>
             <a:lvl7pPr marL="2743200" indent="0">
               <a:buNone/>
-              <a:defRPr sz="1600"/>
+              <a:defRPr sz="2000"/>
             </a:lvl7pPr>
             <a:lvl8pPr marL="3200400" indent="0">
               <a:buNone/>
-              <a:defRPr sz="1600"/>
+              <a:defRPr sz="2000"/>
             </a:lvl8pPr>
             <a:lvl9pPr marL="3657600" indent="0">
               <a:buNone/>
-              <a:defRPr sz="1600"/>
+              <a:defRPr sz="2000"/>
             </a:lvl9pPr>
           </a:lstStyle>
           <a:p>
@@ -5740,18 +3632,28 @@
         </p:nvSpPr>
         <p:spPr>
           <a:xfrm>
-            <a:off x="685800" y="2971800"/>
-            <a:ext cx="6164653" cy="1828800"/>
+            <a:off x="1097280" y="5907023"/>
+            <a:ext cx="10113264" cy="594360"/>
           </a:xfrm>
         </p:spPr>
         <p:txBody>
-          <a:bodyPr anchor="t">
+          <a:bodyPr lIns="91440" tIns="0" rIns="91440" bIns="0">
             <a:normAutofit/>
           </a:bodyPr>
           <a:lstStyle>
             <a:lvl1pPr marL="0" indent="0">
+              <a:spcBef>
+                <a:spcPts val="0"/>
+              </a:spcBef>
+              <a:spcAft>
+                <a:spcPts val="600"/>
+              </a:spcAft>
               <a:buNone/>
-              <a:defRPr sz="1800"/>
+              <a:defRPr sz="1500">
+                <a:solidFill>
+                  <a:srgbClr val="FFFFFF"/>
+                </a:solidFill>
+              </a:defRPr>
             </a:lvl1pPr>
             <a:lvl2pPr marL="457200" indent="0">
               <a:buNone/>
@@ -5863,7 +3765,7 @@
     </p:spTree>
     <p:extLst>
       <p:ext uri="{BB962C8B-B14F-4D97-AF65-F5344CB8AC3E}">
-        <p14:creationId xmlns:p14="http://schemas.microsoft.com/office/powerpoint/2010/main" val="2486084191"/>
+        <p14:creationId xmlns:p14="http://schemas.microsoft.com/office/powerpoint/2010/main" val="389010349"/>
       </p:ext>
     </p:extLst>
   </p:cSld>
@@ -5877,8 +3779,8 @@
 <p:sldMaster xmlns:a="http://schemas.openxmlformats.org/drawingml/2006/main" xmlns:r="http://schemas.openxmlformats.org/officeDocument/2006/relationships" xmlns:p="http://schemas.openxmlformats.org/presentationml/2006/main">
   <p:cSld>
     <p:bg>
-      <p:bgRef idx="1003">
-        <a:schemeClr val="bg2"/>
+      <p:bgRef idx="1001">
+        <a:schemeClr val="bg1"/>
       </p:bgRef>
     </p:bg>
     <p:spTree>
@@ -5897,6 +3799,82 @@
       </p:grpSpPr>
       <p:sp>
         <p:nvSpPr>
+          <p:cNvPr id="7" name="Rectangle 6"/>
+          <p:cNvSpPr/>
+          <p:nvPr/>
+        </p:nvSpPr>
+        <p:spPr>
+          <a:xfrm>
+            <a:off x="1" y="6400800"/>
+            <a:ext cx="12192000" cy="457200"/>
+          </a:xfrm>
+          <a:prstGeom prst="rect">
+            <a:avLst/>
+          </a:prstGeom>
+          <a:solidFill>
+            <a:schemeClr val="accent2"/>
+          </a:solidFill>
+          <a:ln>
+            <a:noFill/>
+          </a:ln>
+        </p:spPr>
+        <p:style>
+          <a:lnRef idx="2">
+            <a:schemeClr val="accent1">
+              <a:shade val="50000"/>
+            </a:schemeClr>
+          </a:lnRef>
+          <a:fillRef idx="1">
+            <a:schemeClr val="accent1"/>
+          </a:fillRef>
+          <a:effectRef idx="0">
+            <a:schemeClr val="accent1"/>
+          </a:effectRef>
+          <a:fontRef idx="minor">
+            <a:schemeClr val="lt1"/>
+          </a:fontRef>
+        </p:style>
+      </p:sp>
+      <p:sp>
+        <p:nvSpPr>
+          <p:cNvPr id="9" name="Rectangle 8"/>
+          <p:cNvSpPr/>
+          <p:nvPr/>
+        </p:nvSpPr>
+        <p:spPr>
+          <a:xfrm>
+            <a:off x="0" y="6334316"/>
+            <a:ext cx="12192001" cy="65998"/>
+          </a:xfrm>
+          <a:prstGeom prst="rect">
+            <a:avLst/>
+          </a:prstGeom>
+          <a:solidFill>
+            <a:schemeClr val="accent1"/>
+          </a:solidFill>
+          <a:ln>
+            <a:noFill/>
+          </a:ln>
+        </p:spPr>
+        <p:style>
+          <a:lnRef idx="2">
+            <a:schemeClr val="accent1">
+              <a:shade val="50000"/>
+            </a:schemeClr>
+          </a:lnRef>
+          <a:fillRef idx="1">
+            <a:schemeClr val="accent1"/>
+          </a:fillRef>
+          <a:effectRef idx="0">
+            <a:schemeClr val="accent1"/>
+          </a:effectRef>
+          <a:fontRef idx="minor">
+            <a:schemeClr val="lt1"/>
+          </a:fontRef>
+        </p:style>
+      </p:sp>
+      <p:sp>
+        <p:nvSpPr>
           <p:cNvPr id="2" name="Title Placeholder 1"/>
           <p:cNvSpPr>
             <a:spLocks noGrp="1"/>
@@ -5907,16 +3885,15 @@
         </p:nvSpPr>
         <p:spPr>
           <a:xfrm>
-            <a:off x="685801" y="609600"/>
-            <a:ext cx="10131425" cy="1456267"/>
+            <a:off x="1097280" y="286603"/>
+            <a:ext cx="10058400" cy="1450757"/>
           </a:xfrm>
           <a:prstGeom prst="rect">
             <a:avLst/>
           </a:prstGeom>
-          <a:effectLst/>
         </p:spPr>
         <p:txBody>
-          <a:bodyPr vert="horz" lIns="91440" tIns="45720" rIns="91440" bIns="45720" rtlCol="0" anchor="ctr">
+          <a:bodyPr vert="horz" lIns="91440" tIns="45720" rIns="91440" bIns="45720" rtlCol="0" anchor="b">
             <a:normAutofit/>
           </a:bodyPr>
           <a:lstStyle/>
@@ -5941,15 +3918,15 @@
         </p:nvSpPr>
         <p:spPr>
           <a:xfrm>
-            <a:off x="685801" y="2142067"/>
-            <a:ext cx="10131425" cy="3649133"/>
+            <a:off x="1097280" y="1845734"/>
+            <a:ext cx="10058400" cy="4023360"/>
           </a:xfrm>
           <a:prstGeom prst="rect">
             <a:avLst/>
           </a:prstGeom>
         </p:spPr>
         <p:txBody>
-          <a:bodyPr vert="horz" lIns="91440" tIns="45720" rIns="91440" bIns="45720" rtlCol="0" anchor="ctr">
+          <a:bodyPr vert="horz" lIns="0" tIns="45720" rIns="0" bIns="45720" rtlCol="0">
             <a:normAutofit/>
           </a:bodyPr>
           <a:lstStyle/>
@@ -6003,8 +3980,8 @@
         </p:nvSpPr>
         <p:spPr>
           <a:xfrm>
-            <a:off x="8589660" y="5870575"/>
-            <a:ext cx="1600200" cy="377825"/>
+            <a:off x="1097280" y="6459785"/>
+            <a:ext cx="2472271" cy="365125"/>
           </a:xfrm>
           <a:prstGeom prst="rect">
             <a:avLst/>
@@ -6013,13 +3990,11 @@
         <p:txBody>
           <a:bodyPr vert="horz" lIns="91440" tIns="45720" rIns="91440" bIns="45720" rtlCol="0" anchor="ctr"/>
           <a:lstStyle>
-            <a:lvl1pPr algn="r">
-              <a:defRPr sz="1000" b="0" i="0">
+            <a:lvl1pPr algn="l">
+              <a:defRPr sz="900">
                 <a:solidFill>
-                  <a:schemeClr val="tx1"/>
+                  <a:srgbClr val="FFFFFF"/>
                 </a:solidFill>
-                <a:effectLst/>
-                <a:latin typeface="+mn-lt"/>
               </a:defRPr>
             </a:lvl1pPr>
           </a:lstStyle>
@@ -6044,8 +4019,8 @@
         </p:nvSpPr>
         <p:spPr>
           <a:xfrm>
-            <a:off x="685800" y="5870575"/>
-            <a:ext cx="7827659" cy="377825"/>
+            <a:off x="3686185" y="6459785"/>
+            <a:ext cx="4822804" cy="365125"/>
           </a:xfrm>
           <a:prstGeom prst="rect">
             <a:avLst/>
@@ -6054,13 +4029,11 @@
         <p:txBody>
           <a:bodyPr vert="horz" lIns="91440" tIns="45720" rIns="91440" bIns="45720" rtlCol="0" anchor="ctr"/>
           <a:lstStyle>
-            <a:lvl1pPr algn="l">
-              <a:defRPr sz="1000" b="0" i="0">
+            <a:lvl1pPr algn="ctr">
+              <a:defRPr sz="900" cap="all" baseline="0">
                 <a:solidFill>
-                  <a:schemeClr val="tx1"/>
+                  <a:srgbClr val="FFFFFF"/>
                 </a:solidFill>
-                <a:effectLst/>
-                <a:latin typeface="+mn-lt"/>
               </a:defRPr>
             </a:lvl1pPr>
           </a:lstStyle>
@@ -6081,8 +4054,8 @@
         </p:nvSpPr>
         <p:spPr>
           <a:xfrm>
-            <a:off x="10266060" y="5870575"/>
-            <a:ext cx="551167" cy="377825"/>
+            <a:off x="9900458" y="6459785"/>
+            <a:ext cx="1312025" cy="365125"/>
           </a:xfrm>
           <a:prstGeom prst="rect">
             <a:avLst/>
@@ -6092,12 +4065,10 @@
           <a:bodyPr vert="horz" lIns="91440" tIns="45720" rIns="91440" bIns="45720" rtlCol="0" anchor="ctr"/>
           <a:lstStyle>
             <a:lvl1pPr algn="r">
-              <a:defRPr sz="1000" b="0" i="0">
+              <a:defRPr sz="1050">
                 <a:solidFill>
-                  <a:schemeClr val="tx1"/>
+                  <a:srgbClr val="FFFFFF"/>
                 </a:solidFill>
-                <a:effectLst/>
-                <a:latin typeface="+mn-lt"/>
               </a:defRPr>
             </a:lvl1pPr>
           </a:lstStyle>
@@ -6110,313 +4081,328 @@
           </a:p>
         </p:txBody>
       </p:sp>
+      <p:cxnSp>
+        <p:nvCxnSpPr>
+          <p:cNvPr id="10" name="Straight Connector 9"/>
+          <p:cNvCxnSpPr/>
+          <p:nvPr/>
+        </p:nvCxnSpPr>
+        <p:spPr>
+          <a:xfrm>
+            <a:off x="1193532" y="1737845"/>
+            <a:ext cx="9966960" cy="0"/>
+          </a:xfrm>
+          <a:prstGeom prst="line">
+            <a:avLst/>
+          </a:prstGeom>
+          <a:ln w="6350">
+            <a:solidFill>
+              <a:schemeClr val="tx1">
+                <a:lumMod val="50000"/>
+                <a:lumOff val="50000"/>
+              </a:schemeClr>
+            </a:solidFill>
+          </a:ln>
+        </p:spPr>
+        <p:style>
+          <a:lnRef idx="1">
+            <a:schemeClr val="accent1"/>
+          </a:lnRef>
+          <a:fillRef idx="0">
+            <a:schemeClr val="accent1"/>
+          </a:fillRef>
+          <a:effectRef idx="0">
+            <a:schemeClr val="accent1"/>
+          </a:effectRef>
+          <a:fontRef idx="minor">
+            <a:schemeClr val="tx1"/>
+          </a:fontRef>
+        </p:style>
+      </p:cxnSp>
     </p:spTree>
     <p:extLst>
       <p:ext uri="{BB962C8B-B14F-4D97-AF65-F5344CB8AC3E}">
-        <p14:creationId xmlns:p14="http://schemas.microsoft.com/office/powerpoint/2010/main" val="3854140044"/>
+        <p14:creationId xmlns:p14="http://schemas.microsoft.com/office/powerpoint/2010/main" val="3153858808"/>
       </p:ext>
     </p:extLst>
   </p:cSld>
-  <p:clrMap bg1="dk1" tx1="lt1" bg2="dk2" tx2="lt2" accent1="accent1" accent2="accent2" accent3="accent3" accent4="accent4" accent5="accent5" accent6="accent6" hlink="hlink" folHlink="folHlink"/>
+  <p:clrMap bg1="lt1" tx1="dk1" bg2="lt2" tx2="dk2" accent1="accent1" accent2="accent2" accent3="accent3" accent4="accent4" accent5="accent5" accent6="accent6" hlink="hlink" folHlink="folHlink"/>
   <p:sldLayoutIdLst>
-    <p:sldLayoutId id="2147483661" r:id="rId1"/>
-    <p:sldLayoutId id="2147483662" r:id="rId2"/>
-    <p:sldLayoutId id="2147483663" r:id="rId3"/>
-    <p:sldLayoutId id="2147483664" r:id="rId4"/>
-    <p:sldLayoutId id="2147483665" r:id="rId5"/>
-    <p:sldLayoutId id="2147483666" r:id="rId6"/>
-    <p:sldLayoutId id="2147483667" r:id="rId7"/>
-    <p:sldLayoutId id="2147483668" r:id="rId8"/>
-    <p:sldLayoutId id="2147483669" r:id="rId9"/>
-    <p:sldLayoutId id="2147483670" r:id="rId10"/>
-    <p:sldLayoutId id="2147483671" r:id="rId11"/>
-    <p:sldLayoutId id="2147483672" r:id="rId12"/>
-    <p:sldLayoutId id="2147483673" r:id="rId13"/>
-    <p:sldLayoutId id="2147483674" r:id="rId14"/>
-    <p:sldLayoutId id="2147483675" r:id="rId15"/>
-    <p:sldLayoutId id="2147483676" r:id="rId16"/>
-    <p:sldLayoutId id="2147483677" r:id="rId17"/>
+    <p:sldLayoutId id="2147483768" r:id="rId1"/>
+    <p:sldLayoutId id="2147483769" r:id="rId2"/>
+    <p:sldLayoutId id="2147483770" r:id="rId3"/>
+    <p:sldLayoutId id="2147483771" r:id="rId4"/>
+    <p:sldLayoutId id="2147483772" r:id="rId5"/>
+    <p:sldLayoutId id="2147483773" r:id="rId6"/>
+    <p:sldLayoutId id="2147483774" r:id="rId7"/>
+    <p:sldLayoutId id="2147483775" r:id="rId8"/>
+    <p:sldLayoutId id="2147483776" r:id="rId9"/>
+    <p:sldLayoutId id="2147483777" r:id="rId10"/>
+    <p:sldLayoutId id="2147483778" r:id="rId11"/>
   </p:sldLayoutIdLst>
   <p:txStyles>
     <p:titleStyle>
-      <a:lvl1pPr algn="l" defTabSz="457200" rtl="0" eaLnBrk="1" latinLnBrk="0" hangingPunct="1">
+      <a:lvl1pPr algn="l" defTabSz="914400" rtl="0" eaLnBrk="1" latinLnBrk="0" hangingPunct="1">
+        <a:lnSpc>
+          <a:spcPct val="85000"/>
+        </a:lnSpc>
         <a:spcBef>
           <a:spcPct val="0"/>
         </a:spcBef>
         <a:buNone/>
-        <a:defRPr sz="3600" kern="1200" cap="all">
-          <a:ln w="3175" cmpd="sng">
-            <a:noFill/>
-          </a:ln>
+        <a:defRPr sz="4800" kern="1200" spc="-50" baseline="0">
           <a:solidFill>
-            <a:schemeClr val="tx1"/>
+            <a:schemeClr val="tx1">
+              <a:lumMod val="75000"/>
+              <a:lumOff val="25000"/>
+            </a:schemeClr>
           </a:solidFill>
-          <a:effectLst/>
           <a:latin typeface="+mj-lt"/>
           <a:ea typeface="+mj-ea"/>
           <a:cs typeface="+mj-cs"/>
         </a:defRPr>
       </a:lvl1pPr>
-      <a:lvl2pPr eaLnBrk="1" hangingPunct="1">
-        <a:defRPr>
-          <a:solidFill>
-            <a:schemeClr val="tx2"/>
-          </a:solidFill>
-        </a:defRPr>
-      </a:lvl2pPr>
-      <a:lvl3pPr eaLnBrk="1" hangingPunct="1">
-        <a:defRPr>
-          <a:solidFill>
-            <a:schemeClr val="tx2"/>
-          </a:solidFill>
-        </a:defRPr>
-      </a:lvl3pPr>
-      <a:lvl4pPr eaLnBrk="1" hangingPunct="1">
-        <a:defRPr>
-          <a:solidFill>
-            <a:schemeClr val="tx2"/>
-          </a:solidFill>
-        </a:defRPr>
-      </a:lvl4pPr>
-      <a:lvl5pPr eaLnBrk="1" hangingPunct="1">
-        <a:defRPr>
-          <a:solidFill>
-            <a:schemeClr val="tx2"/>
-          </a:solidFill>
-        </a:defRPr>
-      </a:lvl5pPr>
-      <a:lvl6pPr eaLnBrk="1" hangingPunct="1">
-        <a:defRPr>
-          <a:solidFill>
-            <a:schemeClr val="tx2"/>
-          </a:solidFill>
-        </a:defRPr>
-      </a:lvl6pPr>
-      <a:lvl7pPr eaLnBrk="1" hangingPunct="1">
-        <a:defRPr>
-          <a:solidFill>
-            <a:schemeClr val="tx2"/>
-          </a:solidFill>
-        </a:defRPr>
-      </a:lvl7pPr>
-      <a:lvl8pPr eaLnBrk="1" hangingPunct="1">
-        <a:defRPr>
-          <a:solidFill>
-            <a:schemeClr val="tx2"/>
-          </a:solidFill>
-        </a:defRPr>
-      </a:lvl8pPr>
-      <a:lvl9pPr eaLnBrk="1" hangingPunct="1">
-        <a:defRPr>
-          <a:solidFill>
-            <a:schemeClr val="tx2"/>
-          </a:solidFill>
-        </a:defRPr>
-      </a:lvl9pPr>
     </p:titleStyle>
     <p:bodyStyle>
-      <a:lvl1pPr marL="285750" indent="-285750" algn="l" defTabSz="457200" rtl="0" eaLnBrk="1" latinLnBrk="0" hangingPunct="1">
+      <a:lvl1pPr marL="91440" indent="-91440" algn="l" defTabSz="914400" rtl="0" eaLnBrk="1" latinLnBrk="0" hangingPunct="1">
+        <a:lnSpc>
+          <a:spcPct val="90000"/>
+        </a:lnSpc>
         <a:spcBef>
-          <a:spcPts val="0"/>
+          <a:spcPts val="1200"/>
         </a:spcBef>
         <a:spcAft>
-          <a:spcPts val="1000"/>
+          <a:spcPts val="200"/>
         </a:spcAft>
         <a:buClr>
-          <a:schemeClr val="tx1"/>
+          <a:schemeClr val="accent1"/>
         </a:buClr>
         <a:buSzPct val="100000"/>
-        <a:buFont typeface="Arial"/>
-        <a:buChar char="•"/>
-        <a:defRPr sz="1800" kern="1200" cap="none">
+        <a:buFont typeface="Calibri" panose="020F0502020204030204" pitchFamily="34" charset="0"/>
+        <a:buChar char=" "/>
+        <a:defRPr sz="2000" kern="1200">
           <a:solidFill>
-            <a:schemeClr val="tx1"/>
+            <a:schemeClr val="tx1">
+              <a:lumMod val="75000"/>
+              <a:lumOff val="25000"/>
+            </a:schemeClr>
           </a:solidFill>
-          <a:effectLst/>
           <a:latin typeface="+mn-lt"/>
           <a:ea typeface="+mn-ea"/>
           <a:cs typeface="+mn-cs"/>
         </a:defRPr>
       </a:lvl1pPr>
-      <a:lvl2pPr marL="742950" indent="-285750" algn="l" defTabSz="457200" rtl="0" eaLnBrk="1" latinLnBrk="0" hangingPunct="1">
+      <a:lvl2pPr marL="384048" indent="-182880" algn="l" defTabSz="914400" rtl="0" eaLnBrk="1" latinLnBrk="0" hangingPunct="1">
+        <a:lnSpc>
+          <a:spcPct val="90000"/>
+        </a:lnSpc>
         <a:spcBef>
-          <a:spcPts val="0"/>
+          <a:spcPts val="200"/>
         </a:spcBef>
         <a:spcAft>
-          <a:spcPts val="1000"/>
+          <a:spcPts val="400"/>
         </a:spcAft>
         <a:buClr>
-          <a:schemeClr val="tx1"/>
+          <a:schemeClr val="accent1"/>
         </a:buClr>
-        <a:buSzPct val="100000"/>
-        <a:buFont typeface="Arial"/>
-        <a:buChar char="•"/>
-        <a:defRPr sz="1600" kern="1200" cap="none">
+        <a:buFont typeface="Calibri" pitchFamily="34" charset="0"/>
+        <a:buChar char="◦"/>
+        <a:defRPr sz="1800" kern="1200">
           <a:solidFill>
-            <a:schemeClr val="tx1"/>
+            <a:schemeClr val="tx1">
+              <a:lumMod val="75000"/>
+              <a:lumOff val="25000"/>
+            </a:schemeClr>
           </a:solidFill>
-          <a:effectLst/>
           <a:latin typeface="+mn-lt"/>
           <a:ea typeface="+mn-ea"/>
           <a:cs typeface="+mn-cs"/>
         </a:defRPr>
       </a:lvl2pPr>
-      <a:lvl3pPr marL="1200150" indent="-285750" algn="l" defTabSz="457200" rtl="0" eaLnBrk="1" latinLnBrk="0" hangingPunct="1">
+      <a:lvl3pPr marL="566928" indent="-182880" algn="l" defTabSz="914400" rtl="0" eaLnBrk="1" latinLnBrk="0" hangingPunct="1">
+        <a:lnSpc>
+          <a:spcPct val="90000"/>
+        </a:lnSpc>
         <a:spcBef>
-          <a:spcPts val="0"/>
+          <a:spcPts val="200"/>
         </a:spcBef>
         <a:spcAft>
-          <a:spcPts val="1000"/>
+          <a:spcPts val="400"/>
         </a:spcAft>
         <a:buClr>
-          <a:schemeClr val="tx1"/>
+          <a:schemeClr val="accent1"/>
         </a:buClr>
-        <a:buSzPct val="100000"/>
-        <a:buFont typeface="Arial"/>
-        <a:buChar char="•"/>
-        <a:defRPr sz="1400" kern="1200" cap="none">
+        <a:buFont typeface="Calibri" pitchFamily="34" charset="0"/>
+        <a:buChar char="◦"/>
+        <a:defRPr sz="1400" kern="1200">
           <a:solidFill>
-            <a:schemeClr val="tx1"/>
+            <a:schemeClr val="tx1">
+              <a:lumMod val="75000"/>
+              <a:lumOff val="25000"/>
+            </a:schemeClr>
           </a:solidFill>
-          <a:effectLst/>
           <a:latin typeface="+mn-lt"/>
           <a:ea typeface="+mn-ea"/>
           <a:cs typeface="+mn-cs"/>
         </a:defRPr>
       </a:lvl3pPr>
-      <a:lvl4pPr marL="1543050" indent="-171450" algn="l" defTabSz="457200" rtl="0" eaLnBrk="1" latinLnBrk="0" hangingPunct="1">
+      <a:lvl4pPr marL="749808" indent="-182880" algn="l" defTabSz="914400" rtl="0" eaLnBrk="1" latinLnBrk="0" hangingPunct="1">
+        <a:lnSpc>
+          <a:spcPct val="90000"/>
+        </a:lnSpc>
         <a:spcBef>
-          <a:spcPts val="0"/>
+          <a:spcPts val="200"/>
         </a:spcBef>
         <a:spcAft>
-          <a:spcPts val="1000"/>
+          <a:spcPts val="400"/>
         </a:spcAft>
         <a:buClr>
-          <a:schemeClr val="tx1"/>
+          <a:schemeClr val="accent1"/>
         </a:buClr>
-        <a:buSzPct val="100000"/>
-        <a:buFont typeface="Arial"/>
-        <a:buChar char="•"/>
-        <a:defRPr sz="1200" kern="1200" cap="none">
+        <a:buFont typeface="Calibri" pitchFamily="34" charset="0"/>
+        <a:buChar char="◦"/>
+        <a:defRPr sz="1400" kern="1200">
           <a:solidFill>
-            <a:schemeClr val="tx1"/>
+            <a:schemeClr val="tx1">
+              <a:lumMod val="75000"/>
+              <a:lumOff val="25000"/>
+            </a:schemeClr>
           </a:solidFill>
-          <a:effectLst/>
           <a:latin typeface="+mn-lt"/>
           <a:ea typeface="+mn-ea"/>
           <a:cs typeface="+mn-cs"/>
         </a:defRPr>
       </a:lvl4pPr>
-      <a:lvl5pPr marL="2000250" indent="-171450" algn="l" defTabSz="457200" rtl="0" eaLnBrk="1" latinLnBrk="0" hangingPunct="1">
+      <a:lvl5pPr marL="932688" indent="-182880" algn="l" defTabSz="914400" rtl="0" eaLnBrk="1" latinLnBrk="0" hangingPunct="1">
+        <a:lnSpc>
+          <a:spcPct val="90000"/>
+        </a:lnSpc>
         <a:spcBef>
-          <a:spcPts val="0"/>
+          <a:spcPts val="200"/>
         </a:spcBef>
         <a:spcAft>
-          <a:spcPts val="1000"/>
+          <a:spcPts val="400"/>
         </a:spcAft>
         <a:buClr>
-          <a:schemeClr val="tx1"/>
+          <a:schemeClr val="accent1"/>
         </a:buClr>
-        <a:buSzPct val="100000"/>
-        <a:buFont typeface="Arial"/>
-        <a:buChar char="•"/>
-        <a:defRPr sz="1200" kern="1200" cap="none">
+        <a:buFont typeface="Calibri" pitchFamily="34" charset="0"/>
+        <a:buChar char="◦"/>
+        <a:defRPr sz="1400" kern="1200">
           <a:solidFill>
-            <a:schemeClr val="tx1"/>
+            <a:schemeClr val="tx1">
+              <a:lumMod val="75000"/>
+              <a:lumOff val="25000"/>
+            </a:schemeClr>
           </a:solidFill>
-          <a:effectLst/>
           <a:latin typeface="+mn-lt"/>
           <a:ea typeface="+mn-ea"/>
           <a:cs typeface="+mn-cs"/>
         </a:defRPr>
       </a:lvl5pPr>
-      <a:lvl6pPr marL="2514600" indent="-228600" algn="l" defTabSz="457200" rtl="0" eaLnBrk="1" latinLnBrk="0" hangingPunct="1">
+      <a:lvl6pPr marL="1100000" indent="-228600" algn="l" defTabSz="914400" rtl="0" eaLnBrk="1" latinLnBrk="0" hangingPunct="1">
+        <a:lnSpc>
+          <a:spcPct val="90000"/>
+        </a:lnSpc>
         <a:spcBef>
-          <a:spcPts val="0"/>
+          <a:spcPts val="200"/>
         </a:spcBef>
         <a:spcAft>
-          <a:spcPts val="1000"/>
+          <a:spcPts val="400"/>
         </a:spcAft>
         <a:buClr>
-          <a:schemeClr val="tx1"/>
+          <a:schemeClr val="accent1"/>
         </a:buClr>
-        <a:buSzPct val="100000"/>
-        <a:buFont typeface="Arial"/>
-        <a:buChar char="•"/>
-        <a:defRPr sz="1200" kern="1200" cap="none">
+        <a:buFont typeface="Calibri" pitchFamily="34" charset="0"/>
+        <a:buChar char="◦"/>
+        <a:defRPr sz="1400" kern="1200">
           <a:solidFill>
-            <a:schemeClr val="tx1"/>
+            <a:schemeClr val="tx1">
+              <a:lumMod val="75000"/>
+              <a:lumOff val="25000"/>
+            </a:schemeClr>
           </a:solidFill>
-          <a:effectLst/>
           <a:latin typeface="+mn-lt"/>
           <a:ea typeface="+mn-ea"/>
           <a:cs typeface="+mn-cs"/>
         </a:defRPr>
       </a:lvl6pPr>
-      <a:lvl7pPr marL="2971800" indent="-228600" algn="l" defTabSz="457200" rtl="0" eaLnBrk="1" latinLnBrk="0" hangingPunct="1">
+      <a:lvl7pPr marL="1300000" indent="-228600" algn="l" defTabSz="914400" rtl="0" eaLnBrk="1" latinLnBrk="0" hangingPunct="1">
+        <a:lnSpc>
+          <a:spcPct val="90000"/>
+        </a:lnSpc>
         <a:spcBef>
-          <a:spcPts val="0"/>
+          <a:spcPts val="200"/>
         </a:spcBef>
         <a:spcAft>
-          <a:spcPts val="1000"/>
+          <a:spcPts val="400"/>
         </a:spcAft>
         <a:buClr>
-          <a:schemeClr val="tx1"/>
+          <a:schemeClr val="accent1"/>
         </a:buClr>
-        <a:buSzPct val="100000"/>
-        <a:buFont typeface="Arial"/>
-        <a:buChar char="•"/>
-        <a:defRPr sz="1200" kern="1200" cap="none">
+        <a:buFont typeface="Calibri" pitchFamily="34" charset="0"/>
+        <a:buChar char="◦"/>
+        <a:defRPr sz="1400" kern="1200">
           <a:solidFill>
-            <a:schemeClr val="tx1"/>
+            <a:schemeClr val="tx1">
+              <a:lumMod val="75000"/>
+              <a:lumOff val="25000"/>
+            </a:schemeClr>
           </a:solidFill>
-          <a:effectLst/>
           <a:latin typeface="+mn-lt"/>
           <a:ea typeface="+mn-ea"/>
           <a:cs typeface="+mn-cs"/>
         </a:defRPr>
       </a:lvl7pPr>
-      <a:lvl8pPr marL="3429000" indent="-228600" algn="l" defTabSz="457200" rtl="0" eaLnBrk="1" latinLnBrk="0" hangingPunct="1">
+      <a:lvl8pPr marL="1500000" indent="-228600" algn="l" defTabSz="914400" rtl="0" eaLnBrk="1" latinLnBrk="0" hangingPunct="1">
+        <a:lnSpc>
+          <a:spcPct val="90000"/>
+        </a:lnSpc>
         <a:spcBef>
-          <a:spcPts val="0"/>
+          <a:spcPts val="200"/>
         </a:spcBef>
         <a:spcAft>
-          <a:spcPts val="1000"/>
+          <a:spcPts val="400"/>
         </a:spcAft>
         <a:buClr>
-          <a:schemeClr val="tx1"/>
+          <a:schemeClr val="accent1"/>
         </a:buClr>
-        <a:buSzPct val="100000"/>
-        <a:buFont typeface="Arial"/>
-        <a:buChar char="•"/>
-        <a:defRPr sz="1200" kern="1200" cap="none">
+        <a:buFont typeface="Calibri" pitchFamily="34" charset="0"/>
+        <a:buChar char="◦"/>
+        <a:defRPr sz="1400" kern="1200">
           <a:solidFill>
-            <a:schemeClr val="tx1"/>
+            <a:schemeClr val="tx1">
+              <a:lumMod val="75000"/>
+              <a:lumOff val="25000"/>
+            </a:schemeClr>
           </a:solidFill>
-          <a:effectLst/>
           <a:latin typeface="+mn-lt"/>
           <a:ea typeface="+mn-ea"/>
           <a:cs typeface="+mn-cs"/>
         </a:defRPr>
       </a:lvl8pPr>
-      <a:lvl9pPr marL="3886200" indent="-228600" algn="l" defTabSz="457200" rtl="0" eaLnBrk="1" latinLnBrk="0" hangingPunct="1">
+      <a:lvl9pPr marL="1700000" indent="-228600" algn="l" defTabSz="914400" rtl="0" eaLnBrk="1" latinLnBrk="0" hangingPunct="1">
+        <a:lnSpc>
+          <a:spcPct val="90000"/>
+        </a:lnSpc>
         <a:spcBef>
-          <a:spcPts val="0"/>
+          <a:spcPts val="200"/>
         </a:spcBef>
         <a:spcAft>
-          <a:spcPts val="1000"/>
+          <a:spcPts val="400"/>
         </a:spcAft>
         <a:buClr>
-          <a:schemeClr val="tx1"/>
+          <a:schemeClr val="accent1"/>
         </a:buClr>
-        <a:buSzPct val="100000"/>
-        <a:buFont typeface="Arial"/>
-        <a:buChar char="•"/>
-        <a:defRPr sz="1200" kern="1200" cap="none">
+        <a:buFont typeface="Calibri" pitchFamily="34" charset="0"/>
+        <a:buChar char="◦"/>
+        <a:defRPr sz="1400" kern="1200">
           <a:solidFill>
-            <a:schemeClr val="tx1"/>
+            <a:schemeClr val="tx1">
+              <a:lumMod val="75000"/>
+              <a:lumOff val="25000"/>
+            </a:schemeClr>
           </a:solidFill>
-          <a:effectLst/>
           <a:latin typeface="+mn-lt"/>
           <a:ea typeface="+mn-ea"/>
           <a:cs typeface="+mn-cs"/>
@@ -6427,7 +4413,7 @@
       <a:defPPr>
         <a:defRPr lang="en-US"/>
       </a:defPPr>
-      <a:lvl1pPr marL="0" algn="l" defTabSz="457200" rtl="0" eaLnBrk="1" latinLnBrk="0" hangingPunct="1">
+      <a:lvl1pPr marL="0" algn="l" defTabSz="914400" rtl="0" eaLnBrk="1" latinLnBrk="0" hangingPunct="1">
         <a:defRPr sz="1800" kern="1200">
           <a:solidFill>
             <a:schemeClr val="tx1"/>
@@ -6437,7 +4423,7 @@
           <a:cs typeface="+mn-cs"/>
         </a:defRPr>
       </a:lvl1pPr>
-      <a:lvl2pPr marL="457200" algn="l" defTabSz="457200" rtl="0" eaLnBrk="1" latinLnBrk="0" hangingPunct="1">
+      <a:lvl2pPr marL="457200" algn="l" defTabSz="914400" rtl="0" eaLnBrk="1" latinLnBrk="0" hangingPunct="1">
         <a:defRPr sz="1800" kern="1200">
           <a:solidFill>
             <a:schemeClr val="tx1"/>
@@ -6447,7 +4433,7 @@
           <a:cs typeface="+mn-cs"/>
         </a:defRPr>
       </a:lvl2pPr>
-      <a:lvl3pPr marL="914400" algn="l" defTabSz="457200" rtl="0" eaLnBrk="1" latinLnBrk="0" hangingPunct="1">
+      <a:lvl3pPr marL="914400" algn="l" defTabSz="914400" rtl="0" eaLnBrk="1" latinLnBrk="0" hangingPunct="1">
         <a:defRPr sz="1800" kern="1200">
           <a:solidFill>
             <a:schemeClr val="tx1"/>
@@ -6457,7 +4443,7 @@
           <a:cs typeface="+mn-cs"/>
         </a:defRPr>
       </a:lvl3pPr>
-      <a:lvl4pPr marL="1371600" algn="l" defTabSz="457200" rtl="0" eaLnBrk="1" latinLnBrk="0" hangingPunct="1">
+      <a:lvl4pPr marL="1371600" algn="l" defTabSz="914400" rtl="0" eaLnBrk="1" latinLnBrk="0" hangingPunct="1">
         <a:defRPr sz="1800" kern="1200">
           <a:solidFill>
             <a:schemeClr val="tx1"/>
@@ -6467,7 +4453,7 @@
           <a:cs typeface="+mn-cs"/>
         </a:defRPr>
       </a:lvl4pPr>
-      <a:lvl5pPr marL="1828800" algn="l" defTabSz="457200" rtl="0" eaLnBrk="1" latinLnBrk="0" hangingPunct="1">
+      <a:lvl5pPr marL="1828800" algn="l" defTabSz="914400" rtl="0" eaLnBrk="1" latinLnBrk="0" hangingPunct="1">
         <a:defRPr sz="1800" kern="1200">
           <a:solidFill>
             <a:schemeClr val="tx1"/>
@@ -6477,7 +4463,7 @@
           <a:cs typeface="+mn-cs"/>
         </a:defRPr>
       </a:lvl5pPr>
-      <a:lvl6pPr marL="2286000" algn="l" defTabSz="457200" rtl="0" eaLnBrk="1" latinLnBrk="0" hangingPunct="1">
+      <a:lvl6pPr marL="2286000" algn="l" defTabSz="914400" rtl="0" eaLnBrk="1" latinLnBrk="0" hangingPunct="1">
         <a:defRPr sz="1800" kern="1200">
           <a:solidFill>
             <a:schemeClr val="tx1"/>
@@ -6487,7 +4473,7 @@
           <a:cs typeface="+mn-cs"/>
         </a:defRPr>
       </a:lvl6pPr>
-      <a:lvl7pPr marL="2743200" algn="l" defTabSz="457200" rtl="0" eaLnBrk="1" latinLnBrk="0" hangingPunct="1">
+      <a:lvl7pPr marL="2743200" algn="l" defTabSz="914400" rtl="0" eaLnBrk="1" latinLnBrk="0" hangingPunct="1">
         <a:defRPr sz="1800" kern="1200">
           <a:solidFill>
             <a:schemeClr val="tx1"/>
@@ -6497,7 +4483,7 @@
           <a:cs typeface="+mn-cs"/>
         </a:defRPr>
       </a:lvl7pPr>
-      <a:lvl8pPr marL="3200400" algn="l" defTabSz="457200" rtl="0" eaLnBrk="1" latinLnBrk="0" hangingPunct="1">
+      <a:lvl8pPr marL="3200400" algn="l" defTabSz="914400" rtl="0" eaLnBrk="1" latinLnBrk="0" hangingPunct="1">
         <a:defRPr sz="1800" kern="1200">
           <a:solidFill>
             <a:schemeClr val="tx1"/>
@@ -6507,7 +4493,7 @@
           <a:cs typeface="+mn-cs"/>
         </a:defRPr>
       </a:lvl8pPr>
-      <a:lvl9pPr marL="3657600" algn="l" defTabSz="457200" rtl="0" eaLnBrk="1" latinLnBrk="0" hangingPunct="1">
+      <a:lvl9pPr marL="3657600" algn="l" defTabSz="914400" rtl="0" eaLnBrk="1" latinLnBrk="0" hangingPunct="1">
         <a:defRPr sz="1800" kern="1200">
           <a:solidFill>
             <a:schemeClr val="tx1"/>
@@ -6567,7 +4553,7 @@
           <a:p>
             <a:r>
               <a:rPr lang="en-IN" dirty="0"/>
-              <a:t>CREATING Cloud Migration Strategy</a:t>
+              <a:t>Cloud Migration Strategy</a:t>
             </a:r>
           </a:p>
         </p:txBody>
@@ -6594,8 +4580,12 @@
           <a:lstStyle/>
           <a:p>
             <a:r>
+              <a:rPr lang="en-IN"/>
+              <a:t>                                                                     Phani </a:t>
+            </a:r>
+            <a:r>
               <a:rPr lang="en-IN" dirty="0"/>
-              <a:t>                                                                         Phani Kishore Lanka</a:t>
+              <a:t>Kishore Lanka</a:t>
             </a:r>
           </a:p>
         </p:txBody>
@@ -6938,7 +4928,7 @@
         </p:nvSpPr>
         <p:spPr>
           <a:xfrm>
-            <a:off x="-1200250" y="315304"/>
+            <a:off x="405606" y="490631"/>
             <a:ext cx="6557169" cy="613573"/>
           </a:xfrm>
         </p:spPr>
@@ -15806,47 +13796,47 @@
 </file>
 
 <file path=ppt/theme/theme1.xml><?xml version="1.0" encoding="utf-8"?>
-<a:theme xmlns:a="http://schemas.openxmlformats.org/drawingml/2006/main" name="Celestial">
+<a:theme xmlns:a="http://schemas.openxmlformats.org/drawingml/2006/main" name="Retrospect">
   <a:themeElements>
-    <a:clrScheme name="Celestial">
+    <a:clrScheme name="Retrospect">
       <a:dk1>
-        <a:sysClr val="windowText" lastClr="000000"/>
+        <a:srgbClr val="000000"/>
       </a:dk1>
       <a:lt1>
         <a:sysClr val="window" lastClr="FFFFFF"/>
       </a:lt1>
       <a:dk2>
-        <a:srgbClr val="18276C"/>
+        <a:srgbClr val="637052"/>
       </a:dk2>
       <a:lt2>
-        <a:srgbClr val="EBEBEB"/>
+        <a:srgbClr val="CCDDEA"/>
       </a:lt2>
       <a:accent1>
-        <a:srgbClr val="AC3EC1"/>
+        <a:srgbClr val="E48312"/>
       </a:accent1>
       <a:accent2>
-        <a:srgbClr val="477BD1"/>
+        <a:srgbClr val="BD582C"/>
       </a:accent2>
       <a:accent3>
-        <a:srgbClr val="46B298"/>
+        <a:srgbClr val="865640"/>
       </a:accent3>
       <a:accent4>
-        <a:srgbClr val="90BA4C"/>
+        <a:srgbClr val="9B8357"/>
       </a:accent4>
       <a:accent5>
-        <a:srgbClr val="DD9D31"/>
+        <a:srgbClr val="C2BC80"/>
       </a:accent5>
       <a:accent6>
-        <a:srgbClr val="E25247"/>
+        <a:srgbClr val="94A088"/>
       </a:accent6>
       <a:hlink>
-        <a:srgbClr val="C573D2"/>
+        <a:srgbClr val="2998E3"/>
       </a:hlink>
       <a:folHlink>
-        <a:srgbClr val="CCAEE8"/>
+        <a:srgbClr val="8C8C8C"/>
       </a:folHlink>
     </a:clrScheme>
-    <a:fontScheme name="Celestial">
+    <a:fontScheme name="Retrospect">
       <a:majorFont>
         <a:latin typeface="Calibri Light" panose="020F0302020204030204"/>
         <a:ea typeface=""/>
@@ -15918,7 +13908,7 @@
         <a:font script="Geor" typeface="Sylfaen"/>
       </a:minorFont>
     </a:fontScheme>
-    <a:fmtScheme name="Celestial">
+    <a:fmtScheme name="Retrospect">
       <a:fillStyleLst>
         <a:solidFill>
           <a:schemeClr val="phClr"/>
@@ -15927,51 +13917,77 @@
           <a:gsLst>
             <a:gs pos="0">
               <a:schemeClr val="phClr">
-                <a:tint val="70000"/>
-                <a:lumMod val="110000"/>
+                <a:tint val="65000"/>
+                <a:shade val="92000"/>
+                <a:satMod val="130000"/>
+              </a:schemeClr>
+            </a:gs>
+            <a:gs pos="45000">
+              <a:schemeClr val="phClr">
+                <a:tint val="60000"/>
+                <a:shade val="99000"/>
+                <a:satMod val="120000"/>
               </a:schemeClr>
             </a:gs>
             <a:gs pos="100000">
               <a:schemeClr val="phClr">
-                <a:tint val="82000"/>
-                <a:alpha val="74000"/>
+                <a:tint val="55000"/>
+                <a:satMod val="140000"/>
               </a:schemeClr>
             </a:gs>
           </a:gsLst>
-          <a:lin ang="5400000" scaled="0"/>
+          <a:path path="circle">
+            <a:fillToRect l="100000" t="100000" r="100000" b="100000"/>
+          </a:path>
         </a:gradFill>
         <a:gradFill rotWithShape="1">
           <a:gsLst>
             <a:gs pos="0">
               <a:schemeClr val="phClr">
-                <a:tint val="98000"/>
-                <a:lumMod val="100000"/>
+                <a:shade val="85000"/>
+                <a:satMod val="130000"/>
+              </a:schemeClr>
+            </a:gs>
+            <a:gs pos="34000">
+              <a:schemeClr val="phClr">
+                <a:shade val="87000"/>
+                <a:satMod val="125000"/>
+              </a:schemeClr>
+            </a:gs>
+            <a:gs pos="70000">
+              <a:schemeClr val="phClr">
+                <a:tint val="100000"/>
+                <a:shade val="90000"/>
+                <a:satMod val="130000"/>
               </a:schemeClr>
             </a:gs>
             <a:gs pos="100000">
               <a:schemeClr val="phClr">
-                <a:shade val="88000"/>
-                <a:lumMod val="88000"/>
+                <a:tint val="100000"/>
+                <a:shade val="100000"/>
+                <a:satMod val="110000"/>
               </a:schemeClr>
             </a:gs>
           </a:gsLst>
-          <a:lin ang="5400000" scaled="1"/>
+          <a:path path="circle">
+            <a:fillToRect l="100000" t="100000" r="100000" b="100000"/>
+          </a:path>
         </a:gradFill>
       </a:fillStyleLst>
       <a:lnStyleLst>
-        <a:ln w="9525" cap="rnd" cmpd="sng" algn="ctr">
+        <a:ln w="12700" cap="flat" cmpd="sng" algn="ctr">
           <a:solidFill>
             <a:schemeClr val="phClr"/>
           </a:solidFill>
           <a:prstDash val="solid"/>
         </a:ln>
-        <a:ln w="19050" cap="rnd" cmpd="sng" algn="ctr">
+        <a:ln w="15875" cap="flat" cmpd="sng" algn="ctr">
           <a:solidFill>
             <a:schemeClr val="phClr"/>
           </a:solidFill>
           <a:prstDash val="solid"/>
         </a:ln>
-        <a:ln w="25400" cap="rnd" cmpd="sng" algn="ctr">
+        <a:ln w="25400" cap="flat" cmpd="sng" algn="ctr">
           <a:solidFill>
             <a:schemeClr val="phClr"/>
           </a:solidFill>
@@ -15984,18 +14000,18 @@
         </a:effectStyle>
         <a:effectStyle>
           <a:effectLst>
-            <a:outerShdw blurRad="50800" dist="38100" dir="5400000" rotWithShape="0">
+            <a:outerShdw blurRad="38100" dist="25400" dir="2700000" algn="br" rotWithShape="0">
               <a:srgbClr val="000000">
-                <a:alpha val="35000"/>
+                <a:alpha val="60000"/>
               </a:srgbClr>
             </a:outerShdw>
           </a:effectLst>
         </a:effectStyle>
         <a:effectStyle>
           <a:effectLst>
-            <a:outerShdw blurRad="63500" dist="38100" dir="5400000" rotWithShape="0">
+            <a:outerShdw blurRad="44450" dist="25400" dir="2700000" algn="br" rotWithShape="0">
               <a:srgbClr val="000000">
-                <a:alpha val="65000"/>
+                <a:alpha val="60000"/>
               </a:srgbClr>
             </a:outerShdw>
           </a:effectLst>
@@ -16003,12 +14019,12 @@
             <a:camera prst="orthographicFront">
               <a:rot lat="0" lon="0" rev="0"/>
             </a:camera>
-            <a:lightRig rig="threePt" dir="tl">
-              <a:rot lat="0" lon="0" rev="1200000"/>
+            <a:lightRig rig="threePt" dir="t">
+              <a:rot lat="0" lon="0" rev="19800000"/>
             </a:lightRig>
           </a:scene3d>
-          <a:sp3d>
-            <a:bevelT w="38100" h="12700"/>
+          <a:sp3d prstMaterial="flat">
+            <a:bevelT w="25400" h="31750"/>
           </a:sp3d>
         </a:effectStyle>
       </a:effectStyleLst>
@@ -16016,31 +14032,39 @@
         <a:solidFill>
           <a:schemeClr val="phClr"/>
         </a:solidFill>
+        <a:solidFill>
+          <a:schemeClr val="phClr">
+            <a:tint val="90000"/>
+            <a:shade val="97000"/>
+            <a:satMod val="130000"/>
+          </a:schemeClr>
+        </a:solidFill>
         <a:gradFill rotWithShape="1">
           <a:gsLst>
             <a:gs pos="0">
               <a:schemeClr val="phClr">
-                <a:tint val="90000"/>
-                <a:shade val="96000"/>
-                <a:hueMod val="100000"/>
-                <a:satMod val="180000"/>
-                <a:lumMod val="110000"/>
+                <a:tint val="96000"/>
+                <a:shade val="99000"/>
+                <a:satMod val="140000"/>
+              </a:schemeClr>
+            </a:gs>
+            <a:gs pos="65000">
+              <a:schemeClr val="phClr">
+                <a:tint val="100000"/>
+                <a:shade val="80000"/>
+                <a:satMod val="130000"/>
               </a:schemeClr>
             </a:gs>
             <a:gs pos="100000">
               <a:schemeClr val="phClr">
-                <a:shade val="96000"/>
-                <a:satMod val="160000"/>
-                <a:lumMod val="100000"/>
+                <a:tint val="100000"/>
+                <a:shade val="48000"/>
+                <a:satMod val="120000"/>
               </a:schemeClr>
             </a:gs>
           </a:gsLst>
-          <a:lin ang="4740000" scaled="1"/>
+          <a:lin ang="16200000" scaled="0"/>
         </a:gradFill>
-        <a:blipFill>
-          <a:blip xmlns:r="http://schemas.openxmlformats.org/officeDocument/2006/relationships" r:embed="rId1"/>
-          <a:stretch/>
-        </a:blipFill>
       </a:bgFillStyleLst>
     </a:fmtScheme>
   </a:themeElements>
@@ -16048,7 +14072,7 @@
   <a:extraClrSchemeLst/>
   <a:extLst>
     <a:ext uri="{05A4C25C-085E-4340-85A3-A5531E510DB2}">
-      <thm15:themeFamily xmlns:thm15="http://schemas.microsoft.com/office/thememl/2012/main" name="Celestial" id="{C4BB2A3D-0E93-4C5F-B0D2-9D3FCE089CC5}" vid="{42E5908D-19A2-46FD-89FA-638B126129EF}"/>
+      <thm15:themeFamily xmlns:thm15="http://schemas.microsoft.com/office/thememl/2012/main" name="Retrospect" id="{5F128B03-DCCA-4EEB-AB3B-CF2899314A46}" vid="{3F1AAB62-24C6-49D2-8E01-B56FAC9A3DCD}"/>
     </a:ext>
   </a:extLst>
 </a:theme>
